--- a/course/Spring-Day2.pptx
+++ b/course/Spring-Day2.pptx
@@ -2,7 +2,7 @@
 <file path=ppt/presentation.xml><?xml version="1.0" encoding="utf-8"?>
 <p:presentation xmlns:a="http://schemas.openxmlformats.org/drawingml/2006/main" xmlns:r="http://schemas.openxmlformats.org/officeDocument/2006/relationships" xmlns:p="http://schemas.openxmlformats.org/presentationml/2006/main" saveSubsetFonts="1">
   <p:sldMasterIdLst>
-    <p:sldMasterId id="2147483660" r:id="rId1"/>
+    <p:sldMasterId id="2147483672" r:id="rId1"/>
   </p:sldMasterIdLst>
   <p:sldIdLst>
     <p:sldId id="256" r:id="rId2"/>
@@ -172,7 +172,7 @@
 </file>
 
 <file path=ppt/slideLayouts/slideLayout1.xml><?xml version="1.0" encoding="utf-8"?>
-<p:sldLayout xmlns:a="http://schemas.openxmlformats.org/drawingml/2006/main" xmlns:r="http://schemas.openxmlformats.org/officeDocument/2006/relationships" xmlns:p="http://schemas.openxmlformats.org/presentationml/2006/main" showMasterSp="0" type="title" preserve="1">
+<p:sldLayout xmlns:a="http://schemas.openxmlformats.org/drawingml/2006/main" xmlns:r="http://schemas.openxmlformats.org/officeDocument/2006/relationships" xmlns:p="http://schemas.openxmlformats.org/presentationml/2006/main" type="title" preserve="1">
   <p:cSld name="Title Slide">
     <p:spTree>
       <p:nvGrpSpPr>
@@ -191,22 +191,26 @@
       <p:sp>
         <p:nvSpPr>
           <p:cNvPr id="7" name="Rectangle 6"/>
-          <p:cNvSpPr/>
+          <p:cNvSpPr>
+            <a:spLocks noChangeAspect="1"/>
+          </p:cNvSpPr>
           <p:nvPr/>
         </p:nvSpPr>
         <p:spPr>
           <a:xfrm>
-            <a:off x="3175" y="6400800"/>
-            <a:ext cx="12188825" cy="457200"/>
+            <a:off x="231140" y="243840"/>
+            <a:ext cx="11724640" cy="6377939"/>
           </a:xfrm>
           <a:prstGeom prst="rect">
             <a:avLst/>
           </a:prstGeom>
           <a:solidFill>
-            <a:schemeClr val="accent2"/>
+            <a:schemeClr val="accent1"/>
           </a:solidFill>
-          <a:ln>
-            <a:noFill/>
+          <a:ln w="12700">
+            <a:solidFill>
+              <a:srgbClr val="FFFFFF"/>
+            </a:solidFill>
           </a:ln>
         </p:spPr>
         <p:style>
@@ -228,56 +232,18 @@
       </p:sp>
       <p:sp>
         <p:nvSpPr>
-          <p:cNvPr id="8" name="Rectangle 7"/>
-          <p:cNvSpPr/>
-          <p:nvPr/>
+          <p:cNvPr id="2" name="Title 1"/>
+          <p:cNvSpPr>
+            <a:spLocks noGrp="1"/>
+          </p:cNvSpPr>
+          <p:nvPr>
+            <p:ph type="ctrTitle"/>
+          </p:nvPr>
         </p:nvSpPr>
         <p:spPr>
           <a:xfrm>
-            <a:off x="15" y="6334316"/>
-            <a:ext cx="12188825" cy="64008"/>
-          </a:xfrm>
-          <a:prstGeom prst="rect">
-            <a:avLst/>
-          </a:prstGeom>
-          <a:solidFill>
-            <a:schemeClr val="accent1"/>
-          </a:solidFill>
-          <a:ln>
-            <a:noFill/>
-          </a:ln>
-        </p:spPr>
-        <p:style>
-          <a:lnRef idx="2">
-            <a:schemeClr val="accent1">
-              <a:shade val="50000"/>
-            </a:schemeClr>
-          </a:lnRef>
-          <a:fillRef idx="1">
-            <a:schemeClr val="accent1"/>
-          </a:fillRef>
-          <a:effectRef idx="0">
-            <a:schemeClr val="accent1"/>
-          </a:effectRef>
-          <a:fontRef idx="minor">
-            <a:schemeClr val="lt1"/>
-          </a:fontRef>
-        </p:style>
-      </p:sp>
-      <p:sp>
-        <p:nvSpPr>
-          <p:cNvPr id="2" name="Title 1"/>
-          <p:cNvSpPr>
-            <a:spLocks noGrp="1"/>
-          </p:cNvSpPr>
-          <p:nvPr>
-            <p:ph type="ctrTitle"/>
-          </p:nvPr>
-        </p:nvSpPr>
-        <p:spPr>
-          <a:xfrm>
-            <a:off x="1097280" y="758952"/>
-            <a:ext cx="10058400" cy="3566160"/>
+            <a:off x="1109980" y="882376"/>
+            <a:ext cx="9966960" cy="2926080"/>
           </a:xfrm>
         </p:spPr>
         <p:txBody>
@@ -285,16 +251,13 @@
             <a:normAutofit/>
           </a:bodyPr>
           <a:lstStyle>
-            <a:lvl1pPr algn="l">
+            <a:lvl1pPr algn="ctr">
               <a:lnSpc>
                 <a:spcPct val="85000"/>
               </a:lnSpc>
-              <a:defRPr sz="8000" spc="-50" baseline="0">
+              <a:defRPr sz="7200" b="1" cap="all" baseline="0">
                 <a:solidFill>
-                  <a:schemeClr val="tx1">
-                    <a:lumMod val="85000"/>
-                    <a:lumOff val="15000"/>
-                  </a:schemeClr>
+                  <a:srgbClr val="FFFFFF"/>
                 </a:solidFill>
               </a:defRPr>
             </a:lvl1pPr>
@@ -320,31 +283,30 @@
         </p:nvSpPr>
         <p:spPr>
           <a:xfrm>
-            <a:off x="1100051" y="4455620"/>
-            <a:ext cx="10058400" cy="1143000"/>
+            <a:off x="1709530" y="3869634"/>
+            <a:ext cx="8767860" cy="1388165"/>
           </a:xfrm>
         </p:spPr>
         <p:txBody>
-          <a:bodyPr lIns="91440" rIns="91440">
+          <a:bodyPr>
             <a:normAutofit/>
           </a:bodyPr>
           <a:lstStyle>
-            <a:lvl1pPr marL="0" indent="0" algn="l">
+            <a:lvl1pPr marL="0" indent="0" algn="ctr">
               <a:buNone/>
-              <a:defRPr sz="2400" cap="all" spc="200" baseline="0">
+              <a:defRPr sz="2200">
                 <a:solidFill>
-                  <a:schemeClr val="tx2"/>
+                  <a:srgbClr val="FFFFFF"/>
                 </a:solidFill>
-                <a:latin typeface="+mj-lt"/>
               </a:defRPr>
             </a:lvl1pPr>
             <a:lvl2pPr marL="457200" indent="0" algn="ctr">
               <a:buNone/>
-              <a:defRPr sz="2400"/>
+              <a:defRPr sz="2200"/>
             </a:lvl2pPr>
             <a:lvl3pPr marL="914400" indent="0" algn="ctr">
               <a:buNone/>
-              <a:defRPr sz="2400"/>
+              <a:defRPr sz="2200"/>
             </a:lvl3pPr>
             <a:lvl4pPr marL="1371600" indent="0" algn="ctr">
               <a:buNone/>
@@ -393,11 +355,19 @@
         <p:spPr/>
         <p:txBody>
           <a:bodyPr/>
-          <a:lstStyle/>
+          <a:lstStyle>
+            <a:lvl1pPr>
+              <a:defRPr>
+                <a:solidFill>
+                  <a:srgbClr val="FFFFFF"/>
+                </a:solidFill>
+              </a:defRPr>
+            </a:lvl1pPr>
+          </a:lstStyle>
           <a:p>
             <a:fld id="{4E6599C8-6CF5-4426-8B05-95D72E154976}" type="datetimeFigureOut">
               <a:rPr lang="en-GB" smtClean="0"/>
-              <a:t>27/07/2016</a:t>
+              <a:t>04/08/2016</a:t>
             </a:fld>
             <a:endParaRPr lang="en-GB"/>
           </a:p>
@@ -416,7 +386,15 @@
         <p:spPr/>
         <p:txBody>
           <a:bodyPr/>
-          <a:lstStyle/>
+          <a:lstStyle>
+            <a:lvl1pPr>
+              <a:defRPr>
+                <a:solidFill>
+                  <a:srgbClr val="FFFFFF"/>
+                </a:solidFill>
+              </a:defRPr>
+            </a:lvl1pPr>
+          </a:lstStyle>
           <a:p>
             <a:endParaRPr lang="en-GB"/>
           </a:p>
@@ -435,7 +413,15 @@
         <p:spPr/>
         <p:txBody>
           <a:bodyPr/>
-          <a:lstStyle/>
+          <a:lstStyle>
+            <a:lvl1pPr>
+              <a:defRPr>
+                <a:solidFill>
+                  <a:srgbClr val="FFFFFF"/>
+                </a:solidFill>
+              </a:defRPr>
+            </a:lvl1pPr>
+          </a:lstStyle>
           <a:p>
             <a:fld id="{0401760A-47BF-48AE-B028-30A9615505B3}" type="slidenum">
               <a:rPr lang="en-GB" smtClean="0"/>
@@ -447,24 +433,21 @@
       </p:sp>
       <p:cxnSp>
         <p:nvCxnSpPr>
-          <p:cNvPr id="9" name="Straight Connector 8"/>
+          <p:cNvPr id="8" name="Straight Connector 7"/>
           <p:cNvCxnSpPr/>
           <p:nvPr/>
         </p:nvCxnSpPr>
         <p:spPr>
           <a:xfrm>
-            <a:off x="1207658" y="4343400"/>
-            <a:ext cx="9875520" cy="0"/>
+            <a:off x="1978660" y="3733800"/>
+            <a:ext cx="8229601" cy="0"/>
           </a:xfrm>
           <a:prstGeom prst="line">
             <a:avLst/>
           </a:prstGeom>
-          <a:ln w="6350">
+          <a:ln>
             <a:solidFill>
-              <a:schemeClr val="tx1">
-                <a:lumMod val="50000"/>
-                <a:lumOff val="50000"/>
-              </a:schemeClr>
+              <a:srgbClr val="FFFFFF"/>
             </a:solidFill>
           </a:ln>
         </p:spPr>
@@ -486,7 +469,7 @@
     </p:spTree>
     <p:extLst>
       <p:ext uri="{BB962C8B-B14F-4D97-AF65-F5344CB8AC3E}">
-        <p14:creationId xmlns:p14="http://schemas.microsoft.com/office/powerpoint/2010/main" val="284121315"/>
+        <p14:creationId xmlns:p14="http://schemas.microsoft.com/office/powerpoint/2010/main" val="2328882316"/>
       </p:ext>
     </p:extLst>
   </p:cSld>
@@ -548,7 +531,7 @@
         </p:nvSpPr>
         <p:spPr/>
         <p:txBody>
-          <a:bodyPr vert="eaVert" lIns="45720" tIns="0" rIns="45720" bIns="0"/>
+          <a:bodyPr vert="eaVert"/>
           <a:lstStyle/>
           <a:p>
             <a:pPr lvl="0"/>
@@ -605,7 +588,7 @@
           <a:p>
             <a:fld id="{4E6599C8-6CF5-4426-8B05-95D72E154976}" type="datetimeFigureOut">
               <a:rPr lang="en-GB" smtClean="0"/>
-              <a:t>27/07/2016</a:t>
+              <a:t>04/08/2016</a:t>
             </a:fld>
             <a:endParaRPr lang="en-GB"/>
           </a:p>
@@ -656,7 +639,7 @@
     </p:spTree>
     <p:extLst>
       <p:ext uri="{BB962C8B-B14F-4D97-AF65-F5344CB8AC3E}">
-        <p14:creationId xmlns:p14="http://schemas.microsoft.com/office/powerpoint/2010/main" val="246086081"/>
+        <p14:creationId xmlns:p14="http://schemas.microsoft.com/office/powerpoint/2010/main" val="2716131661"/>
       </p:ext>
     </p:extLst>
   </p:cSld>
@@ -667,7 +650,7 @@
 </file>
 
 <file path=ppt/slideLayouts/slideLayout11.xml><?xml version="1.0" encoding="utf-8"?>
-<p:sldLayout xmlns:a="http://schemas.openxmlformats.org/drawingml/2006/main" xmlns:r="http://schemas.openxmlformats.org/officeDocument/2006/relationships" xmlns:p="http://schemas.openxmlformats.org/presentationml/2006/main" showMasterSp="0" type="vertTitleAndTx" preserve="1">
+<p:sldLayout xmlns:a="http://schemas.openxmlformats.org/drawingml/2006/main" xmlns:r="http://schemas.openxmlformats.org/officeDocument/2006/relationships" xmlns:p="http://schemas.openxmlformats.org/presentationml/2006/main" type="vertTitleAndTx" preserve="1">
   <p:cSld name="Vertical Title and Text">
     <p:spTree>
       <p:nvGrpSpPr>
@@ -685,128 +668,52 @@
       </p:grpSpPr>
       <p:sp>
         <p:nvSpPr>
-          <p:cNvPr id="7" name="Rectangle 6"/>
-          <p:cNvSpPr/>
-          <p:nvPr/>
+          <p:cNvPr id="2" name="Vertical Title 1"/>
+          <p:cNvSpPr>
+            <a:spLocks noGrp="1"/>
+          </p:cNvSpPr>
+          <p:nvPr>
+            <p:ph type="title" orient="vert"/>
+          </p:nvPr>
         </p:nvSpPr>
         <p:spPr>
           <a:xfrm>
-            <a:off x="3175" y="6400800"/>
-            <a:ext cx="12188825" cy="457200"/>
+            <a:off x="8724900" y="762000"/>
+            <a:ext cx="2324100" cy="5410200"/>
           </a:xfrm>
-          <a:prstGeom prst="rect">
-            <a:avLst/>
-          </a:prstGeom>
-          <a:solidFill>
-            <a:schemeClr val="accent2"/>
-          </a:solidFill>
-          <a:ln>
-            <a:noFill/>
-          </a:ln>
         </p:spPr>
-        <p:style>
-          <a:lnRef idx="2">
-            <a:schemeClr val="accent1">
-              <a:shade val="50000"/>
-            </a:schemeClr>
-          </a:lnRef>
-          <a:fillRef idx="1">
-            <a:schemeClr val="accent1"/>
-          </a:fillRef>
-          <a:effectRef idx="0">
-            <a:schemeClr val="accent1"/>
-          </a:effectRef>
-          <a:fontRef idx="minor">
-            <a:schemeClr val="lt1"/>
-          </a:fontRef>
-        </p:style>
-      </p:sp>
-      <p:sp>
-        <p:nvSpPr>
-          <p:cNvPr id="8" name="Rectangle 7"/>
-          <p:cNvSpPr/>
-          <p:nvPr/>
+        <p:txBody>
+          <a:bodyPr vert="eaVert"/>
+          <a:lstStyle/>
+          <a:p>
+            <a:r>
+              <a:rPr lang="en-US" smtClean="0"/>
+              <a:t>Click to edit Master title style</a:t>
+            </a:r>
+            <a:endParaRPr lang="en-US" dirty="0"/>
+          </a:p>
+        </p:txBody>
+      </p:sp>
+      <p:sp>
+        <p:nvSpPr>
+          <p:cNvPr id="3" name="Vertical Text Placeholder 2"/>
+          <p:cNvSpPr>
+            <a:spLocks noGrp="1"/>
+          </p:cNvSpPr>
+          <p:nvPr>
+            <p:ph type="body" orient="vert" idx="1"/>
+          </p:nvPr>
         </p:nvSpPr>
         <p:spPr>
           <a:xfrm>
-            <a:off x="15" y="6334316"/>
-            <a:ext cx="12188825" cy="64008"/>
-          </a:xfrm>
-          <a:prstGeom prst="rect">
-            <a:avLst/>
-          </a:prstGeom>
-          <a:solidFill>
-            <a:schemeClr val="accent1"/>
-          </a:solidFill>
-          <a:ln>
-            <a:noFill/>
-          </a:ln>
-        </p:spPr>
-        <p:style>
-          <a:lnRef idx="2">
-            <a:schemeClr val="accent1">
-              <a:shade val="50000"/>
-            </a:schemeClr>
-          </a:lnRef>
-          <a:fillRef idx="1">
-            <a:schemeClr val="accent1"/>
-          </a:fillRef>
-          <a:effectRef idx="0">
-            <a:schemeClr val="accent1"/>
-          </a:effectRef>
-          <a:fontRef idx="minor">
-            <a:schemeClr val="lt1"/>
-          </a:fontRef>
-        </p:style>
-      </p:sp>
-      <p:sp>
-        <p:nvSpPr>
-          <p:cNvPr id="2" name="Vertical Title 1"/>
-          <p:cNvSpPr>
-            <a:spLocks noGrp="1"/>
-          </p:cNvSpPr>
-          <p:nvPr>
-            <p:ph type="title" orient="vert"/>
-          </p:nvPr>
-        </p:nvSpPr>
-        <p:spPr>
-          <a:xfrm>
-            <a:off x="8724900" y="414778"/>
-            <a:ext cx="2628900" cy="5757421"/>
+            <a:off x="1143000" y="762000"/>
+            <a:ext cx="7429500" cy="5410200"/>
           </a:xfrm>
         </p:spPr>
         <p:txBody>
           <a:bodyPr vert="eaVert"/>
           <a:lstStyle/>
           <a:p>
-            <a:r>
-              <a:rPr lang="en-US" smtClean="0"/>
-              <a:t>Click to edit Master title style</a:t>
-            </a:r>
-            <a:endParaRPr lang="en-US" dirty="0"/>
-          </a:p>
-        </p:txBody>
-      </p:sp>
-      <p:sp>
-        <p:nvSpPr>
-          <p:cNvPr id="3" name="Vertical Text Placeholder 2"/>
-          <p:cNvSpPr>
-            <a:spLocks noGrp="1"/>
-          </p:cNvSpPr>
-          <p:nvPr>
-            <p:ph type="body" orient="vert" idx="1"/>
-          </p:nvPr>
-        </p:nvSpPr>
-        <p:spPr>
-          <a:xfrm>
-            <a:off x="838200" y="414778"/>
-            <a:ext cx="7734300" cy="5757422"/>
-          </a:xfrm>
-        </p:spPr>
-        <p:txBody>
-          <a:bodyPr vert="eaVert" lIns="45720" tIns="0" rIns="45720" bIns="0"/>
-          <a:lstStyle/>
-          <a:p>
             <a:pPr lvl="0"/>
             <a:r>
               <a:rPr lang="en-US" smtClean="0"/>
@@ -861,7 +768,7 @@
           <a:p>
             <a:fld id="{4E6599C8-6CF5-4426-8B05-95D72E154976}" type="datetimeFigureOut">
               <a:rPr lang="en-GB" smtClean="0"/>
-              <a:t>27/07/2016</a:t>
+              <a:t>04/08/2016</a:t>
             </a:fld>
             <a:endParaRPr lang="en-GB"/>
           </a:p>
@@ -912,7 +819,7 @@
     </p:spTree>
     <p:extLst>
       <p:ext uri="{BB962C8B-B14F-4D97-AF65-F5344CB8AC3E}">
-        <p14:creationId xmlns:p14="http://schemas.microsoft.com/office/powerpoint/2010/main" val="3309389171"/>
+        <p14:creationId xmlns:p14="http://schemas.microsoft.com/office/powerpoint/2010/main" val="1889725550"/>
       </p:ext>
     </p:extLst>
   </p:cSld>
@@ -952,11 +859,7 @@
         <p:spPr/>
         <p:txBody>
           <a:bodyPr/>
-          <a:lstStyle>
-            <a:lvl1pPr marL="0">
-              <a:defRPr/>
-            </a:lvl1pPr>
-          </a:lstStyle>
+          <a:lstStyle/>
           <a:p>
             <a:r>
               <a:rPr lang="en-US" smtClean="0"/>
@@ -1035,7 +938,7 @@
           <a:p>
             <a:fld id="{4E6599C8-6CF5-4426-8B05-95D72E154976}" type="datetimeFigureOut">
               <a:rPr lang="en-GB" smtClean="0"/>
-              <a:t>27/07/2016</a:t>
+              <a:t>04/08/2016</a:t>
             </a:fld>
             <a:endParaRPr lang="en-GB"/>
           </a:p>
@@ -1086,7 +989,7 @@
     </p:spTree>
     <p:extLst>
       <p:ext uri="{BB962C8B-B14F-4D97-AF65-F5344CB8AC3E}">
-        <p14:creationId xmlns:p14="http://schemas.microsoft.com/office/powerpoint/2010/main" val="2344052494"/>
+        <p14:creationId xmlns:p14="http://schemas.microsoft.com/office/powerpoint/2010/main" val="1336261795"/>
       </p:ext>
     </p:extLst>
   </p:cSld>
@@ -1097,16 +1000,8 @@
 </file>
 
 <file path=ppt/slideLayouts/slideLayout3.xml><?xml version="1.0" encoding="utf-8"?>
-<p:sldLayout xmlns:a="http://schemas.openxmlformats.org/drawingml/2006/main" xmlns:r="http://schemas.openxmlformats.org/officeDocument/2006/relationships" xmlns:p="http://schemas.openxmlformats.org/presentationml/2006/main" showMasterSp="0" type="secHead" preserve="1">
+<p:sldLayout xmlns:a="http://schemas.openxmlformats.org/drawingml/2006/main" xmlns:r="http://schemas.openxmlformats.org/officeDocument/2006/relationships" xmlns:p="http://schemas.openxmlformats.org/presentationml/2006/main" type="secHead" preserve="1">
   <p:cSld name="Section Header">
-    <p:bg>
-      <p:bgPr>
-        <a:solidFill>
-          <a:schemeClr val="bg1"/>
-        </a:solidFill>
-        <a:effectLst/>
-      </p:bgPr>
-    </p:bg>
     <p:spTree>
       <p:nvGrpSpPr>
         <p:cNvPr id="1" name=""/>
@@ -1123,152 +1018,68 @@
       </p:grpSpPr>
       <p:sp>
         <p:nvSpPr>
-          <p:cNvPr id="7" name="Rectangle 6"/>
-          <p:cNvSpPr/>
-          <p:nvPr/>
+          <p:cNvPr id="2" name="Title 1"/>
+          <p:cNvSpPr>
+            <a:spLocks noGrp="1"/>
+          </p:cNvSpPr>
+          <p:nvPr>
+            <p:ph type="title"/>
+          </p:nvPr>
         </p:nvSpPr>
         <p:spPr>
           <a:xfrm>
-            <a:off x="3175" y="6400800"/>
-            <a:ext cx="12188825" cy="457200"/>
+            <a:off x="1106424" y="1173575"/>
+            <a:ext cx="9966960" cy="2926080"/>
           </a:xfrm>
-          <a:prstGeom prst="rect">
-            <a:avLst/>
-          </a:prstGeom>
-          <a:solidFill>
-            <a:schemeClr val="accent2"/>
-          </a:solidFill>
-          <a:ln>
-            <a:noFill/>
-          </a:ln>
         </p:spPr>
-        <p:style>
-          <a:lnRef idx="2">
-            <a:schemeClr val="accent1">
-              <a:shade val="50000"/>
-            </a:schemeClr>
-          </a:lnRef>
-          <a:fillRef idx="1">
-            <a:schemeClr val="accent1"/>
-          </a:fillRef>
-          <a:effectRef idx="0">
-            <a:schemeClr val="accent1"/>
-          </a:effectRef>
-          <a:fontRef idx="minor">
-            <a:schemeClr val="lt1"/>
-          </a:fontRef>
-        </p:style>
-      </p:sp>
-      <p:sp>
-        <p:nvSpPr>
-          <p:cNvPr id="8" name="Rectangle 7"/>
-          <p:cNvSpPr/>
-          <p:nvPr/>
+        <p:txBody>
+          <a:bodyPr anchor="b">
+            <a:noAutofit/>
+          </a:bodyPr>
+          <a:lstStyle>
+            <a:lvl1pPr algn="ctr">
+              <a:lnSpc>
+                <a:spcPct val="85000"/>
+              </a:lnSpc>
+              <a:defRPr sz="7200" b="0" cap="all" baseline="0"/>
+            </a:lvl1pPr>
+          </a:lstStyle>
+          <a:p>
+            <a:r>
+              <a:rPr lang="en-US" smtClean="0"/>
+              <a:t>Click to edit Master title style</a:t>
+            </a:r>
+            <a:endParaRPr lang="en-US" dirty="0"/>
+          </a:p>
+        </p:txBody>
+      </p:sp>
+      <p:sp>
+        <p:nvSpPr>
+          <p:cNvPr id="3" name="Text Placeholder 2"/>
+          <p:cNvSpPr>
+            <a:spLocks noGrp="1"/>
+          </p:cNvSpPr>
+          <p:nvPr>
+            <p:ph type="body" idx="1"/>
+          </p:nvPr>
         </p:nvSpPr>
         <p:spPr>
           <a:xfrm>
-            <a:off x="15" y="6334316"/>
-            <a:ext cx="12188825" cy="64008"/>
-          </a:xfrm>
-          <a:prstGeom prst="rect">
-            <a:avLst/>
-          </a:prstGeom>
-          <a:solidFill>
-            <a:schemeClr val="accent1"/>
-          </a:solidFill>
-          <a:ln>
-            <a:noFill/>
-          </a:ln>
-        </p:spPr>
-        <p:style>
-          <a:lnRef idx="2">
-            <a:schemeClr val="accent1">
-              <a:shade val="50000"/>
-            </a:schemeClr>
-          </a:lnRef>
-          <a:fillRef idx="1">
-            <a:schemeClr val="accent1"/>
-          </a:fillRef>
-          <a:effectRef idx="0">
-            <a:schemeClr val="accent1"/>
-          </a:effectRef>
-          <a:fontRef idx="minor">
-            <a:schemeClr val="lt1"/>
-          </a:fontRef>
-        </p:style>
-      </p:sp>
-      <p:sp>
-        <p:nvSpPr>
-          <p:cNvPr id="2" name="Title 1"/>
-          <p:cNvSpPr>
-            <a:spLocks noGrp="1"/>
-          </p:cNvSpPr>
-          <p:nvPr>
-            <p:ph type="title"/>
-          </p:nvPr>
-        </p:nvSpPr>
-        <p:spPr>
-          <a:xfrm>
-            <a:off x="1097280" y="758952"/>
-            <a:ext cx="10058400" cy="3566160"/>
+            <a:off x="1709928" y="4154520"/>
+            <a:ext cx="8769096" cy="1363806"/>
           </a:xfrm>
         </p:spPr>
         <p:txBody>
-          <a:bodyPr anchor="b" anchorCtr="0">
+          <a:bodyPr anchor="t">
             <a:normAutofit/>
           </a:bodyPr>
           <a:lstStyle>
-            <a:lvl1pPr>
-              <a:lnSpc>
-                <a:spcPct val="85000"/>
-              </a:lnSpc>
-              <a:defRPr sz="8000" b="0">
+            <a:lvl1pPr marL="0" indent="0" algn="ctr">
+              <a:buNone/>
+              <a:defRPr sz="2200">
                 <a:solidFill>
-                  <a:schemeClr val="tx1">
-                    <a:lumMod val="85000"/>
-                    <a:lumOff val="15000"/>
-                  </a:schemeClr>
+                  <a:schemeClr val="accent1"/>
                 </a:solidFill>
-              </a:defRPr>
-            </a:lvl1pPr>
-          </a:lstStyle>
-          <a:p>
-            <a:r>
-              <a:rPr lang="en-US" smtClean="0"/>
-              <a:t>Click to edit Master title style</a:t>
-            </a:r>
-            <a:endParaRPr lang="en-US" dirty="0"/>
-          </a:p>
-        </p:txBody>
-      </p:sp>
-      <p:sp>
-        <p:nvSpPr>
-          <p:cNvPr id="3" name="Text Placeholder 2"/>
-          <p:cNvSpPr>
-            <a:spLocks noGrp="1"/>
-          </p:cNvSpPr>
-          <p:nvPr>
-            <p:ph type="body" idx="1"/>
-          </p:nvPr>
-        </p:nvSpPr>
-        <p:spPr>
-          <a:xfrm>
-            <a:off x="1097280" y="4453128"/>
-            <a:ext cx="10058400" cy="1143000"/>
-          </a:xfrm>
-        </p:spPr>
-        <p:txBody>
-          <a:bodyPr lIns="91440" rIns="91440" anchor="t" anchorCtr="0">
-            <a:normAutofit/>
-          </a:bodyPr>
-          <a:lstStyle>
-            <a:lvl1pPr marL="0" indent="0">
-              <a:buNone/>
-              <a:defRPr sz="2400" cap="all" spc="200" baseline="0">
-                <a:solidFill>
-                  <a:schemeClr val="tx2"/>
-                </a:solidFill>
-                <a:latin typeface="+mj-lt"/>
               </a:defRPr>
             </a:lvl1pPr>
             <a:lvl2pPr marL="457200" indent="0">
@@ -1378,7 +1189,7 @@
           <a:p>
             <a:fld id="{4E6599C8-6CF5-4426-8B05-95D72E154976}" type="datetimeFigureOut">
               <a:rPr lang="en-GB" smtClean="0"/>
-              <a:t>27/07/2016</a:t>
+              <a:t>04/08/2016</a:t>
             </a:fld>
             <a:endParaRPr lang="en-GB"/>
           </a:p>
@@ -1428,24 +1239,21 @@
       </p:sp>
       <p:cxnSp>
         <p:nvCxnSpPr>
-          <p:cNvPr id="9" name="Straight Connector 8"/>
+          <p:cNvPr id="7" name="Straight Connector 6"/>
           <p:cNvCxnSpPr/>
           <p:nvPr/>
         </p:nvCxnSpPr>
         <p:spPr>
           <a:xfrm>
-            <a:off x="1207658" y="4343400"/>
-            <a:ext cx="9875520" cy="0"/>
+            <a:off x="1981200" y="4020408"/>
+            <a:ext cx="8229601" cy="0"/>
           </a:xfrm>
           <a:prstGeom prst="line">
             <a:avLst/>
           </a:prstGeom>
-          <a:ln w="6350">
+          <a:ln>
             <a:solidFill>
-              <a:schemeClr val="tx1">
-                <a:lumMod val="50000"/>
-                <a:lumOff val="50000"/>
-              </a:schemeClr>
+              <a:schemeClr val="accent1"/>
             </a:solidFill>
           </a:ln>
         </p:spPr>
@@ -1467,7 +1275,7 @@
     </p:spTree>
     <p:extLst>
       <p:ext uri="{BB962C8B-B14F-4D97-AF65-F5344CB8AC3E}">
-        <p14:creationId xmlns:p14="http://schemas.microsoft.com/office/powerpoint/2010/main" val="2278109320"/>
+        <p14:creationId xmlns:p14="http://schemas.microsoft.com/office/powerpoint/2010/main" val="175467777"/>
       </p:ext>
     </p:extLst>
   </p:cSld>
@@ -1504,19 +1312,99 @@
             <p:ph type="title"/>
           </p:nvPr>
         </p:nvSpPr>
+        <p:spPr/>
+        <p:txBody>
+          <a:bodyPr/>
+          <a:lstStyle/>
+          <a:p>
+            <a:r>
+              <a:rPr lang="en-US" smtClean="0"/>
+              <a:t>Click to edit Master title style</a:t>
+            </a:r>
+            <a:endParaRPr lang="en-US" dirty="0"/>
+          </a:p>
+        </p:txBody>
+      </p:sp>
+      <p:sp>
+        <p:nvSpPr>
+          <p:cNvPr id="3" name="Content Placeholder 2"/>
+          <p:cNvSpPr>
+            <a:spLocks noGrp="1"/>
+          </p:cNvSpPr>
+          <p:nvPr>
+            <p:ph sz="half" idx="1"/>
+          </p:nvPr>
+        </p:nvSpPr>
         <p:spPr>
           <a:xfrm>
-            <a:off x="1097280" y="286603"/>
-            <a:ext cx="10058400" cy="1450757"/>
+            <a:off x="1143000" y="2057399"/>
+            <a:ext cx="4754880" cy="4023360"/>
           </a:xfrm>
         </p:spPr>
         <p:txBody>
           <a:bodyPr/>
-          <a:lstStyle/>
-          <a:p>
+          <a:lstStyle>
+            <a:lvl1pPr>
+              <a:defRPr sz="2200"/>
+            </a:lvl1pPr>
+            <a:lvl2pPr>
+              <a:defRPr sz="2000"/>
+            </a:lvl2pPr>
+            <a:lvl3pPr>
+              <a:defRPr sz="1800"/>
+            </a:lvl3pPr>
+            <a:lvl4pPr>
+              <a:defRPr sz="1600"/>
+            </a:lvl4pPr>
+            <a:lvl5pPr>
+              <a:defRPr sz="1600"/>
+            </a:lvl5pPr>
+            <a:lvl6pPr>
+              <a:defRPr sz="1600"/>
+            </a:lvl6pPr>
+            <a:lvl7pPr>
+              <a:defRPr sz="1600"/>
+            </a:lvl7pPr>
+            <a:lvl8pPr>
+              <a:defRPr sz="1600"/>
+            </a:lvl8pPr>
+            <a:lvl9pPr>
+              <a:defRPr sz="1600"/>
+            </a:lvl9pPr>
+          </a:lstStyle>
+          <a:p>
+            <a:pPr lvl="0"/>
             <a:r>
               <a:rPr lang="en-US" smtClean="0"/>
-              <a:t>Click to edit Master title style</a:t>
+              <a:t>Click to edit Master text styles</a:t>
+            </a:r>
+          </a:p>
+          <a:p>
+            <a:pPr lvl="1"/>
+            <a:r>
+              <a:rPr lang="en-US" smtClean="0"/>
+              <a:t>Second level</a:t>
+            </a:r>
+          </a:p>
+          <a:p>
+            <a:pPr lvl="2"/>
+            <a:r>
+              <a:rPr lang="en-US" smtClean="0"/>
+              <a:t>Third level</a:t>
+            </a:r>
+          </a:p>
+          <a:p>
+            <a:pPr lvl="3"/>
+            <a:r>
+              <a:rPr lang="en-US" smtClean="0"/>
+              <a:t>Fourth level</a:t>
+            </a:r>
+          </a:p>
+          <a:p>
+            <a:pPr lvl="4"/>
+            <a:r>
+              <a:rPr lang="en-US" smtClean="0"/>
+              <a:t>Fifth level</a:t>
             </a:r>
             <a:endParaRPr lang="en-US" dirty="0"/>
           </a:p>
@@ -1524,23 +1412,51 @@
       </p:sp>
       <p:sp>
         <p:nvSpPr>
-          <p:cNvPr id="3" name="Content Placeholder 2"/>
-          <p:cNvSpPr>
-            <a:spLocks noGrp="1"/>
-          </p:cNvSpPr>
-          <p:nvPr>
-            <p:ph sz="half" idx="1"/>
+          <p:cNvPr id="4" name="Content Placeholder 3"/>
+          <p:cNvSpPr>
+            <a:spLocks noGrp="1"/>
+          </p:cNvSpPr>
+          <p:nvPr>
+            <p:ph sz="half" idx="2"/>
           </p:nvPr>
         </p:nvSpPr>
         <p:spPr>
           <a:xfrm>
-            <a:off x="1097279" y="1845734"/>
-            <a:ext cx="4937760" cy="4023360"/>
+            <a:off x="6267612" y="2057400"/>
+            <a:ext cx="4754880" cy="4023360"/>
           </a:xfrm>
         </p:spPr>
         <p:txBody>
           <a:bodyPr/>
-          <a:lstStyle/>
+          <a:lstStyle>
+            <a:lvl1pPr>
+              <a:defRPr sz="2200"/>
+            </a:lvl1pPr>
+            <a:lvl2pPr>
+              <a:defRPr sz="2000"/>
+            </a:lvl2pPr>
+            <a:lvl3pPr>
+              <a:defRPr sz="1800"/>
+            </a:lvl3pPr>
+            <a:lvl4pPr>
+              <a:defRPr sz="1600"/>
+            </a:lvl4pPr>
+            <a:lvl5pPr>
+              <a:defRPr sz="1600"/>
+            </a:lvl5pPr>
+            <a:lvl6pPr>
+              <a:defRPr sz="1600"/>
+            </a:lvl6pPr>
+            <a:lvl7pPr>
+              <a:defRPr sz="1600"/>
+            </a:lvl7pPr>
+            <a:lvl8pPr>
+              <a:defRPr sz="1600"/>
+            </a:lvl8pPr>
+            <a:lvl9pPr>
+              <a:defRPr sz="1600"/>
+            </a:lvl9pPr>
+          </a:lstStyle>
           <a:p>
             <a:pPr lvl="0"/>
             <a:r>
@@ -1581,63 +1497,6 @@
       </p:sp>
       <p:sp>
         <p:nvSpPr>
-          <p:cNvPr id="4" name="Content Placeholder 3"/>
-          <p:cNvSpPr>
-            <a:spLocks noGrp="1"/>
-          </p:cNvSpPr>
-          <p:nvPr>
-            <p:ph sz="half" idx="2"/>
-          </p:nvPr>
-        </p:nvSpPr>
-        <p:spPr>
-          <a:xfrm>
-            <a:off x="6217920" y="1845735"/>
-            <a:ext cx="4937760" cy="4023360"/>
-          </a:xfrm>
-        </p:spPr>
-        <p:txBody>
-          <a:bodyPr/>
-          <a:lstStyle/>
-          <a:p>
-            <a:pPr lvl="0"/>
-            <a:r>
-              <a:rPr lang="en-US" smtClean="0"/>
-              <a:t>Click to edit Master text styles</a:t>
-            </a:r>
-          </a:p>
-          <a:p>
-            <a:pPr lvl="1"/>
-            <a:r>
-              <a:rPr lang="en-US" smtClean="0"/>
-              <a:t>Second level</a:t>
-            </a:r>
-          </a:p>
-          <a:p>
-            <a:pPr lvl="2"/>
-            <a:r>
-              <a:rPr lang="en-US" smtClean="0"/>
-              <a:t>Third level</a:t>
-            </a:r>
-          </a:p>
-          <a:p>
-            <a:pPr lvl="3"/>
-            <a:r>
-              <a:rPr lang="en-US" smtClean="0"/>
-              <a:t>Fourth level</a:t>
-            </a:r>
-          </a:p>
-          <a:p>
-            <a:pPr lvl="4"/>
-            <a:r>
-              <a:rPr lang="en-US" smtClean="0"/>
-              <a:t>Fifth level</a:t>
-            </a:r>
-            <a:endParaRPr lang="en-US" dirty="0"/>
-          </a:p>
-        </p:txBody>
-      </p:sp>
-      <p:sp>
-        <p:nvSpPr>
           <p:cNvPr id="5" name="Date Placeholder 4"/>
           <p:cNvSpPr>
             <a:spLocks noGrp="1"/>
@@ -1653,7 +1512,7 @@
           <a:p>
             <a:fld id="{4E6599C8-6CF5-4426-8B05-95D72E154976}" type="datetimeFigureOut">
               <a:rPr lang="en-GB" smtClean="0"/>
-              <a:t>27/07/2016</a:t>
+              <a:t>04/08/2016</a:t>
             </a:fld>
             <a:endParaRPr lang="en-GB"/>
           </a:p>
@@ -1704,7 +1563,7 @@
     </p:spTree>
     <p:extLst>
       <p:ext uri="{BB962C8B-B14F-4D97-AF65-F5344CB8AC3E}">
-        <p14:creationId xmlns:p14="http://schemas.microsoft.com/office/powerpoint/2010/main" val="1403187928"/>
+        <p14:creationId xmlns:p14="http://schemas.microsoft.com/office/powerpoint/2010/main" val="262398782"/>
       </p:ext>
     </p:extLst>
   </p:cSld>
@@ -1741,52 +1600,44 @@
             <p:ph type="title"/>
           </p:nvPr>
         </p:nvSpPr>
+        <p:spPr/>
+        <p:txBody>
+          <a:bodyPr/>
+          <a:lstStyle/>
+          <a:p>
+            <a:r>
+              <a:rPr lang="en-US" smtClean="0"/>
+              <a:t>Click to edit Master title style</a:t>
+            </a:r>
+            <a:endParaRPr lang="en-US" dirty="0"/>
+          </a:p>
+        </p:txBody>
+      </p:sp>
+      <p:sp>
+        <p:nvSpPr>
+          <p:cNvPr id="3" name="Text Placeholder 2"/>
+          <p:cNvSpPr>
+            <a:spLocks noGrp="1"/>
+          </p:cNvSpPr>
+          <p:nvPr>
+            <p:ph type="body" idx="1"/>
+          </p:nvPr>
+        </p:nvSpPr>
         <p:spPr>
           <a:xfrm>
-            <a:off x="1097280" y="286603"/>
-            <a:ext cx="10058400" cy="1450757"/>
+            <a:off x="1143000" y="2001511"/>
+            <a:ext cx="4754880" cy="777240"/>
           </a:xfrm>
         </p:spPr>
         <p:txBody>
-          <a:bodyPr/>
-          <a:lstStyle/>
-          <a:p>
-            <a:r>
-              <a:rPr lang="en-US" smtClean="0"/>
-              <a:t>Click to edit Master title style</a:t>
-            </a:r>
-            <a:endParaRPr lang="en-US" dirty="0"/>
-          </a:p>
-        </p:txBody>
-      </p:sp>
-      <p:sp>
-        <p:nvSpPr>
-          <p:cNvPr id="3" name="Text Placeholder 2"/>
-          <p:cNvSpPr>
-            <a:spLocks noGrp="1"/>
-          </p:cNvSpPr>
-          <p:nvPr>
-            <p:ph type="body" idx="1"/>
-          </p:nvPr>
-        </p:nvSpPr>
-        <p:spPr>
-          <a:xfrm>
-            <a:off x="1097280" y="1846052"/>
-            <a:ext cx="4937760" cy="736282"/>
-          </a:xfrm>
-        </p:spPr>
-        <p:txBody>
-          <a:bodyPr lIns="91440" rIns="91440" anchor="ctr">
-            <a:normAutofit/>
-          </a:bodyPr>
+          <a:bodyPr anchor="ctr"/>
           <a:lstStyle>
             <a:lvl1pPr marL="0" indent="0">
+              <a:spcBef>
+                <a:spcPts val="0"/>
+              </a:spcBef>
               <a:buNone/>
-              <a:defRPr sz="2000" b="0" cap="all" baseline="0">
-                <a:solidFill>
-                  <a:schemeClr val="tx2"/>
-                </a:solidFill>
-              </a:defRPr>
+              <a:defRPr sz="2400" b="1"/>
             </a:lvl1pPr>
             <a:lvl2pPr marL="457200" indent="0">
               <a:buNone/>
@@ -1842,13 +1693,41 @@
         </p:nvSpPr>
         <p:spPr>
           <a:xfrm>
-            <a:off x="1097280" y="2582334"/>
-            <a:ext cx="4937760" cy="3378200"/>
+            <a:off x="1143000" y="2721483"/>
+            <a:ext cx="4754880" cy="3383280"/>
           </a:xfrm>
         </p:spPr>
         <p:txBody>
           <a:bodyPr/>
-          <a:lstStyle/>
+          <a:lstStyle>
+            <a:lvl1pPr>
+              <a:defRPr sz="2200"/>
+            </a:lvl1pPr>
+            <a:lvl2pPr>
+              <a:defRPr sz="2000"/>
+            </a:lvl2pPr>
+            <a:lvl3pPr>
+              <a:defRPr sz="1800"/>
+            </a:lvl3pPr>
+            <a:lvl4pPr>
+              <a:defRPr sz="1600"/>
+            </a:lvl4pPr>
+            <a:lvl5pPr>
+              <a:defRPr sz="1600"/>
+            </a:lvl5pPr>
+            <a:lvl6pPr>
+              <a:defRPr sz="1600"/>
+            </a:lvl6pPr>
+            <a:lvl7pPr>
+              <a:defRPr sz="1600"/>
+            </a:lvl7pPr>
+            <a:lvl8pPr>
+              <a:defRPr sz="1600"/>
+            </a:lvl8pPr>
+            <a:lvl9pPr>
+              <a:defRPr sz="1600"/>
+            </a:lvl9pPr>
+          </a:lstStyle>
           <a:p>
             <a:pPr lvl="0"/>
             <a:r>
@@ -1899,22 +1778,19 @@
         </p:nvSpPr>
         <p:spPr>
           <a:xfrm>
-            <a:off x="6217920" y="1846052"/>
-            <a:ext cx="4937760" cy="736282"/>
+            <a:off x="6269173" y="1999032"/>
+            <a:ext cx="4754880" cy="777240"/>
           </a:xfrm>
         </p:spPr>
         <p:txBody>
-          <a:bodyPr lIns="91440" rIns="91440" anchor="ctr">
-            <a:normAutofit/>
-          </a:bodyPr>
+          <a:bodyPr anchor="ctr"/>
           <a:lstStyle>
             <a:lvl1pPr marL="0" indent="0">
+              <a:spcBef>
+                <a:spcPts val="0"/>
+              </a:spcBef>
               <a:buNone/>
-              <a:defRPr sz="2000" b="0" cap="all" baseline="0">
-                <a:solidFill>
-                  <a:schemeClr val="tx2"/>
-                </a:solidFill>
-              </a:defRPr>
+              <a:defRPr sz="2400" b="1"/>
             </a:lvl1pPr>
             <a:lvl2pPr marL="457200" indent="0">
               <a:buNone/>
@@ -1970,13 +1846,41 @@
         </p:nvSpPr>
         <p:spPr>
           <a:xfrm>
-            <a:off x="6217920" y="2582334"/>
-            <a:ext cx="4937760" cy="3378200"/>
+            <a:off x="6269173" y="2719322"/>
+            <a:ext cx="4754880" cy="3383280"/>
           </a:xfrm>
         </p:spPr>
         <p:txBody>
           <a:bodyPr/>
-          <a:lstStyle/>
+          <a:lstStyle>
+            <a:lvl1pPr>
+              <a:defRPr sz="2200"/>
+            </a:lvl1pPr>
+            <a:lvl2pPr>
+              <a:defRPr sz="2000"/>
+            </a:lvl2pPr>
+            <a:lvl3pPr>
+              <a:defRPr sz="1800"/>
+            </a:lvl3pPr>
+            <a:lvl4pPr>
+              <a:defRPr sz="1600"/>
+            </a:lvl4pPr>
+            <a:lvl5pPr>
+              <a:defRPr sz="1600"/>
+            </a:lvl5pPr>
+            <a:lvl6pPr>
+              <a:defRPr sz="1600"/>
+            </a:lvl6pPr>
+            <a:lvl7pPr>
+              <a:defRPr sz="1600"/>
+            </a:lvl7pPr>
+            <a:lvl8pPr>
+              <a:defRPr sz="1600"/>
+            </a:lvl8pPr>
+            <a:lvl9pPr>
+              <a:defRPr sz="1600"/>
+            </a:lvl9pPr>
+          </a:lstStyle>
           <a:p>
             <a:pPr lvl="0"/>
             <a:r>
@@ -2032,7 +1936,7 @@
           <a:p>
             <a:fld id="{4E6599C8-6CF5-4426-8B05-95D72E154976}" type="datetimeFigureOut">
               <a:rPr lang="en-GB" smtClean="0"/>
-              <a:t>27/07/2016</a:t>
+              <a:t>04/08/2016</a:t>
             </a:fld>
             <a:endParaRPr lang="en-GB"/>
           </a:p>
@@ -2083,7 +1987,7 @@
     </p:spTree>
     <p:extLst>
       <p:ext uri="{BB962C8B-B14F-4D97-AF65-F5344CB8AC3E}">
-        <p14:creationId xmlns:p14="http://schemas.microsoft.com/office/powerpoint/2010/main" val="278997043"/>
+        <p14:creationId xmlns:p14="http://schemas.microsoft.com/office/powerpoint/2010/main" val="762432687"/>
       </p:ext>
     </p:extLst>
   </p:cSld>
@@ -2150,7 +2054,7 @@
           <a:p>
             <a:fld id="{4E6599C8-6CF5-4426-8B05-95D72E154976}" type="datetimeFigureOut">
               <a:rPr lang="en-GB" smtClean="0"/>
-              <a:t>27/07/2016</a:t>
+              <a:t>04/08/2016</a:t>
             </a:fld>
             <a:endParaRPr lang="en-GB"/>
           </a:p>
@@ -2201,7 +2105,7 @@
     </p:spTree>
     <p:extLst>
       <p:ext uri="{BB962C8B-B14F-4D97-AF65-F5344CB8AC3E}">
-        <p14:creationId xmlns:p14="http://schemas.microsoft.com/office/powerpoint/2010/main" val="2976898326"/>
+        <p14:creationId xmlns:p14="http://schemas.microsoft.com/office/powerpoint/2010/main" val="2566014011"/>
       </p:ext>
     </p:extLst>
   </p:cSld>
@@ -2212,7 +2116,7 @@
 </file>
 
 <file path=ppt/slideLayouts/slideLayout7.xml><?xml version="1.0" encoding="utf-8"?>
-<p:sldLayout xmlns:a="http://schemas.openxmlformats.org/drawingml/2006/main" xmlns:r="http://schemas.openxmlformats.org/officeDocument/2006/relationships" xmlns:p="http://schemas.openxmlformats.org/presentationml/2006/main" showMasterSp="0" type="blank" preserve="1">
+<p:sldLayout xmlns:a="http://schemas.openxmlformats.org/drawingml/2006/main" xmlns:r="http://schemas.openxmlformats.org/officeDocument/2006/relationships" xmlns:p="http://schemas.openxmlformats.org/presentationml/2006/main" type="blank" preserve="1">
   <p:cSld name="Blank">
     <p:spTree>
       <p:nvGrpSpPr>
@@ -2230,83 +2134,7 @@
       </p:grpSpPr>
       <p:sp>
         <p:nvSpPr>
-          <p:cNvPr id="5" name="Rectangle 4"/>
-          <p:cNvSpPr/>
-          <p:nvPr/>
-        </p:nvSpPr>
-        <p:spPr>
-          <a:xfrm>
-            <a:off x="3175" y="6400800"/>
-            <a:ext cx="12188825" cy="457200"/>
-          </a:xfrm>
-          <a:prstGeom prst="rect">
-            <a:avLst/>
-          </a:prstGeom>
-          <a:solidFill>
-            <a:schemeClr val="accent2"/>
-          </a:solidFill>
-          <a:ln>
-            <a:noFill/>
-          </a:ln>
-        </p:spPr>
-        <p:style>
-          <a:lnRef idx="2">
-            <a:schemeClr val="accent1">
-              <a:shade val="50000"/>
-            </a:schemeClr>
-          </a:lnRef>
-          <a:fillRef idx="1">
-            <a:schemeClr val="accent1"/>
-          </a:fillRef>
-          <a:effectRef idx="0">
-            <a:schemeClr val="accent1"/>
-          </a:effectRef>
-          <a:fontRef idx="minor">
-            <a:schemeClr val="lt1"/>
-          </a:fontRef>
-        </p:style>
-      </p:sp>
-      <p:sp>
-        <p:nvSpPr>
-          <p:cNvPr id="6" name="Rectangle 5"/>
-          <p:cNvSpPr/>
-          <p:nvPr/>
-        </p:nvSpPr>
-        <p:spPr>
-          <a:xfrm>
-            <a:off x="15" y="6334316"/>
-            <a:ext cx="12188825" cy="64008"/>
-          </a:xfrm>
-          <a:prstGeom prst="rect">
-            <a:avLst/>
-          </a:prstGeom>
-          <a:solidFill>
-            <a:schemeClr val="accent1"/>
-          </a:solidFill>
-          <a:ln>
-            <a:noFill/>
-          </a:ln>
-        </p:spPr>
-        <p:style>
-          <a:lnRef idx="2">
-            <a:schemeClr val="accent1">
-              <a:shade val="50000"/>
-            </a:schemeClr>
-          </a:lnRef>
-          <a:fillRef idx="1">
-            <a:schemeClr val="accent1"/>
-          </a:fillRef>
-          <a:effectRef idx="0">
-            <a:schemeClr val="accent1"/>
-          </a:effectRef>
-          <a:fontRef idx="minor">
-            <a:schemeClr val="lt1"/>
-          </a:fontRef>
-        </p:style>
-      </p:sp>
-      <p:sp>
-        <p:nvSpPr>
-          <p:cNvPr id="7" name="Date Placeholder 6"/>
+          <p:cNvPr id="2" name="Date Placeholder 1"/>
           <p:cNvSpPr>
             <a:spLocks noGrp="1"/>
           </p:cNvSpPr>
@@ -2321,7 +2149,7 @@
           <a:p>
             <a:fld id="{4E6599C8-6CF5-4426-8B05-95D72E154976}" type="datetimeFigureOut">
               <a:rPr lang="en-GB" smtClean="0"/>
-              <a:t>27/07/2016</a:t>
+              <a:t>04/08/2016</a:t>
             </a:fld>
             <a:endParaRPr lang="en-GB"/>
           </a:p>
@@ -2329,7 +2157,7 @@
       </p:sp>
       <p:sp>
         <p:nvSpPr>
-          <p:cNvPr id="8" name="Footer Placeholder 7"/>
+          <p:cNvPr id="3" name="Footer Placeholder 2"/>
           <p:cNvSpPr>
             <a:spLocks noGrp="1"/>
           </p:cNvSpPr>
@@ -2340,15 +2168,7 @@
         <p:spPr/>
         <p:txBody>
           <a:bodyPr/>
-          <a:lstStyle>
-            <a:lvl1pPr>
-              <a:defRPr>
-                <a:solidFill>
-                  <a:srgbClr val="FFFFFF"/>
-                </a:solidFill>
-              </a:defRPr>
-            </a:lvl1pPr>
-          </a:lstStyle>
+          <a:lstStyle/>
           <a:p>
             <a:endParaRPr lang="en-GB"/>
           </a:p>
@@ -2356,7 +2176,7 @@
       </p:sp>
       <p:sp>
         <p:nvSpPr>
-          <p:cNvPr id="9" name="Slide Number Placeholder 8"/>
+          <p:cNvPr id="4" name="Slide Number Placeholder 3"/>
           <p:cNvSpPr>
             <a:spLocks noGrp="1"/>
           </p:cNvSpPr>
@@ -2380,7 +2200,7 @@
     </p:spTree>
     <p:extLst>
       <p:ext uri="{BB962C8B-B14F-4D97-AF65-F5344CB8AC3E}">
-        <p14:creationId xmlns:p14="http://schemas.microsoft.com/office/powerpoint/2010/main" val="2671595574"/>
+        <p14:creationId xmlns:p14="http://schemas.microsoft.com/office/powerpoint/2010/main" val="3230094634"/>
       </p:ext>
     </p:extLst>
   </p:cSld>
@@ -2391,7 +2211,7 @@
 </file>
 
 <file path=ppt/slideLayouts/slideLayout8.xml><?xml version="1.0" encoding="utf-8"?>
-<p:sldLayout xmlns:a="http://schemas.openxmlformats.org/drawingml/2006/main" xmlns:r="http://schemas.openxmlformats.org/officeDocument/2006/relationships" xmlns:p="http://schemas.openxmlformats.org/presentationml/2006/main" showMasterSp="0" type="objTx" preserve="1">
+<p:sldLayout xmlns:a="http://schemas.openxmlformats.org/drawingml/2006/main" xmlns:r="http://schemas.openxmlformats.org/officeDocument/2006/relationships" xmlns:p="http://schemas.openxmlformats.org/presentationml/2006/main" type="objTx" preserve="1">
   <p:cSld name="Content with Caption">
     <p:spTree>
       <p:nvGrpSpPr>
@@ -2409,107 +2229,30 @@
       </p:grpSpPr>
       <p:sp>
         <p:nvSpPr>
-          <p:cNvPr id="8" name="Rectangle 7"/>
-          <p:cNvSpPr/>
-          <p:nvPr/>
+          <p:cNvPr id="2" name="Title 1"/>
+          <p:cNvSpPr>
+            <a:spLocks noGrp="1"/>
+          </p:cNvSpPr>
+          <p:nvPr>
+            <p:ph type="title"/>
+          </p:nvPr>
         </p:nvSpPr>
         <p:spPr>
           <a:xfrm>
-            <a:off x="16" y="0"/>
-            <a:ext cx="4050791" cy="6858000"/>
-          </a:xfrm>
-          <a:prstGeom prst="rect">
-            <a:avLst/>
-          </a:prstGeom>
-          <a:solidFill>
-            <a:schemeClr val="accent2"/>
-          </a:solidFill>
-          <a:ln>
-            <a:noFill/>
-          </a:ln>
-        </p:spPr>
-        <p:style>
-          <a:lnRef idx="2">
-            <a:schemeClr val="accent1">
-              <a:shade val="50000"/>
-            </a:schemeClr>
-          </a:lnRef>
-          <a:fillRef idx="1">
-            <a:schemeClr val="accent1"/>
-          </a:fillRef>
-          <a:effectRef idx="0">
-            <a:schemeClr val="accent1"/>
-          </a:effectRef>
-          <a:fontRef idx="minor">
-            <a:schemeClr val="lt1"/>
-          </a:fontRef>
-        </p:style>
-      </p:sp>
-      <p:sp>
-        <p:nvSpPr>
-          <p:cNvPr id="9" name="Rectangle 8"/>
-          <p:cNvSpPr/>
-          <p:nvPr/>
-        </p:nvSpPr>
-        <p:spPr>
-          <a:xfrm>
-            <a:off x="4040071" y="0"/>
-            <a:ext cx="64008" cy="6858000"/>
-          </a:xfrm>
-          <a:prstGeom prst="rect">
-            <a:avLst/>
-          </a:prstGeom>
-          <a:solidFill>
-            <a:schemeClr val="accent1"/>
-          </a:solidFill>
-          <a:ln>
-            <a:noFill/>
-          </a:ln>
-        </p:spPr>
-        <p:style>
-          <a:lnRef idx="2">
-            <a:schemeClr val="accent1">
-              <a:shade val="50000"/>
-            </a:schemeClr>
-          </a:lnRef>
-          <a:fillRef idx="1">
-            <a:schemeClr val="accent1"/>
-          </a:fillRef>
-          <a:effectRef idx="0">
-            <a:schemeClr val="accent1"/>
-          </a:effectRef>
-          <a:fontRef idx="minor">
-            <a:schemeClr val="lt1"/>
-          </a:fontRef>
-        </p:style>
-      </p:sp>
-      <p:sp>
-        <p:nvSpPr>
-          <p:cNvPr id="2" name="Title 1"/>
-          <p:cNvSpPr>
-            <a:spLocks noGrp="1"/>
-          </p:cNvSpPr>
-          <p:nvPr>
-            <p:ph type="title"/>
-          </p:nvPr>
-        </p:nvSpPr>
-        <p:spPr>
-          <a:xfrm>
-            <a:off x="457200" y="594359"/>
-            <a:ext cx="3200400" cy="2286000"/>
+            <a:off x="1143000" y="1097280"/>
+            <a:ext cx="3931920" cy="1737360"/>
           </a:xfrm>
         </p:spPr>
         <p:txBody>
           <a:bodyPr anchor="b">
-            <a:normAutofit/>
+            <a:noAutofit/>
           </a:bodyPr>
           <a:lstStyle>
             <a:lvl1pPr>
-              <a:defRPr sz="3600" b="0">
-                <a:solidFill>
-                  <a:srgbClr val="FFFFFF"/>
-                </a:solidFill>
-              </a:defRPr>
+              <a:lnSpc>
+                <a:spcPct val="90000"/>
+              </a:lnSpc>
+              <a:defRPr sz="4000" b="0"/>
             </a:lvl1pPr>
           </a:lstStyle>
           <a:p>
@@ -2533,13 +2276,41 @@
         </p:nvSpPr>
         <p:spPr>
           <a:xfrm>
-            <a:off x="4800600" y="731520"/>
-            <a:ext cx="6492240" cy="5257800"/>
+            <a:off x="5852159" y="1097280"/>
+            <a:ext cx="5212080" cy="4663440"/>
           </a:xfrm>
         </p:spPr>
         <p:txBody>
           <a:bodyPr/>
-          <a:lstStyle/>
+          <a:lstStyle>
+            <a:lvl1pPr>
+              <a:defRPr sz="3200"/>
+            </a:lvl1pPr>
+            <a:lvl2pPr>
+              <a:defRPr sz="2800"/>
+            </a:lvl2pPr>
+            <a:lvl3pPr>
+              <a:defRPr sz="2400"/>
+            </a:lvl3pPr>
+            <a:lvl4pPr>
+              <a:defRPr sz="2000"/>
+            </a:lvl4pPr>
+            <a:lvl5pPr>
+              <a:defRPr sz="2000"/>
+            </a:lvl5pPr>
+            <a:lvl6pPr>
+              <a:defRPr sz="2000"/>
+            </a:lvl6pPr>
+            <a:lvl7pPr>
+              <a:defRPr sz="2000"/>
+            </a:lvl7pPr>
+            <a:lvl8pPr>
+              <a:defRPr sz="2000"/>
+            </a:lvl8pPr>
+            <a:lvl9pPr>
+              <a:defRPr sz="2000"/>
+            </a:lvl9pPr>
+          </a:lstStyle>
           <a:p>
             <a:pPr lvl="0"/>
             <a:r>
@@ -2590,22 +2361,24 @@
         </p:nvSpPr>
         <p:spPr>
           <a:xfrm>
-            <a:off x="457200" y="2926080"/>
-            <a:ext cx="3200400" cy="3379124"/>
+            <a:off x="1143000" y="2834640"/>
+            <a:ext cx="3931920" cy="3017520"/>
           </a:xfrm>
         </p:spPr>
         <p:txBody>
-          <a:bodyPr lIns="91440" rIns="91440">
+          <a:bodyPr>
             <a:normAutofit/>
           </a:bodyPr>
           <a:lstStyle>
             <a:lvl1pPr marL="0" indent="0">
+              <a:lnSpc>
+                <a:spcPct val="100000"/>
+              </a:lnSpc>
+              <a:spcBef>
+                <a:spcPts val="1000"/>
+              </a:spcBef>
               <a:buNone/>
-              <a:defRPr sz="1500">
-                <a:solidFill>
-                  <a:srgbClr val="FFFFFF"/>
-                </a:solidFill>
-              </a:defRPr>
+              <a:defRPr sz="1700"/>
             </a:lvl1pPr>
             <a:lvl2pPr marL="457200" indent="0">
               <a:buNone/>
@@ -2659,23 +2432,14 @@
             <p:ph type="dt" sz="half" idx="10"/>
           </p:nvPr>
         </p:nvSpPr>
-        <p:spPr>
-          <a:xfrm>
-            <a:off x="465512" y="6459785"/>
-            <a:ext cx="2618510" cy="365125"/>
-          </a:xfrm>
-        </p:spPr>
-        <p:txBody>
-          <a:bodyPr/>
-          <a:lstStyle>
-            <a:lvl1pPr algn="l">
-              <a:defRPr/>
-            </a:lvl1pPr>
-          </a:lstStyle>
+        <p:spPr/>
+        <p:txBody>
+          <a:bodyPr/>
+          <a:lstStyle/>
           <a:p>
             <a:fld id="{4E6599C8-6CF5-4426-8B05-95D72E154976}" type="datetimeFigureOut">
               <a:rPr lang="en-GB" smtClean="0"/>
-              <a:t>27/07/2016</a:t>
+              <a:t>04/08/2016</a:t>
             </a:fld>
             <a:endParaRPr lang="en-GB"/>
           </a:p>
@@ -2691,23 +2455,10 @@
             <p:ph type="ftr" sz="quarter" idx="11"/>
           </p:nvPr>
         </p:nvSpPr>
-        <p:spPr>
-          <a:xfrm>
-            <a:off x="4800600" y="6459785"/>
-            <a:ext cx="4648200" cy="365125"/>
-          </a:xfrm>
-        </p:spPr>
-        <p:txBody>
-          <a:bodyPr/>
-          <a:lstStyle>
-            <a:lvl1pPr algn="l">
-              <a:defRPr>
-                <a:solidFill>
-                  <a:schemeClr val="tx2"/>
-                </a:solidFill>
-              </a:defRPr>
-            </a:lvl1pPr>
-          </a:lstStyle>
+        <p:spPr/>
+        <p:txBody>
+          <a:bodyPr/>
+          <a:lstStyle/>
           <a:p>
             <a:endParaRPr lang="en-GB"/>
           </a:p>
@@ -2726,15 +2477,7 @@
         <p:spPr/>
         <p:txBody>
           <a:bodyPr/>
-          <a:lstStyle>
-            <a:lvl1pPr>
-              <a:defRPr>
-                <a:solidFill>
-                  <a:schemeClr val="tx2"/>
-                </a:solidFill>
-              </a:defRPr>
-            </a:lvl1pPr>
-          </a:lstStyle>
+          <a:lstStyle/>
           <a:p>
             <a:fld id="{0401760A-47BF-48AE-B028-30A9615505B3}" type="slidenum">
               <a:rPr lang="en-GB" smtClean="0"/>
@@ -2747,7 +2490,7 @@
     </p:spTree>
     <p:extLst>
       <p:ext uri="{BB962C8B-B14F-4D97-AF65-F5344CB8AC3E}">
-        <p14:creationId xmlns:p14="http://schemas.microsoft.com/office/powerpoint/2010/main" val="60321204"/>
+        <p14:creationId xmlns:p14="http://schemas.microsoft.com/office/powerpoint/2010/main" val="447982502"/>
       </p:ext>
     </p:extLst>
   </p:cSld>
@@ -2758,7 +2501,7 @@
 </file>
 
 <file path=ppt/slideLayouts/slideLayout9.xml><?xml version="1.0" encoding="utf-8"?>
-<p:sldLayout xmlns:a="http://schemas.openxmlformats.org/drawingml/2006/main" xmlns:r="http://schemas.openxmlformats.org/officeDocument/2006/relationships" xmlns:p="http://schemas.openxmlformats.org/presentationml/2006/main" showMasterSp="0" type="picTx" preserve="1">
+<p:sldLayout xmlns:a="http://schemas.openxmlformats.org/drawingml/2006/main" xmlns:r="http://schemas.openxmlformats.org/officeDocument/2006/relationships" xmlns:p="http://schemas.openxmlformats.org/presentationml/2006/main" type="picTx" preserve="1">
   <p:cSld name="Picture with Caption">
     <p:spTree>
       <p:nvGrpSpPr>
@@ -2776,107 +2519,30 @@
       </p:grpSpPr>
       <p:sp>
         <p:nvSpPr>
-          <p:cNvPr id="8" name="Rectangle 7"/>
-          <p:cNvSpPr/>
-          <p:nvPr/>
+          <p:cNvPr id="2" name="Title 1"/>
+          <p:cNvSpPr>
+            <a:spLocks noGrp="1"/>
+          </p:cNvSpPr>
+          <p:nvPr>
+            <p:ph type="title"/>
+          </p:nvPr>
         </p:nvSpPr>
         <p:spPr>
           <a:xfrm>
-            <a:off x="0" y="4953000"/>
-            <a:ext cx="12188825" cy="1905000"/>
-          </a:xfrm>
-          <a:prstGeom prst="rect">
-            <a:avLst/>
-          </a:prstGeom>
-          <a:solidFill>
-            <a:schemeClr val="accent2"/>
-          </a:solidFill>
-          <a:ln>
-            <a:noFill/>
-          </a:ln>
-        </p:spPr>
-        <p:style>
-          <a:lnRef idx="2">
-            <a:schemeClr val="accent1">
-              <a:shade val="50000"/>
-            </a:schemeClr>
-          </a:lnRef>
-          <a:fillRef idx="1">
-            <a:schemeClr val="accent1"/>
-          </a:fillRef>
-          <a:effectRef idx="0">
-            <a:schemeClr val="accent1"/>
-          </a:effectRef>
-          <a:fontRef idx="minor">
-            <a:schemeClr val="lt1"/>
-          </a:fontRef>
-        </p:style>
-      </p:sp>
-      <p:sp>
-        <p:nvSpPr>
-          <p:cNvPr id="9" name="Rectangle 8"/>
-          <p:cNvSpPr/>
-          <p:nvPr/>
-        </p:nvSpPr>
-        <p:spPr>
-          <a:xfrm>
-            <a:off x="15" y="4915076"/>
-            <a:ext cx="12188825" cy="64008"/>
-          </a:xfrm>
-          <a:prstGeom prst="rect">
-            <a:avLst/>
-          </a:prstGeom>
-          <a:solidFill>
-            <a:schemeClr val="accent1"/>
-          </a:solidFill>
-          <a:ln>
-            <a:noFill/>
-          </a:ln>
-        </p:spPr>
-        <p:style>
-          <a:lnRef idx="2">
-            <a:schemeClr val="accent1">
-              <a:shade val="50000"/>
-            </a:schemeClr>
-          </a:lnRef>
-          <a:fillRef idx="1">
-            <a:schemeClr val="accent1"/>
-          </a:fillRef>
-          <a:effectRef idx="0">
-            <a:schemeClr val="accent1"/>
-          </a:effectRef>
-          <a:fontRef idx="minor">
-            <a:schemeClr val="lt1"/>
-          </a:fontRef>
-        </p:style>
-      </p:sp>
-      <p:sp>
-        <p:nvSpPr>
-          <p:cNvPr id="2" name="Title 1"/>
-          <p:cNvSpPr>
-            <a:spLocks noGrp="1"/>
-          </p:cNvSpPr>
-          <p:nvPr>
-            <p:ph type="title"/>
-          </p:nvPr>
-        </p:nvSpPr>
-        <p:spPr>
-          <a:xfrm>
-            <a:off x="1097280" y="5074920"/>
-            <a:ext cx="10113264" cy="822960"/>
+            <a:off x="1143000" y="1097280"/>
+            <a:ext cx="3931920" cy="1737360"/>
           </a:xfrm>
         </p:spPr>
         <p:txBody>
-          <a:bodyPr lIns="91440" tIns="0" rIns="91440" bIns="0" anchor="b">
+          <a:bodyPr anchor="b">
             <a:noAutofit/>
           </a:bodyPr>
           <a:lstStyle>
             <a:lvl1pPr>
-              <a:defRPr sz="3600" b="0">
-                <a:solidFill>
-                  <a:srgbClr val="FFFFFF"/>
-                </a:solidFill>
-              </a:defRPr>
+              <a:lnSpc>
+                <a:spcPct val="90000"/>
+              </a:lnSpc>
+              <a:defRPr sz="4000" b="0"/>
             </a:lvl1pPr>
           </a:lstStyle>
           <a:p>
@@ -2900,26 +2566,18 @@
         </p:nvSpPr>
         <p:spPr>
           <a:xfrm>
-            <a:off x="15" y="0"/>
-            <a:ext cx="12191985" cy="4915076"/>
+            <a:off x="5413248" y="1069847"/>
+            <a:ext cx="6099048" cy="4800600"/>
           </a:xfrm>
-          <a:blipFill>
-            <a:blip r:embed="rId2"/>
-            <a:stretch>
-              <a:fillRect/>
-            </a:stretch>
-          </a:blipFill>
         </p:spPr>
         <p:txBody>
-          <a:bodyPr lIns="457200" tIns="457200" anchor="t"/>
+          <a:bodyPr lIns="274320" tIns="182880" anchor="t">
+            <a:normAutofit/>
+          </a:bodyPr>
           <a:lstStyle>
             <a:lvl1pPr marL="0" indent="0">
               <a:buNone/>
-              <a:defRPr sz="3200">
-                <a:solidFill>
-                  <a:schemeClr val="bg1"/>
-                </a:solidFill>
-              </a:defRPr>
+              <a:defRPr sz="2800"/>
             </a:lvl1pPr>
             <a:lvl2pPr marL="457200" indent="0">
               <a:buNone/>
@@ -2975,28 +2633,24 @@
         </p:nvSpPr>
         <p:spPr>
           <a:xfrm>
-            <a:off x="1097280" y="5907023"/>
-            <a:ext cx="10113264" cy="594360"/>
+            <a:off x="1143000" y="2834640"/>
+            <a:ext cx="3931920" cy="2880360"/>
           </a:xfrm>
         </p:spPr>
         <p:txBody>
-          <a:bodyPr lIns="91440" tIns="0" rIns="91440" bIns="0">
+          <a:bodyPr>
             <a:normAutofit/>
           </a:bodyPr>
           <a:lstStyle>
             <a:lvl1pPr marL="0" indent="0">
+              <a:lnSpc>
+                <a:spcPct val="100000"/>
+              </a:lnSpc>
               <a:spcBef>
-                <a:spcPts val="0"/>
+                <a:spcPts val="1000"/>
               </a:spcBef>
-              <a:spcAft>
-                <a:spcPts val="600"/>
-              </a:spcAft>
               <a:buNone/>
-              <a:defRPr sz="1500">
-                <a:solidFill>
-                  <a:srgbClr val="FFFFFF"/>
-                </a:solidFill>
-              </a:defRPr>
+              <a:defRPr sz="1700"/>
             </a:lvl1pPr>
             <a:lvl2pPr marL="457200" indent="0">
               <a:buNone/>
@@ -3057,7 +2711,7 @@
           <a:p>
             <a:fld id="{4E6599C8-6CF5-4426-8B05-95D72E154976}" type="datetimeFigureOut">
               <a:rPr lang="en-GB" smtClean="0"/>
-              <a:t>27/07/2016</a:t>
+              <a:t>04/08/2016</a:t>
             </a:fld>
             <a:endParaRPr lang="en-GB"/>
           </a:p>
@@ -3108,7 +2762,7 @@
     </p:spTree>
     <p:extLst>
       <p:ext uri="{BB962C8B-B14F-4D97-AF65-F5344CB8AC3E}">
-        <p14:creationId xmlns:p14="http://schemas.microsoft.com/office/powerpoint/2010/main" val="584340971"/>
+        <p14:creationId xmlns:p14="http://schemas.microsoft.com/office/powerpoint/2010/main" val="50224991"/>
       </p:ext>
     </p:extLst>
   </p:cSld>
@@ -3122,9 +2776,12 @@
 <p:sldMaster xmlns:a="http://schemas.openxmlformats.org/drawingml/2006/main" xmlns:r="http://schemas.openxmlformats.org/officeDocument/2006/relationships" xmlns:p="http://schemas.openxmlformats.org/presentationml/2006/main">
   <p:cSld>
     <p:bg>
-      <p:bgRef idx="1001">
-        <a:schemeClr val="bg1"/>
-      </p:bgRef>
+      <p:bgPr>
+        <a:solidFill>
+          <a:schemeClr val="accent1"/>
+        </a:solidFill>
+        <a:effectLst/>
+      </p:bgPr>
     </p:bg>
     <p:spTree>
       <p:nvGrpSpPr>
@@ -3143,21 +2800,23 @@
       <p:sp>
         <p:nvSpPr>
           <p:cNvPr id="7" name="Rectangle 6"/>
-          <p:cNvSpPr/>
+          <p:cNvSpPr>
+            <a:spLocks noChangeAspect="1"/>
+          </p:cNvSpPr>
           <p:nvPr/>
         </p:nvSpPr>
         <p:spPr>
           <a:xfrm>
-            <a:off x="1" y="6400800"/>
-            <a:ext cx="12192000" cy="457200"/>
+            <a:off x="231140" y="243840"/>
+            <a:ext cx="11724640" cy="6377939"/>
           </a:xfrm>
           <a:prstGeom prst="rect">
             <a:avLst/>
           </a:prstGeom>
           <a:solidFill>
-            <a:schemeClr val="accent2"/>
+            <a:schemeClr val="bg1"/>
           </a:solidFill>
-          <a:ln>
+          <a:ln w="12700">
             <a:noFill/>
           </a:ln>
         </p:spPr>
@@ -3180,63 +2839,25 @@
       </p:sp>
       <p:sp>
         <p:nvSpPr>
-          <p:cNvPr id="9" name="Rectangle 8"/>
-          <p:cNvSpPr/>
-          <p:nvPr/>
+          <p:cNvPr id="2" name="Title Placeholder 1"/>
+          <p:cNvSpPr>
+            <a:spLocks noGrp="1"/>
+          </p:cNvSpPr>
+          <p:nvPr>
+            <p:ph type="title"/>
+          </p:nvPr>
         </p:nvSpPr>
         <p:spPr>
           <a:xfrm>
-            <a:off x="0" y="6334316"/>
-            <a:ext cx="12192001" cy="65998"/>
-          </a:xfrm>
-          <a:prstGeom prst="rect">
-            <a:avLst/>
-          </a:prstGeom>
-          <a:solidFill>
-            <a:schemeClr val="accent1"/>
-          </a:solidFill>
-          <a:ln>
-            <a:noFill/>
-          </a:ln>
-        </p:spPr>
-        <p:style>
-          <a:lnRef idx="2">
-            <a:schemeClr val="accent1">
-              <a:shade val="50000"/>
-            </a:schemeClr>
-          </a:lnRef>
-          <a:fillRef idx="1">
-            <a:schemeClr val="accent1"/>
-          </a:fillRef>
-          <a:effectRef idx="0">
-            <a:schemeClr val="accent1"/>
-          </a:effectRef>
-          <a:fontRef idx="minor">
-            <a:schemeClr val="lt1"/>
-          </a:fontRef>
-        </p:style>
-      </p:sp>
-      <p:sp>
-        <p:nvSpPr>
-          <p:cNvPr id="2" name="Title Placeholder 1"/>
-          <p:cNvSpPr>
-            <a:spLocks noGrp="1"/>
-          </p:cNvSpPr>
-          <p:nvPr>
-            <p:ph type="title"/>
-          </p:nvPr>
-        </p:nvSpPr>
-        <p:spPr>
-          <a:xfrm>
-            <a:off x="1097280" y="286603"/>
-            <a:ext cx="10058400" cy="1450757"/>
+            <a:off x="1143000" y="609600"/>
+            <a:ext cx="9875520" cy="1356360"/>
           </a:xfrm>
           <a:prstGeom prst="rect">
             <a:avLst/>
           </a:prstGeom>
         </p:spPr>
         <p:txBody>
-          <a:bodyPr vert="horz" lIns="91440" tIns="45720" rIns="91440" bIns="45720" rtlCol="0" anchor="b">
+          <a:bodyPr vert="horz" lIns="91440" tIns="45720" rIns="91440" bIns="45720" rtlCol="0" anchor="ctr">
             <a:normAutofit/>
           </a:bodyPr>
           <a:lstStyle/>
@@ -3261,15 +2882,15 @@
         </p:nvSpPr>
         <p:spPr>
           <a:xfrm>
-            <a:off x="1097280" y="1845734"/>
-            <a:ext cx="10058400" cy="4023360"/>
+            <a:off x="1143000" y="2057400"/>
+            <a:ext cx="9872871" cy="4038600"/>
           </a:xfrm>
           <a:prstGeom prst="rect">
             <a:avLst/>
           </a:prstGeom>
         </p:spPr>
         <p:txBody>
-          <a:bodyPr vert="horz" lIns="0" tIns="45720" rIns="0" bIns="45720" rtlCol="0">
+          <a:bodyPr vert="horz" lIns="91440" tIns="45720" rIns="91440" bIns="45720" rtlCol="0">
             <a:normAutofit/>
           </a:bodyPr>
           <a:lstStyle/>
@@ -3323,8 +2944,8 @@
         </p:nvSpPr>
         <p:spPr>
           <a:xfrm>
-            <a:off x="1097280" y="6459785"/>
-            <a:ext cx="2472271" cy="365125"/>
+            <a:off x="1142996" y="6223828"/>
+            <a:ext cx="2329074" cy="365125"/>
           </a:xfrm>
           <a:prstGeom prst="rect">
             <a:avLst/>
@@ -3334,9 +2955,9 @@
           <a:bodyPr vert="horz" lIns="91440" tIns="45720" rIns="91440" bIns="45720" rtlCol="0" anchor="ctr"/>
           <a:lstStyle>
             <a:lvl1pPr algn="l">
-              <a:defRPr sz="900">
+              <a:defRPr sz="1200">
                 <a:solidFill>
-                  <a:srgbClr val="FFFFFF"/>
+                  <a:schemeClr val="accent1"/>
                 </a:solidFill>
               </a:defRPr>
             </a:lvl1pPr>
@@ -3344,7 +2965,7 @@
           <a:p>
             <a:fld id="{4E6599C8-6CF5-4426-8B05-95D72E154976}" type="datetimeFigureOut">
               <a:rPr lang="en-GB" smtClean="0"/>
-              <a:t>27/07/2016</a:t>
+              <a:t>04/08/2016</a:t>
             </a:fld>
             <a:endParaRPr lang="en-GB"/>
           </a:p>
@@ -3362,8 +2983,8 @@
         </p:nvSpPr>
         <p:spPr>
           <a:xfrm>
-            <a:off x="3686185" y="6459785"/>
-            <a:ext cx="4822804" cy="365125"/>
+            <a:off x="3949148" y="6223828"/>
+            <a:ext cx="4717774" cy="365125"/>
           </a:xfrm>
           <a:prstGeom prst="rect">
             <a:avLst/>
@@ -3373,9 +2994,9 @@
           <a:bodyPr vert="horz" lIns="91440" tIns="45720" rIns="91440" bIns="45720" rtlCol="0" anchor="ctr"/>
           <a:lstStyle>
             <a:lvl1pPr algn="ctr">
-              <a:defRPr sz="900" cap="all" baseline="0">
+              <a:defRPr sz="1200">
                 <a:solidFill>
-                  <a:srgbClr val="FFFFFF"/>
+                  <a:schemeClr val="accent1"/>
                 </a:solidFill>
               </a:defRPr>
             </a:lvl1pPr>
@@ -3397,8 +3018,8 @@
         </p:nvSpPr>
         <p:spPr>
           <a:xfrm>
-            <a:off x="9900458" y="6459785"/>
-            <a:ext cx="1312025" cy="365125"/>
+            <a:off x="9329530" y="6223828"/>
+            <a:ext cx="1706217" cy="365125"/>
           </a:xfrm>
           <a:prstGeom prst="rect">
             <a:avLst/>
@@ -3408,9 +3029,9 @@
           <a:bodyPr vert="horz" lIns="91440" tIns="45720" rIns="91440" bIns="45720" rtlCol="0" anchor="ctr"/>
           <a:lstStyle>
             <a:lvl1pPr algn="r">
-              <a:defRPr sz="1050">
+              <a:defRPr sz="1200">
                 <a:solidFill>
-                  <a:srgbClr val="FFFFFF"/>
+                  <a:schemeClr val="accent1"/>
                 </a:solidFill>
               </a:defRPr>
             </a:lvl1pPr>
@@ -3424,81 +3045,40 @@
           </a:p>
         </p:txBody>
       </p:sp>
-      <p:cxnSp>
-        <p:nvCxnSpPr>
-          <p:cNvPr id="10" name="Straight Connector 9"/>
-          <p:cNvCxnSpPr/>
-          <p:nvPr/>
-        </p:nvCxnSpPr>
-        <p:spPr>
-          <a:xfrm>
-            <a:off x="1193532" y="1737845"/>
-            <a:ext cx="9966960" cy="0"/>
-          </a:xfrm>
-          <a:prstGeom prst="line">
-            <a:avLst/>
-          </a:prstGeom>
-          <a:ln w="6350">
-            <a:solidFill>
-              <a:schemeClr val="tx1">
-                <a:lumMod val="50000"/>
-                <a:lumOff val="50000"/>
-              </a:schemeClr>
-            </a:solidFill>
-          </a:ln>
-        </p:spPr>
-        <p:style>
-          <a:lnRef idx="1">
-            <a:schemeClr val="accent1"/>
-          </a:lnRef>
-          <a:fillRef idx="0">
-            <a:schemeClr val="accent1"/>
-          </a:fillRef>
-          <a:effectRef idx="0">
-            <a:schemeClr val="accent1"/>
-          </a:effectRef>
-          <a:fontRef idx="minor">
-            <a:schemeClr val="tx1"/>
-          </a:fontRef>
-        </p:style>
-      </p:cxnSp>
     </p:spTree>
     <p:extLst>
       <p:ext uri="{BB962C8B-B14F-4D97-AF65-F5344CB8AC3E}">
-        <p14:creationId xmlns:p14="http://schemas.microsoft.com/office/powerpoint/2010/main" val="644755401"/>
+        <p14:creationId xmlns:p14="http://schemas.microsoft.com/office/powerpoint/2010/main" val="3546154797"/>
       </p:ext>
     </p:extLst>
   </p:cSld>
   <p:clrMap bg1="lt1" tx1="dk1" bg2="lt2" tx2="dk2" accent1="accent1" accent2="accent2" accent3="accent3" accent4="accent4" accent5="accent5" accent6="accent6" hlink="hlink" folHlink="folHlink"/>
   <p:sldLayoutIdLst>
-    <p:sldLayoutId id="2147483661" r:id="rId1"/>
-    <p:sldLayoutId id="2147483662" r:id="rId2"/>
-    <p:sldLayoutId id="2147483663" r:id="rId3"/>
-    <p:sldLayoutId id="2147483664" r:id="rId4"/>
-    <p:sldLayoutId id="2147483665" r:id="rId5"/>
-    <p:sldLayoutId id="2147483666" r:id="rId6"/>
-    <p:sldLayoutId id="2147483667" r:id="rId7"/>
-    <p:sldLayoutId id="2147483668" r:id="rId8"/>
-    <p:sldLayoutId id="2147483669" r:id="rId9"/>
-    <p:sldLayoutId id="2147483670" r:id="rId10"/>
-    <p:sldLayoutId id="2147483671" r:id="rId11"/>
+    <p:sldLayoutId id="2147483673" r:id="rId1"/>
+    <p:sldLayoutId id="2147483674" r:id="rId2"/>
+    <p:sldLayoutId id="2147483675" r:id="rId3"/>
+    <p:sldLayoutId id="2147483676" r:id="rId4"/>
+    <p:sldLayoutId id="2147483677" r:id="rId5"/>
+    <p:sldLayoutId id="2147483678" r:id="rId6"/>
+    <p:sldLayoutId id="2147483679" r:id="rId7"/>
+    <p:sldLayoutId id="2147483680" r:id="rId8"/>
+    <p:sldLayoutId id="2147483681" r:id="rId9"/>
+    <p:sldLayoutId id="2147483682" r:id="rId10"/>
+    <p:sldLayoutId id="2147483683" r:id="rId11"/>
   </p:sldLayoutIdLst>
   <p:txStyles>
     <p:titleStyle>
       <a:lvl1pPr algn="l" defTabSz="914400" rtl="0" eaLnBrk="1" latinLnBrk="0" hangingPunct="1">
         <a:lnSpc>
-          <a:spcPct val="85000"/>
+          <a:spcPct val="90000"/>
         </a:lnSpc>
         <a:spcBef>
           <a:spcPct val="0"/>
         </a:spcBef>
         <a:buNone/>
-        <a:defRPr sz="4800" kern="1200" spc="-50" baseline="0">
+        <a:defRPr sz="4400" kern="1200">
           <a:solidFill>
-            <a:schemeClr val="tx1">
-              <a:lumMod val="75000"/>
-              <a:lumOff val="25000"/>
-            </a:schemeClr>
+            <a:schemeClr val="accent1"/>
           </a:solidFill>
           <a:latin typeface="+mj-lt"/>
           <a:ea typeface="+mj-ea"/>
@@ -3507,35 +3087,29 @@
       </a:lvl1pPr>
     </p:titleStyle>
     <p:bodyStyle>
-      <a:lvl1pPr marL="91440" indent="-91440" algn="l" defTabSz="914400" rtl="0" eaLnBrk="1" latinLnBrk="0" hangingPunct="1">
+      <a:lvl1pPr marL="228600" indent="-182880" algn="l" defTabSz="914400" rtl="0" eaLnBrk="1" latinLnBrk="0" hangingPunct="1">
         <a:lnSpc>
           <a:spcPct val="90000"/>
         </a:lnSpc>
         <a:spcBef>
-          <a:spcPts val="1200"/>
+          <a:spcPts val="1400"/>
         </a:spcBef>
-        <a:spcAft>
-          <a:spcPts val="200"/>
-        </a:spcAft>
         <a:buClr>
           <a:schemeClr val="accent1"/>
         </a:buClr>
-        <a:buSzPct val="100000"/>
-        <a:buFont typeface="Calibri" panose="020F0502020204030204" pitchFamily="34" charset="0"/>
-        <a:buChar char=" "/>
-        <a:defRPr sz="2000" kern="1200">
+        <a:buSzPct val="80000"/>
+        <a:buFont typeface="Corbel" pitchFamily="34" charset="0"/>
+        <a:buChar char="•"/>
+        <a:defRPr sz="2200" kern="1200">
           <a:solidFill>
-            <a:schemeClr val="tx1">
-              <a:lumMod val="75000"/>
-              <a:lumOff val="25000"/>
-            </a:schemeClr>
+            <a:schemeClr val="accent1"/>
           </a:solidFill>
           <a:latin typeface="+mn-lt"/>
           <a:ea typeface="+mn-ea"/>
           <a:cs typeface="+mn-cs"/>
         </a:defRPr>
       </a:lvl1pPr>
-      <a:lvl2pPr marL="384048" indent="-182880" algn="l" defTabSz="914400" rtl="0" eaLnBrk="1" latinLnBrk="0" hangingPunct="1">
+      <a:lvl2pPr marL="457200" indent="-182880" algn="l" defTabSz="914400" rtl="0" eaLnBrk="1" latinLnBrk="0" hangingPunct="1">
         <a:lnSpc>
           <a:spcPct val="90000"/>
         </a:lnSpc>
@@ -3548,21 +3122,19 @@
         <a:buClr>
           <a:schemeClr val="accent1"/>
         </a:buClr>
-        <a:buFont typeface="Calibri" pitchFamily="34" charset="0"/>
-        <a:buChar char="◦"/>
-        <a:defRPr sz="1800" kern="1200">
+        <a:buSzPct val="80000"/>
+        <a:buFont typeface="Corbel" pitchFamily="34" charset="0"/>
+        <a:buChar char="•"/>
+        <a:defRPr sz="2000" kern="1200">
           <a:solidFill>
-            <a:schemeClr val="tx1">
-              <a:lumMod val="75000"/>
-              <a:lumOff val="25000"/>
-            </a:schemeClr>
+            <a:schemeClr val="accent1"/>
           </a:solidFill>
           <a:latin typeface="+mn-lt"/>
           <a:ea typeface="+mn-ea"/>
           <a:cs typeface="+mn-cs"/>
         </a:defRPr>
       </a:lvl2pPr>
-      <a:lvl3pPr marL="566928" indent="-182880" algn="l" defTabSz="914400" rtl="0" eaLnBrk="1" latinLnBrk="0" hangingPunct="1">
+      <a:lvl3pPr marL="731520" indent="-182880" algn="l" defTabSz="914400" rtl="0" eaLnBrk="1" latinLnBrk="0" hangingPunct="1">
         <a:lnSpc>
           <a:spcPct val="90000"/>
         </a:lnSpc>
@@ -3575,21 +3147,19 @@
         <a:buClr>
           <a:schemeClr val="accent1"/>
         </a:buClr>
-        <a:buFont typeface="Calibri" pitchFamily="34" charset="0"/>
-        <a:buChar char="◦"/>
-        <a:defRPr sz="1400" kern="1200">
+        <a:buSzPct val="80000"/>
+        <a:buFont typeface="Corbel" pitchFamily="34" charset="0"/>
+        <a:buChar char="•"/>
+        <a:defRPr sz="1800" kern="1200">
           <a:solidFill>
-            <a:schemeClr val="tx1">
-              <a:lumMod val="75000"/>
-              <a:lumOff val="25000"/>
-            </a:schemeClr>
+            <a:schemeClr val="accent1"/>
           </a:solidFill>
           <a:latin typeface="+mn-lt"/>
           <a:ea typeface="+mn-ea"/>
           <a:cs typeface="+mn-cs"/>
         </a:defRPr>
       </a:lvl3pPr>
-      <a:lvl4pPr marL="749808" indent="-182880" algn="l" defTabSz="914400" rtl="0" eaLnBrk="1" latinLnBrk="0" hangingPunct="1">
+      <a:lvl4pPr marL="1005840" indent="-182880" algn="l" defTabSz="914400" rtl="0" eaLnBrk="1" latinLnBrk="0" hangingPunct="1">
         <a:lnSpc>
           <a:spcPct val="90000"/>
         </a:lnSpc>
@@ -3602,21 +3172,19 @@
         <a:buClr>
           <a:schemeClr val="accent1"/>
         </a:buClr>
-        <a:buFont typeface="Calibri" pitchFamily="34" charset="0"/>
-        <a:buChar char="◦"/>
-        <a:defRPr sz="1400" kern="1200">
+        <a:buSzPct val="80000"/>
+        <a:buFont typeface="Corbel" pitchFamily="34" charset="0"/>
+        <a:buChar char="•"/>
+        <a:defRPr sz="1600" kern="1200">
           <a:solidFill>
-            <a:schemeClr val="tx1">
-              <a:lumMod val="75000"/>
-              <a:lumOff val="25000"/>
-            </a:schemeClr>
+            <a:schemeClr val="accent1"/>
           </a:solidFill>
           <a:latin typeface="+mn-lt"/>
           <a:ea typeface="+mn-ea"/>
           <a:cs typeface="+mn-cs"/>
         </a:defRPr>
       </a:lvl4pPr>
-      <a:lvl5pPr marL="932688" indent="-182880" algn="l" defTabSz="914400" rtl="0" eaLnBrk="1" latinLnBrk="0" hangingPunct="1">
+      <a:lvl5pPr marL="1280160" indent="-182880" algn="l" defTabSz="914400" rtl="0" eaLnBrk="1" latinLnBrk="0" hangingPunct="1">
         <a:lnSpc>
           <a:spcPct val="90000"/>
         </a:lnSpc>
@@ -3629,21 +3197,19 @@
         <a:buClr>
           <a:schemeClr val="accent1"/>
         </a:buClr>
-        <a:buFont typeface="Calibri" pitchFamily="34" charset="0"/>
-        <a:buChar char="◦"/>
-        <a:defRPr sz="1400" kern="1200">
+        <a:buSzPct val="80000"/>
+        <a:buFont typeface="Corbel" pitchFamily="34" charset="0"/>
+        <a:buChar char="•"/>
+        <a:defRPr sz="1600" kern="1200">
           <a:solidFill>
-            <a:schemeClr val="tx1">
-              <a:lumMod val="75000"/>
-              <a:lumOff val="25000"/>
-            </a:schemeClr>
+            <a:schemeClr val="accent1"/>
           </a:solidFill>
           <a:latin typeface="+mn-lt"/>
           <a:ea typeface="+mn-ea"/>
           <a:cs typeface="+mn-cs"/>
         </a:defRPr>
       </a:lvl5pPr>
-      <a:lvl6pPr marL="1100000" indent="-228600" algn="l" defTabSz="914400" rtl="0" eaLnBrk="1" latinLnBrk="0" hangingPunct="1">
+      <a:lvl6pPr marL="1600000" indent="-228600" algn="l" defTabSz="914400" rtl="0" eaLnBrk="1" latinLnBrk="0" hangingPunct="1">
         <a:lnSpc>
           <a:spcPct val="90000"/>
         </a:lnSpc>
@@ -3656,21 +3222,19 @@
         <a:buClr>
           <a:schemeClr val="accent1"/>
         </a:buClr>
-        <a:buFont typeface="Calibri" pitchFamily="34" charset="0"/>
-        <a:buChar char="◦"/>
-        <a:defRPr sz="1400" kern="1200">
+        <a:buSzPct val="80000"/>
+        <a:buFont typeface="Corbel" pitchFamily="34" charset="0"/>
+        <a:buChar char="•"/>
+        <a:defRPr sz="1600" kern="1200">
           <a:solidFill>
-            <a:schemeClr val="tx1">
-              <a:lumMod val="75000"/>
-              <a:lumOff val="25000"/>
-            </a:schemeClr>
+            <a:schemeClr val="accent1"/>
           </a:solidFill>
           <a:latin typeface="+mn-lt"/>
           <a:ea typeface="+mn-ea"/>
           <a:cs typeface="+mn-cs"/>
         </a:defRPr>
       </a:lvl6pPr>
-      <a:lvl7pPr marL="1300000" indent="-228600" algn="l" defTabSz="914400" rtl="0" eaLnBrk="1" latinLnBrk="0" hangingPunct="1">
+      <a:lvl7pPr marL="1900000" indent="-228600" algn="l" defTabSz="914400" rtl="0" eaLnBrk="1" latinLnBrk="0" hangingPunct="1">
         <a:lnSpc>
           <a:spcPct val="90000"/>
         </a:lnSpc>
@@ -3683,21 +3247,19 @@
         <a:buClr>
           <a:schemeClr val="accent1"/>
         </a:buClr>
-        <a:buFont typeface="Calibri" pitchFamily="34" charset="0"/>
-        <a:buChar char="◦"/>
-        <a:defRPr sz="1400" kern="1200">
+        <a:buSzPct val="80000"/>
+        <a:buFont typeface="Corbel" pitchFamily="34" charset="0"/>
+        <a:buChar char="•"/>
+        <a:defRPr sz="1600" kern="1200">
           <a:solidFill>
-            <a:schemeClr val="tx1">
-              <a:lumMod val="75000"/>
-              <a:lumOff val="25000"/>
-            </a:schemeClr>
+            <a:schemeClr val="accent1"/>
           </a:solidFill>
           <a:latin typeface="+mn-lt"/>
           <a:ea typeface="+mn-ea"/>
           <a:cs typeface="+mn-cs"/>
         </a:defRPr>
       </a:lvl7pPr>
-      <a:lvl8pPr marL="1500000" indent="-228600" algn="l" defTabSz="914400" rtl="0" eaLnBrk="1" latinLnBrk="0" hangingPunct="1">
+      <a:lvl8pPr marL="2200000" indent="-228600" algn="l" defTabSz="914400" rtl="0" eaLnBrk="1" latinLnBrk="0" hangingPunct="1">
         <a:lnSpc>
           <a:spcPct val="90000"/>
         </a:lnSpc>
@@ -3710,21 +3272,19 @@
         <a:buClr>
           <a:schemeClr val="accent1"/>
         </a:buClr>
-        <a:buFont typeface="Calibri" pitchFamily="34" charset="0"/>
-        <a:buChar char="◦"/>
-        <a:defRPr sz="1400" kern="1200">
+        <a:buSzPct val="80000"/>
+        <a:buFont typeface="Corbel" pitchFamily="34" charset="0"/>
+        <a:buChar char="•"/>
+        <a:defRPr sz="1600" kern="1200">
           <a:solidFill>
-            <a:schemeClr val="tx1">
-              <a:lumMod val="75000"/>
-              <a:lumOff val="25000"/>
-            </a:schemeClr>
+            <a:schemeClr val="accent1"/>
           </a:solidFill>
           <a:latin typeface="+mn-lt"/>
           <a:ea typeface="+mn-ea"/>
           <a:cs typeface="+mn-cs"/>
         </a:defRPr>
       </a:lvl8pPr>
-      <a:lvl9pPr marL="1700000" indent="-228600" algn="l" defTabSz="914400" rtl="0" eaLnBrk="1" latinLnBrk="0" hangingPunct="1">
+      <a:lvl9pPr marL="2500000" indent="-228600" algn="l" defTabSz="914400" rtl="0" eaLnBrk="1" latinLnBrk="0" hangingPunct="1">
         <a:lnSpc>
           <a:spcPct val="90000"/>
         </a:lnSpc>
@@ -3737,14 +3297,12 @@
         <a:buClr>
           <a:schemeClr val="accent1"/>
         </a:buClr>
-        <a:buFont typeface="Calibri" pitchFamily="34" charset="0"/>
-        <a:buChar char="◦"/>
-        <a:defRPr sz="1400" kern="1200">
+        <a:buSzPct val="80000"/>
+        <a:buFont typeface="Corbel" pitchFamily="34" charset="0"/>
+        <a:buChar char="•"/>
+        <a:defRPr sz="1600" kern="1200">
           <a:solidFill>
-            <a:schemeClr val="tx1">
-              <a:lumMod val="75000"/>
-              <a:lumOff val="25000"/>
-            </a:schemeClr>
+            <a:schemeClr val="accent1"/>
           </a:solidFill>
           <a:latin typeface="+mn-lt"/>
           <a:ea typeface="+mn-ea"/>
@@ -3880,12 +3438,14 @@
         </p:nvSpPr>
         <p:spPr>
           <a:xfrm>
-            <a:off x="3563243" y="2203451"/>
-            <a:ext cx="5253380" cy="1387652"/>
+            <a:off x="2652889" y="2282473"/>
+            <a:ext cx="6716890" cy="1387652"/>
           </a:xfrm>
         </p:spPr>
         <p:txBody>
-          <a:bodyPr/>
+          <a:bodyPr>
+            <a:normAutofit/>
+          </a:bodyPr>
           <a:lstStyle/>
           <a:p>
             <a:r>
@@ -3904,7 +3464,7 @@
         </p:nvSpPr>
         <p:spPr>
           <a:xfrm>
-            <a:off x="4122706" y="4264958"/>
+            <a:off x="4023129" y="3762205"/>
             <a:ext cx="3976410" cy="369332"/>
           </a:xfrm>
           <a:prstGeom prst="rect">
@@ -4226,7 +3786,7 @@
         <p:spPr/>
         <p:txBody>
           <a:bodyPr>
-            <a:normAutofit/>
+            <a:normAutofit lnSpcReduction="10000"/>
           </a:bodyPr>
           <a:lstStyle/>
           <a:p>
@@ -4932,11 +4492,7 @@
             <a:pPr lvl="2"/>
             <a:r>
               <a:rPr lang="en-US" dirty="0" smtClean="0"/>
-              <a:t>Instantiate </a:t>
-            </a:r>
-            <a:r>
-              <a:rPr lang="en-US" dirty="0" smtClean="0"/>
-              <a:t>a </a:t>
+              <a:t>Instantiate a </a:t>
             </a:r>
             <a:r>
               <a:rPr lang="en-US" dirty="0" err="1" smtClean="0"/>
@@ -5453,7 +5009,7 @@
         <p:spPr/>
         <p:txBody>
           <a:bodyPr>
-            <a:normAutofit/>
+            <a:normAutofit lnSpcReduction="10000"/>
           </a:bodyPr>
           <a:lstStyle/>
           <a:p>
@@ -6779,7 +6335,7 @@
         <p:spPr/>
         <p:txBody>
           <a:bodyPr>
-            <a:normAutofit fontScale="85000" lnSpcReduction="20000"/>
+            <a:normAutofit fontScale="77500" lnSpcReduction="20000"/>
           </a:bodyPr>
           <a:lstStyle/>
           <a:p>
@@ -7018,13 +6574,8 @@
             </a:r>
             <a:r>
               <a:rPr lang="en-US" dirty="0" smtClean="0"/>
-              <a:t> container , and transaction management </a:t>
-            </a:r>
-            <a:r>
-              <a:rPr lang="en-US" dirty="0" smtClean="0"/>
-              <a:t>integration </a:t>
-            </a:r>
-            <a:endParaRPr lang="en-US" dirty="0" smtClean="0"/>
+              <a:t> container , and transaction management integration </a:t>
+            </a:r>
           </a:p>
           <a:p>
             <a:pPr lvl="2"/>
@@ -8843,7 +8394,7 @@
         <p:spPr/>
         <p:txBody>
           <a:bodyPr>
-            <a:normAutofit/>
+            <a:normAutofit lnSpcReduction="10000"/>
           </a:bodyPr>
           <a:lstStyle/>
           <a:p>
@@ -11449,93 +11000,58 @@
 </file>
 
 <file path=ppt/theme/theme1.xml><?xml version="1.0" encoding="utf-8"?>
-<a:theme xmlns:a="http://schemas.openxmlformats.org/drawingml/2006/main" name="Retrospect">
+<a:theme xmlns:a="http://schemas.openxmlformats.org/drawingml/2006/main" name="Basis">
   <a:themeElements>
-    <a:clrScheme name="Retrospect">
+    <a:clrScheme name="Basis">
       <a:dk1>
         <a:srgbClr val="000000"/>
       </a:dk1>
       <a:lt1>
-        <a:sysClr val="window" lastClr="FFFFFF"/>
+        <a:srgbClr val="FFFFFF"/>
       </a:lt1>
       <a:dk2>
-        <a:srgbClr val="637052"/>
+        <a:srgbClr val="565349"/>
       </a:dk2>
       <a:lt2>
-        <a:srgbClr val="CCDDEA"/>
+        <a:srgbClr val="DDDDDD"/>
       </a:lt2>
       <a:accent1>
-        <a:srgbClr val="E48312"/>
+        <a:srgbClr val="A6B727"/>
       </a:accent1>
       <a:accent2>
-        <a:srgbClr val="BD582C"/>
+        <a:srgbClr val="DF5327"/>
       </a:accent2>
       <a:accent3>
-        <a:srgbClr val="865640"/>
+        <a:srgbClr val="FE9E00"/>
       </a:accent3>
       <a:accent4>
-        <a:srgbClr val="9B8357"/>
+        <a:srgbClr val="418AB3"/>
       </a:accent4>
       <a:accent5>
-        <a:srgbClr val="C2BC80"/>
+        <a:srgbClr val="D7D447"/>
       </a:accent5>
       <a:accent6>
-        <a:srgbClr val="94A088"/>
+        <a:srgbClr val="818183"/>
       </a:accent6>
       <a:hlink>
-        <a:srgbClr val="2998E3"/>
+        <a:srgbClr val="F59E00"/>
       </a:hlink>
       <a:folHlink>
-        <a:srgbClr val="8C8C8C"/>
+        <a:srgbClr val="B2B2B2"/>
       </a:folHlink>
     </a:clrScheme>
-    <a:fontScheme name="Retrospect">
+    <a:fontScheme name="Basis">
       <a:majorFont>
-        <a:latin typeface="Calibri Light" panose="020F0302020204030204"/>
+        <a:latin typeface="Corbel" panose="020B0503020204020204"/>
         <a:ea typeface=""/>
         <a:cs typeface=""/>
-        <a:font script="Jpan" typeface="ＭＳ Ｐゴシック"/>
+        <a:font script="Jpan" typeface="ＭＳ ゴシック"/>
         <a:font script="Hang" typeface="맑은 고딕"/>
         <a:font script="Hans" typeface="宋体"/>
         <a:font script="Hant" typeface="新細明體"/>
-        <a:font script="Arab" typeface="Times New Roman"/>
-        <a:font script="Hebr" typeface="Times New Roman"/>
-        <a:font script="Thai" typeface="Angsana New"/>
-        <a:font script="Ethi" typeface="Nyala"/>
-        <a:font script="Beng" typeface="Vrinda"/>
-        <a:font script="Gujr" typeface="Shruti"/>
-        <a:font script="Khmr" typeface="MoolBoran"/>
-        <a:font script="Knda" typeface="Tunga"/>
-        <a:font script="Guru" typeface="Raavi"/>
-        <a:font script="Cans" typeface="Euphemia"/>
-        <a:font script="Cher" typeface="Plantagenet Cherokee"/>
-        <a:font script="Yiii" typeface="Microsoft Yi Baiti"/>
-        <a:font script="Tibt" typeface="Microsoft Himalaya"/>
-        <a:font script="Thaa" typeface="MV Boli"/>
-        <a:font script="Deva" typeface="Mangal"/>
-        <a:font script="Telu" typeface="Gautami"/>
-        <a:font script="Taml" typeface="Latha"/>
-        <a:font script="Syrc" typeface="Estrangelo Edessa"/>
-        <a:font script="Orya" typeface="Kalinga"/>
-        <a:font script="Mlym" typeface="Kartika"/>
-        <a:font script="Laoo" typeface="DokChampa"/>
-        <a:font script="Sinh" typeface="Iskoola Pota"/>
-        <a:font script="Mong" typeface="Mongolian Baiti"/>
-        <a:font script="Viet" typeface="Times New Roman"/>
-        <a:font script="Uigh" typeface="Microsoft Uighur"/>
-        <a:font script="Geor" typeface="Sylfaen"/>
-      </a:majorFont>
-      <a:minorFont>
-        <a:latin typeface="Calibri" panose="020F0502020204030204"/>
-        <a:ea typeface=""/>
-        <a:cs typeface=""/>
-        <a:font script="Jpan" typeface="ＭＳ Ｐゴシック"/>
-        <a:font script="Hang" typeface="맑은 고딕"/>
-        <a:font script="Hans" typeface="宋体"/>
-        <a:font script="Hant" typeface="新細明體"/>
-        <a:font script="Arab" typeface="Arial"/>
-        <a:font script="Hebr" typeface="Arial"/>
-        <a:font script="Thai" typeface="Cordia New"/>
+        <a:font script="Arab" typeface="Tahoma"/>
+        <a:font script="Hebr" typeface="Gisha"/>
+        <a:font script="Thai" typeface="DilleniaUPC"/>
         <a:font script="Ethi" typeface="Nyala"/>
         <a:font script="Beng" typeface="Vrinda"/>
         <a:font script="Gujr" typeface="Shruti"/>
@@ -11556,69 +11072,72 @@
         <a:font script="Laoo" typeface="DokChampa"/>
         <a:font script="Sinh" typeface="Iskoola Pota"/>
         <a:font script="Mong" typeface="Mongolian Baiti"/>
-        <a:font script="Viet" typeface="Arial"/>
+        <a:font script="Viet" typeface="Tahoma"/>
+        <a:font script="Uigh" typeface="Microsoft Uighur"/>
+        <a:font script="Geor" typeface="Sylfaen"/>
+      </a:majorFont>
+      <a:minorFont>
+        <a:latin typeface="Corbel" panose="020B0503020204020204"/>
+        <a:ea typeface=""/>
+        <a:cs typeface=""/>
+        <a:font script="Jpan" typeface="ＭＳ ゴシック"/>
+        <a:font script="Hang" typeface="맑은 고딕"/>
+        <a:font script="Hans" typeface="宋体"/>
+        <a:font script="Hant" typeface="新細明體"/>
+        <a:font script="Arab" typeface="Tahoma"/>
+        <a:font script="Hebr" typeface="Gisha"/>
+        <a:font script="Thai" typeface="DilleniaUPC"/>
+        <a:font script="Ethi" typeface="Nyala"/>
+        <a:font script="Beng" typeface="Vrinda"/>
+        <a:font script="Gujr" typeface="Shruti"/>
+        <a:font script="Khmr" typeface="DaunPenh"/>
+        <a:font script="Knda" typeface="Tunga"/>
+        <a:font script="Guru" typeface="Raavi"/>
+        <a:font script="Cans" typeface="Euphemia"/>
+        <a:font script="Cher" typeface="Plantagenet Cherokee"/>
+        <a:font script="Yiii" typeface="Microsoft Yi Baiti"/>
+        <a:font script="Tibt" typeface="Microsoft Himalaya"/>
+        <a:font script="Thaa" typeface="MV Boli"/>
+        <a:font script="Deva" typeface="Mangal"/>
+        <a:font script="Telu" typeface="Gautami"/>
+        <a:font script="Taml" typeface="Latha"/>
+        <a:font script="Syrc" typeface="Estrangelo Edessa"/>
+        <a:font script="Orya" typeface="Kalinga"/>
+        <a:font script="Mlym" typeface="Kartika"/>
+        <a:font script="Laoo" typeface="DokChampa"/>
+        <a:font script="Sinh" typeface="Iskoola Pota"/>
+        <a:font script="Mong" typeface="Mongolian Baiti"/>
+        <a:font script="Viet" typeface="Verdana"/>
         <a:font script="Uigh" typeface="Microsoft Uighur"/>
         <a:font script="Geor" typeface="Sylfaen"/>
       </a:minorFont>
     </a:fontScheme>
-    <a:fmtScheme name="Retrospect">
+    <a:fmtScheme name="Basis">
       <a:fillStyleLst>
         <a:solidFill>
           <a:schemeClr val="phClr"/>
         </a:solidFill>
+        <a:solidFill>
+          <a:schemeClr val="phClr">
+            <a:tint val="55000"/>
+            <a:satMod val="130000"/>
+          </a:schemeClr>
+        </a:solidFill>
         <a:gradFill rotWithShape="1">
           <a:gsLst>
             <a:gs pos="0">
+              <a:schemeClr val="phClr"/>
+            </a:gs>
+            <a:gs pos="90000">
               <a:schemeClr val="phClr">
-                <a:tint val="65000"/>
-                <a:shade val="92000"/>
-                <a:satMod val="130000"/>
-              </a:schemeClr>
-            </a:gs>
-            <a:gs pos="45000">
-              <a:schemeClr val="phClr">
-                <a:tint val="60000"/>
-                <a:shade val="99000"/>
-                <a:satMod val="120000"/>
+                <a:shade val="100000"/>
+                <a:satMod val="105000"/>
               </a:schemeClr>
             </a:gs>
             <a:gs pos="100000">
               <a:schemeClr val="phClr">
-                <a:tint val="55000"/>
-                <a:satMod val="140000"/>
-              </a:schemeClr>
-            </a:gs>
-          </a:gsLst>
-          <a:path path="circle">
-            <a:fillToRect l="100000" t="100000" r="100000" b="100000"/>
-          </a:path>
-        </a:gradFill>
-        <a:gradFill rotWithShape="1">
-          <a:gsLst>
-            <a:gs pos="0">
-              <a:schemeClr val="phClr">
-                <a:shade val="85000"/>
-                <a:satMod val="130000"/>
-              </a:schemeClr>
-            </a:gs>
-            <a:gs pos="34000">
-              <a:schemeClr val="phClr">
-                <a:shade val="87000"/>
-                <a:satMod val="125000"/>
-              </a:schemeClr>
-            </a:gs>
-            <a:gs pos="70000">
-              <a:schemeClr val="phClr">
-                <a:tint val="100000"/>
-                <a:shade val="90000"/>
-                <a:satMod val="130000"/>
-              </a:schemeClr>
-            </a:gs>
-            <a:gs pos="100000">
-              <a:schemeClr val="phClr">
-                <a:tint val="100000"/>
-                <a:shade val="100000"/>
-                <a:satMod val="110000"/>
+                <a:shade val="80000"/>
+                <a:satMod val="120000"/>
               </a:schemeClr>
             </a:gs>
           </a:gsLst>
@@ -11628,19 +11147,19 @@
         </a:gradFill>
       </a:fillStyleLst>
       <a:lnStyleLst>
-        <a:ln w="12700" cap="flat" cmpd="sng" algn="ctr">
+        <a:ln w="10000" cap="flat" cmpd="sng" algn="ctr">
           <a:solidFill>
             <a:schemeClr val="phClr"/>
           </a:solidFill>
           <a:prstDash val="solid"/>
         </a:ln>
-        <a:ln w="15875" cap="flat" cmpd="sng" algn="ctr">
+        <a:ln w="19050" cap="flat" cmpd="sng" algn="ctr">
           <a:solidFill>
             <a:schemeClr val="phClr"/>
           </a:solidFill>
           <a:prstDash val="solid"/>
         </a:ln>
-        <a:ln w="25400" cap="flat" cmpd="sng" algn="ctr">
+        <a:ln w="53975" cap="flat" cmpd="dbl" algn="ctr">
           <a:solidFill>
             <a:schemeClr val="phClr"/>
           </a:solidFill>
@@ -11653,18 +11172,18 @@
         </a:effectStyle>
         <a:effectStyle>
           <a:effectLst>
-            <a:outerShdw blurRad="38100" dist="25400" dir="2700000" algn="br" rotWithShape="0">
+            <a:outerShdw blurRad="38100" dist="25400" dir="5400000" rotWithShape="0">
               <a:srgbClr val="000000">
-                <a:alpha val="60000"/>
+                <a:alpha val="45000"/>
               </a:srgbClr>
             </a:outerShdw>
           </a:effectLst>
         </a:effectStyle>
         <a:effectStyle>
           <a:effectLst>
-            <a:outerShdw blurRad="44450" dist="25400" dir="2700000" algn="br" rotWithShape="0">
+            <a:outerShdw blurRad="38100" dist="25400" dir="5400000" rotWithShape="0">
               <a:srgbClr val="000000">
-                <a:alpha val="60000"/>
+                <a:alpha val="45000"/>
               </a:srgbClr>
             </a:outerShdw>
           </a:effectLst>
@@ -11672,12 +11191,16 @@
             <a:camera prst="orthographicFront">
               <a:rot lat="0" lon="0" rev="0"/>
             </a:camera>
-            <a:lightRig rig="threePt" dir="t">
-              <a:rot lat="0" lon="0" rev="19800000"/>
-            </a:lightRig>
+            <a:lightRig rig="brightRoom" dir="t"/>
           </a:scene3d>
-          <a:sp3d prstMaterial="flat">
-            <a:bevelT w="25400" h="31750"/>
+          <a:sp3d extrusionH="12700" contourW="25400" prstMaterial="flat">
+            <a:bevelT w="63500" h="152400" prst="angle"/>
+            <a:contourClr>
+              <a:schemeClr val="phClr">
+                <a:shade val="27000"/>
+                <a:satMod val="120000"/>
+              </a:schemeClr>
+            </a:contourClr>
           </a:sp3d>
         </a:effectStyle>
       </a:effectStyleLst>
@@ -11687,37 +11210,19 @@
         </a:solidFill>
         <a:solidFill>
           <a:schemeClr val="phClr">
-            <a:tint val="90000"/>
-            <a:shade val="97000"/>
-            <a:satMod val="130000"/>
+            <a:tint val="95000"/>
+            <a:shade val="95000"/>
+            <a:satMod val="140000"/>
           </a:schemeClr>
         </a:solidFill>
-        <a:gradFill rotWithShape="1">
-          <a:gsLst>
-            <a:gs pos="0">
-              <a:schemeClr val="phClr">
-                <a:tint val="96000"/>
-                <a:shade val="99000"/>
-                <a:satMod val="140000"/>
-              </a:schemeClr>
-            </a:gs>
-            <a:gs pos="65000">
-              <a:schemeClr val="phClr">
-                <a:tint val="100000"/>
-                <a:shade val="80000"/>
-                <a:satMod val="130000"/>
-              </a:schemeClr>
-            </a:gs>
-            <a:gs pos="100000">
-              <a:schemeClr val="phClr">
-                <a:tint val="100000"/>
-                <a:shade val="48000"/>
-                <a:satMod val="120000"/>
-              </a:schemeClr>
-            </a:gs>
-          </a:gsLst>
-          <a:lin ang="16200000" scaled="0"/>
-        </a:gradFill>
+        <a:solidFill>
+          <a:schemeClr val="phClr">
+            <a:tint val="90000"/>
+            <a:shade val="85000"/>
+            <a:satMod val="160000"/>
+            <a:lumMod val="110000"/>
+          </a:schemeClr>
+        </a:solidFill>
       </a:bgFillStyleLst>
     </a:fmtScheme>
   </a:themeElements>
@@ -11725,7 +11230,7 @@
   <a:extraClrSchemeLst/>
   <a:extLst>
     <a:ext uri="{05A4C25C-085E-4340-85A3-A5531E510DB2}">
-      <thm15:themeFamily xmlns:thm15="http://schemas.microsoft.com/office/thememl/2012/main" name="Retrospect" id="{5F128B03-DCCA-4EEB-AB3B-CF2899314A46}" vid="{3F1AAB62-24C6-49D2-8E01-B56FAC9A3DCD}"/>
+      <thm15:themeFamily xmlns:thm15="http://schemas.microsoft.com/office/thememl/2012/main" name="Basis" id="{5665723A-49BA-4B57-8411-A56F8F207965}" vid="{90E45F77-AEFC-46EF-A7C1-5B338C297B02}"/>
     </a:ext>
   </a:extLst>
 </a:theme>

--- a/course/Spring-Day2.pptx
+++ b/course/Spring-Day2.pptx
@@ -2,7 +2,7 @@
 <file path=ppt/presentation.xml><?xml version="1.0" encoding="utf-8"?>
 <p:presentation xmlns:a="http://schemas.openxmlformats.org/drawingml/2006/main" xmlns:r="http://schemas.openxmlformats.org/officeDocument/2006/relationships" xmlns:p="http://schemas.openxmlformats.org/presentationml/2006/main" saveSubsetFonts="1">
   <p:sldMasterIdLst>
-    <p:sldMasterId id="2147483672" r:id="rId1"/>
+    <p:sldMasterId id="2147483711" r:id="rId1"/>
   </p:sldMasterIdLst>
   <p:sldIdLst>
     <p:sldId id="256" r:id="rId2"/>
@@ -37,34 +37,35 @@
     <p:sldId id="285" r:id="rId31"/>
     <p:sldId id="286" r:id="rId32"/>
     <p:sldId id="287" r:id="rId33"/>
-    <p:sldId id="288" r:id="rId34"/>
-    <p:sldId id="289" r:id="rId35"/>
-    <p:sldId id="290" r:id="rId36"/>
-    <p:sldId id="291" r:id="rId37"/>
-    <p:sldId id="292" r:id="rId38"/>
-    <p:sldId id="293" r:id="rId39"/>
-    <p:sldId id="294" r:id="rId40"/>
-    <p:sldId id="295" r:id="rId41"/>
-    <p:sldId id="296" r:id="rId42"/>
-    <p:sldId id="297" r:id="rId43"/>
-    <p:sldId id="298" r:id="rId44"/>
-    <p:sldId id="299" r:id="rId45"/>
-    <p:sldId id="300" r:id="rId46"/>
-    <p:sldId id="301" r:id="rId47"/>
-    <p:sldId id="302" r:id="rId48"/>
-    <p:sldId id="303" r:id="rId49"/>
-    <p:sldId id="304" r:id="rId50"/>
-    <p:sldId id="305" r:id="rId51"/>
-    <p:sldId id="306" r:id="rId52"/>
-    <p:sldId id="307" r:id="rId53"/>
-    <p:sldId id="308" r:id="rId54"/>
-    <p:sldId id="309" r:id="rId55"/>
-    <p:sldId id="310" r:id="rId56"/>
-    <p:sldId id="311" r:id="rId57"/>
-    <p:sldId id="312" r:id="rId58"/>
-    <p:sldId id="313" r:id="rId59"/>
-    <p:sldId id="314" r:id="rId60"/>
-    <p:sldId id="315" r:id="rId61"/>
+    <p:sldId id="318" r:id="rId34"/>
+    <p:sldId id="319" r:id="rId35"/>
+    <p:sldId id="288" r:id="rId36"/>
+    <p:sldId id="289" r:id="rId37"/>
+    <p:sldId id="290" r:id="rId38"/>
+    <p:sldId id="291" r:id="rId39"/>
+    <p:sldId id="293" r:id="rId40"/>
+    <p:sldId id="294" r:id="rId41"/>
+    <p:sldId id="295" r:id="rId42"/>
+    <p:sldId id="296" r:id="rId43"/>
+    <p:sldId id="297" r:id="rId44"/>
+    <p:sldId id="298" r:id="rId45"/>
+    <p:sldId id="299" r:id="rId46"/>
+    <p:sldId id="300" r:id="rId47"/>
+    <p:sldId id="301" r:id="rId48"/>
+    <p:sldId id="302" r:id="rId49"/>
+    <p:sldId id="303" r:id="rId50"/>
+    <p:sldId id="304" r:id="rId51"/>
+    <p:sldId id="305" r:id="rId52"/>
+    <p:sldId id="306" r:id="rId53"/>
+    <p:sldId id="307" r:id="rId54"/>
+    <p:sldId id="308" r:id="rId55"/>
+    <p:sldId id="309" r:id="rId56"/>
+    <p:sldId id="310" r:id="rId57"/>
+    <p:sldId id="311" r:id="rId58"/>
+    <p:sldId id="312" r:id="rId59"/>
+    <p:sldId id="313" r:id="rId60"/>
+    <p:sldId id="314" r:id="rId61"/>
+    <p:sldId id="315" r:id="rId62"/>
   </p:sldIdLst>
   <p:sldSz cx="12192000" cy="6858000"/>
   <p:notesSz cx="6858000" cy="9144000"/>
@@ -172,7 +173,7 @@
 </file>
 
 <file path=ppt/slideLayouts/slideLayout1.xml><?xml version="1.0" encoding="utf-8"?>
-<p:sldLayout xmlns:a="http://schemas.openxmlformats.org/drawingml/2006/main" xmlns:r="http://schemas.openxmlformats.org/officeDocument/2006/relationships" xmlns:p="http://schemas.openxmlformats.org/presentationml/2006/main" type="title" preserve="1">
+<p:sldLayout xmlns:a="http://schemas.openxmlformats.org/drawingml/2006/main" xmlns:r="http://schemas.openxmlformats.org/officeDocument/2006/relationships" xmlns:p="http://schemas.openxmlformats.org/presentationml/2006/main" showMasterSp="0" type="title" preserve="1">
   <p:cSld name="Title Slide">
     <p:spTree>
       <p:nvGrpSpPr>
@@ -191,26 +192,22 @@
       <p:sp>
         <p:nvSpPr>
           <p:cNvPr id="7" name="Rectangle 6"/>
-          <p:cNvSpPr>
-            <a:spLocks noChangeAspect="1"/>
-          </p:cNvSpPr>
+          <p:cNvSpPr/>
           <p:nvPr/>
         </p:nvSpPr>
         <p:spPr>
           <a:xfrm>
-            <a:off x="231140" y="243840"/>
-            <a:ext cx="11724640" cy="6377939"/>
+            <a:off x="3175" y="6400800"/>
+            <a:ext cx="12188825" cy="457200"/>
           </a:xfrm>
           <a:prstGeom prst="rect">
             <a:avLst/>
           </a:prstGeom>
           <a:solidFill>
-            <a:schemeClr val="accent1"/>
+            <a:schemeClr val="accent2"/>
           </a:solidFill>
-          <a:ln w="12700">
-            <a:solidFill>
-              <a:srgbClr val="FFFFFF"/>
-            </a:solidFill>
+          <a:ln>
+            <a:noFill/>
           </a:ln>
         </p:spPr>
         <p:style>
@@ -232,18 +229,56 @@
       </p:sp>
       <p:sp>
         <p:nvSpPr>
-          <p:cNvPr id="2" name="Title 1"/>
-          <p:cNvSpPr>
-            <a:spLocks noGrp="1"/>
-          </p:cNvSpPr>
-          <p:nvPr>
-            <p:ph type="ctrTitle"/>
-          </p:nvPr>
+          <p:cNvPr id="8" name="Rectangle 7"/>
+          <p:cNvSpPr/>
+          <p:nvPr/>
         </p:nvSpPr>
         <p:spPr>
           <a:xfrm>
-            <a:off x="1109980" y="882376"/>
-            <a:ext cx="9966960" cy="2926080"/>
+            <a:off x="15" y="6334316"/>
+            <a:ext cx="12188825" cy="64008"/>
+          </a:xfrm>
+          <a:prstGeom prst="rect">
+            <a:avLst/>
+          </a:prstGeom>
+          <a:solidFill>
+            <a:schemeClr val="accent1"/>
+          </a:solidFill>
+          <a:ln>
+            <a:noFill/>
+          </a:ln>
+        </p:spPr>
+        <p:style>
+          <a:lnRef idx="2">
+            <a:schemeClr val="accent1">
+              <a:shade val="50000"/>
+            </a:schemeClr>
+          </a:lnRef>
+          <a:fillRef idx="1">
+            <a:schemeClr val="accent1"/>
+          </a:fillRef>
+          <a:effectRef idx="0">
+            <a:schemeClr val="accent1"/>
+          </a:effectRef>
+          <a:fontRef idx="minor">
+            <a:schemeClr val="lt1"/>
+          </a:fontRef>
+        </p:style>
+      </p:sp>
+      <p:sp>
+        <p:nvSpPr>
+          <p:cNvPr id="2" name="Title 1"/>
+          <p:cNvSpPr>
+            <a:spLocks noGrp="1"/>
+          </p:cNvSpPr>
+          <p:nvPr>
+            <p:ph type="ctrTitle"/>
+          </p:nvPr>
+        </p:nvSpPr>
+        <p:spPr>
+          <a:xfrm>
+            <a:off x="1097280" y="758952"/>
+            <a:ext cx="10058400" cy="3566160"/>
           </a:xfrm>
         </p:spPr>
         <p:txBody>
@@ -251,13 +286,16 @@
             <a:normAutofit/>
           </a:bodyPr>
           <a:lstStyle>
-            <a:lvl1pPr algn="ctr">
+            <a:lvl1pPr algn="l">
               <a:lnSpc>
                 <a:spcPct val="85000"/>
               </a:lnSpc>
-              <a:defRPr sz="7200" b="1" cap="all" baseline="0">
+              <a:defRPr sz="8000" spc="-50" baseline="0">
                 <a:solidFill>
-                  <a:srgbClr val="FFFFFF"/>
+                  <a:schemeClr val="tx1">
+                    <a:lumMod val="85000"/>
+                    <a:lumOff val="15000"/>
+                  </a:schemeClr>
                 </a:solidFill>
               </a:defRPr>
             </a:lvl1pPr>
@@ -283,30 +321,31 @@
         </p:nvSpPr>
         <p:spPr>
           <a:xfrm>
-            <a:off x="1709530" y="3869634"/>
-            <a:ext cx="8767860" cy="1388165"/>
+            <a:off x="1100051" y="4455620"/>
+            <a:ext cx="10058400" cy="1143000"/>
           </a:xfrm>
         </p:spPr>
         <p:txBody>
-          <a:bodyPr>
+          <a:bodyPr lIns="91440" rIns="91440">
             <a:normAutofit/>
           </a:bodyPr>
           <a:lstStyle>
-            <a:lvl1pPr marL="0" indent="0" algn="ctr">
+            <a:lvl1pPr marL="0" indent="0" algn="l">
               <a:buNone/>
-              <a:defRPr sz="2200">
+              <a:defRPr sz="2400" cap="all" spc="200" baseline="0">
                 <a:solidFill>
-                  <a:srgbClr val="FFFFFF"/>
+                  <a:schemeClr val="tx2"/>
                 </a:solidFill>
+                <a:latin typeface="+mj-lt"/>
               </a:defRPr>
             </a:lvl1pPr>
             <a:lvl2pPr marL="457200" indent="0" algn="ctr">
               <a:buNone/>
-              <a:defRPr sz="2200"/>
+              <a:defRPr sz="2400"/>
             </a:lvl2pPr>
             <a:lvl3pPr marL="914400" indent="0" algn="ctr">
               <a:buNone/>
-              <a:defRPr sz="2200"/>
+              <a:defRPr sz="2400"/>
             </a:lvl3pPr>
             <a:lvl4pPr marL="1371600" indent="0" algn="ctr">
               <a:buNone/>
@@ -355,19 +394,11 @@
         <p:spPr/>
         <p:txBody>
           <a:bodyPr/>
-          <a:lstStyle>
-            <a:lvl1pPr>
-              <a:defRPr>
-                <a:solidFill>
-                  <a:srgbClr val="FFFFFF"/>
-                </a:solidFill>
-              </a:defRPr>
-            </a:lvl1pPr>
-          </a:lstStyle>
+          <a:lstStyle/>
           <a:p>
             <a:fld id="{4E6599C8-6CF5-4426-8B05-95D72E154976}" type="datetimeFigureOut">
               <a:rPr lang="en-GB" smtClean="0"/>
-              <a:t>04/08/2016</a:t>
+              <a:t>09/08/2016</a:t>
             </a:fld>
             <a:endParaRPr lang="en-GB"/>
           </a:p>
@@ -386,15 +417,7 @@
         <p:spPr/>
         <p:txBody>
           <a:bodyPr/>
-          <a:lstStyle>
-            <a:lvl1pPr>
-              <a:defRPr>
-                <a:solidFill>
-                  <a:srgbClr val="FFFFFF"/>
-                </a:solidFill>
-              </a:defRPr>
-            </a:lvl1pPr>
-          </a:lstStyle>
+          <a:lstStyle/>
           <a:p>
             <a:endParaRPr lang="en-GB"/>
           </a:p>
@@ -413,15 +436,7 @@
         <p:spPr/>
         <p:txBody>
           <a:bodyPr/>
-          <a:lstStyle>
-            <a:lvl1pPr>
-              <a:defRPr>
-                <a:solidFill>
-                  <a:srgbClr val="FFFFFF"/>
-                </a:solidFill>
-              </a:defRPr>
-            </a:lvl1pPr>
-          </a:lstStyle>
+          <a:lstStyle/>
           <a:p>
             <a:fld id="{0401760A-47BF-48AE-B028-30A9615505B3}" type="slidenum">
               <a:rPr lang="en-GB" smtClean="0"/>
@@ -433,21 +448,24 @@
       </p:sp>
       <p:cxnSp>
         <p:nvCxnSpPr>
-          <p:cNvPr id="8" name="Straight Connector 7"/>
+          <p:cNvPr id="9" name="Straight Connector 8"/>
           <p:cNvCxnSpPr/>
           <p:nvPr/>
         </p:nvCxnSpPr>
         <p:spPr>
           <a:xfrm>
-            <a:off x="1978660" y="3733800"/>
-            <a:ext cx="8229601" cy="0"/>
+            <a:off x="1207658" y="4343400"/>
+            <a:ext cx="9875520" cy="0"/>
           </a:xfrm>
           <a:prstGeom prst="line">
             <a:avLst/>
           </a:prstGeom>
-          <a:ln>
+          <a:ln w="6350">
             <a:solidFill>
-              <a:srgbClr val="FFFFFF"/>
+              <a:schemeClr val="tx1">
+                <a:lumMod val="50000"/>
+                <a:lumOff val="50000"/>
+              </a:schemeClr>
             </a:solidFill>
           </a:ln>
         </p:spPr>
@@ -469,7 +487,7 @@
     </p:spTree>
     <p:extLst>
       <p:ext uri="{BB962C8B-B14F-4D97-AF65-F5344CB8AC3E}">
-        <p14:creationId xmlns:p14="http://schemas.microsoft.com/office/powerpoint/2010/main" val="2328882316"/>
+        <p14:creationId xmlns:p14="http://schemas.microsoft.com/office/powerpoint/2010/main" val="497800561"/>
       </p:ext>
     </p:extLst>
   </p:cSld>
@@ -531,7 +549,7 @@
         </p:nvSpPr>
         <p:spPr/>
         <p:txBody>
-          <a:bodyPr vert="eaVert"/>
+          <a:bodyPr vert="eaVert" lIns="45720" tIns="0" rIns="45720" bIns="0"/>
           <a:lstStyle/>
           <a:p>
             <a:pPr lvl="0"/>
@@ -588,7 +606,7 @@
           <a:p>
             <a:fld id="{4E6599C8-6CF5-4426-8B05-95D72E154976}" type="datetimeFigureOut">
               <a:rPr lang="en-GB" smtClean="0"/>
-              <a:t>04/08/2016</a:t>
+              <a:t>09/08/2016</a:t>
             </a:fld>
             <a:endParaRPr lang="en-GB"/>
           </a:p>
@@ -639,7 +657,7 @@
     </p:spTree>
     <p:extLst>
       <p:ext uri="{BB962C8B-B14F-4D97-AF65-F5344CB8AC3E}">
-        <p14:creationId xmlns:p14="http://schemas.microsoft.com/office/powerpoint/2010/main" val="2716131661"/>
+        <p14:creationId xmlns:p14="http://schemas.microsoft.com/office/powerpoint/2010/main" val="1225773173"/>
       </p:ext>
     </p:extLst>
   </p:cSld>
@@ -650,7 +668,7 @@
 </file>
 
 <file path=ppt/slideLayouts/slideLayout11.xml><?xml version="1.0" encoding="utf-8"?>
-<p:sldLayout xmlns:a="http://schemas.openxmlformats.org/drawingml/2006/main" xmlns:r="http://schemas.openxmlformats.org/officeDocument/2006/relationships" xmlns:p="http://schemas.openxmlformats.org/presentationml/2006/main" type="vertTitleAndTx" preserve="1">
+<p:sldLayout xmlns:a="http://schemas.openxmlformats.org/drawingml/2006/main" xmlns:r="http://schemas.openxmlformats.org/officeDocument/2006/relationships" xmlns:p="http://schemas.openxmlformats.org/presentationml/2006/main" showMasterSp="0" type="vertTitleAndTx" preserve="1">
   <p:cSld name="Vertical Title and Text">
     <p:spTree>
       <p:nvGrpSpPr>
@@ -668,18 +686,94 @@
       </p:grpSpPr>
       <p:sp>
         <p:nvSpPr>
-          <p:cNvPr id="2" name="Vertical Title 1"/>
-          <p:cNvSpPr>
-            <a:spLocks noGrp="1"/>
-          </p:cNvSpPr>
-          <p:nvPr>
-            <p:ph type="title" orient="vert"/>
-          </p:nvPr>
+          <p:cNvPr id="7" name="Rectangle 6"/>
+          <p:cNvSpPr/>
+          <p:nvPr/>
         </p:nvSpPr>
         <p:spPr>
           <a:xfrm>
-            <a:off x="8724900" y="762000"/>
-            <a:ext cx="2324100" cy="5410200"/>
+            <a:off x="3175" y="6400800"/>
+            <a:ext cx="12188825" cy="457200"/>
+          </a:xfrm>
+          <a:prstGeom prst="rect">
+            <a:avLst/>
+          </a:prstGeom>
+          <a:solidFill>
+            <a:schemeClr val="accent2"/>
+          </a:solidFill>
+          <a:ln>
+            <a:noFill/>
+          </a:ln>
+        </p:spPr>
+        <p:style>
+          <a:lnRef idx="2">
+            <a:schemeClr val="accent1">
+              <a:shade val="50000"/>
+            </a:schemeClr>
+          </a:lnRef>
+          <a:fillRef idx="1">
+            <a:schemeClr val="accent1"/>
+          </a:fillRef>
+          <a:effectRef idx="0">
+            <a:schemeClr val="accent1"/>
+          </a:effectRef>
+          <a:fontRef idx="minor">
+            <a:schemeClr val="lt1"/>
+          </a:fontRef>
+        </p:style>
+      </p:sp>
+      <p:sp>
+        <p:nvSpPr>
+          <p:cNvPr id="8" name="Rectangle 7"/>
+          <p:cNvSpPr/>
+          <p:nvPr/>
+        </p:nvSpPr>
+        <p:spPr>
+          <a:xfrm>
+            <a:off x="15" y="6334316"/>
+            <a:ext cx="12188825" cy="64008"/>
+          </a:xfrm>
+          <a:prstGeom prst="rect">
+            <a:avLst/>
+          </a:prstGeom>
+          <a:solidFill>
+            <a:schemeClr val="accent1"/>
+          </a:solidFill>
+          <a:ln>
+            <a:noFill/>
+          </a:ln>
+        </p:spPr>
+        <p:style>
+          <a:lnRef idx="2">
+            <a:schemeClr val="accent1">
+              <a:shade val="50000"/>
+            </a:schemeClr>
+          </a:lnRef>
+          <a:fillRef idx="1">
+            <a:schemeClr val="accent1"/>
+          </a:fillRef>
+          <a:effectRef idx="0">
+            <a:schemeClr val="accent1"/>
+          </a:effectRef>
+          <a:fontRef idx="minor">
+            <a:schemeClr val="lt1"/>
+          </a:fontRef>
+        </p:style>
+      </p:sp>
+      <p:sp>
+        <p:nvSpPr>
+          <p:cNvPr id="2" name="Vertical Title 1"/>
+          <p:cNvSpPr>
+            <a:spLocks noGrp="1"/>
+          </p:cNvSpPr>
+          <p:nvPr>
+            <p:ph type="title" orient="vert"/>
+          </p:nvPr>
+        </p:nvSpPr>
+        <p:spPr>
+          <a:xfrm>
+            <a:off x="8724900" y="414778"/>
+            <a:ext cx="2628900" cy="5757421"/>
           </a:xfrm>
         </p:spPr>
         <p:txBody>
@@ -706,12 +800,12 @@
         </p:nvSpPr>
         <p:spPr>
           <a:xfrm>
-            <a:off x="1143000" y="762000"/>
-            <a:ext cx="7429500" cy="5410200"/>
+            <a:off x="838200" y="414778"/>
+            <a:ext cx="7734300" cy="5757422"/>
           </a:xfrm>
         </p:spPr>
         <p:txBody>
-          <a:bodyPr vert="eaVert"/>
+          <a:bodyPr vert="eaVert" lIns="45720" tIns="0" rIns="45720" bIns="0"/>
           <a:lstStyle/>
           <a:p>
             <a:pPr lvl="0"/>
@@ -768,7 +862,7 @@
           <a:p>
             <a:fld id="{4E6599C8-6CF5-4426-8B05-95D72E154976}" type="datetimeFigureOut">
               <a:rPr lang="en-GB" smtClean="0"/>
-              <a:t>04/08/2016</a:t>
+              <a:t>09/08/2016</a:t>
             </a:fld>
             <a:endParaRPr lang="en-GB"/>
           </a:p>
@@ -819,7 +913,7 @@
     </p:spTree>
     <p:extLst>
       <p:ext uri="{BB962C8B-B14F-4D97-AF65-F5344CB8AC3E}">
-        <p14:creationId xmlns:p14="http://schemas.microsoft.com/office/powerpoint/2010/main" val="1889725550"/>
+        <p14:creationId xmlns:p14="http://schemas.microsoft.com/office/powerpoint/2010/main" val="4159552184"/>
       </p:ext>
     </p:extLst>
   </p:cSld>
@@ -859,7 +953,11 @@
         <p:spPr/>
         <p:txBody>
           <a:bodyPr/>
-          <a:lstStyle/>
+          <a:lstStyle>
+            <a:lvl1pPr marL="0">
+              <a:defRPr/>
+            </a:lvl1pPr>
+          </a:lstStyle>
           <a:p>
             <a:r>
               <a:rPr lang="en-US" smtClean="0"/>
@@ -938,7 +1036,7 @@
           <a:p>
             <a:fld id="{4E6599C8-6CF5-4426-8B05-95D72E154976}" type="datetimeFigureOut">
               <a:rPr lang="en-GB" smtClean="0"/>
-              <a:t>04/08/2016</a:t>
+              <a:t>09/08/2016</a:t>
             </a:fld>
             <a:endParaRPr lang="en-GB"/>
           </a:p>
@@ -989,7 +1087,7 @@
     </p:spTree>
     <p:extLst>
       <p:ext uri="{BB962C8B-B14F-4D97-AF65-F5344CB8AC3E}">
-        <p14:creationId xmlns:p14="http://schemas.microsoft.com/office/powerpoint/2010/main" val="1336261795"/>
+        <p14:creationId xmlns:p14="http://schemas.microsoft.com/office/powerpoint/2010/main" val="1877283171"/>
       </p:ext>
     </p:extLst>
   </p:cSld>
@@ -1000,8 +1098,16 @@
 </file>
 
 <file path=ppt/slideLayouts/slideLayout3.xml><?xml version="1.0" encoding="utf-8"?>
-<p:sldLayout xmlns:a="http://schemas.openxmlformats.org/drawingml/2006/main" xmlns:r="http://schemas.openxmlformats.org/officeDocument/2006/relationships" xmlns:p="http://schemas.openxmlformats.org/presentationml/2006/main" type="secHead" preserve="1">
+<p:sldLayout xmlns:a="http://schemas.openxmlformats.org/drawingml/2006/main" xmlns:r="http://schemas.openxmlformats.org/officeDocument/2006/relationships" xmlns:p="http://schemas.openxmlformats.org/presentationml/2006/main" showMasterSp="0" type="secHead" preserve="1">
   <p:cSld name="Section Header">
+    <p:bg>
+      <p:bgPr>
+        <a:solidFill>
+          <a:schemeClr val="bg1"/>
+        </a:solidFill>
+        <a:effectLst/>
+      </p:bgPr>
+    </p:bg>
     <p:spTree>
       <p:nvGrpSpPr>
         <p:cNvPr id="1" name=""/>
@@ -1018,30 +1124,113 @@
       </p:grpSpPr>
       <p:sp>
         <p:nvSpPr>
-          <p:cNvPr id="2" name="Title 1"/>
-          <p:cNvSpPr>
-            <a:spLocks noGrp="1"/>
-          </p:cNvSpPr>
-          <p:nvPr>
-            <p:ph type="title"/>
-          </p:nvPr>
+          <p:cNvPr id="7" name="Rectangle 6"/>
+          <p:cNvSpPr/>
+          <p:nvPr/>
         </p:nvSpPr>
         <p:spPr>
           <a:xfrm>
-            <a:off x="1106424" y="1173575"/>
-            <a:ext cx="9966960" cy="2926080"/>
+            <a:off x="3175" y="6400800"/>
+            <a:ext cx="12188825" cy="457200"/>
+          </a:xfrm>
+          <a:prstGeom prst="rect">
+            <a:avLst/>
+          </a:prstGeom>
+          <a:solidFill>
+            <a:schemeClr val="accent2"/>
+          </a:solidFill>
+          <a:ln>
+            <a:noFill/>
+          </a:ln>
+        </p:spPr>
+        <p:style>
+          <a:lnRef idx="2">
+            <a:schemeClr val="accent1">
+              <a:shade val="50000"/>
+            </a:schemeClr>
+          </a:lnRef>
+          <a:fillRef idx="1">
+            <a:schemeClr val="accent1"/>
+          </a:fillRef>
+          <a:effectRef idx="0">
+            <a:schemeClr val="accent1"/>
+          </a:effectRef>
+          <a:fontRef idx="minor">
+            <a:schemeClr val="lt1"/>
+          </a:fontRef>
+        </p:style>
+      </p:sp>
+      <p:sp>
+        <p:nvSpPr>
+          <p:cNvPr id="8" name="Rectangle 7"/>
+          <p:cNvSpPr/>
+          <p:nvPr/>
+        </p:nvSpPr>
+        <p:spPr>
+          <a:xfrm>
+            <a:off x="15" y="6334316"/>
+            <a:ext cx="12188825" cy="64008"/>
+          </a:xfrm>
+          <a:prstGeom prst="rect">
+            <a:avLst/>
+          </a:prstGeom>
+          <a:solidFill>
+            <a:schemeClr val="accent1"/>
+          </a:solidFill>
+          <a:ln>
+            <a:noFill/>
+          </a:ln>
+        </p:spPr>
+        <p:style>
+          <a:lnRef idx="2">
+            <a:schemeClr val="accent1">
+              <a:shade val="50000"/>
+            </a:schemeClr>
+          </a:lnRef>
+          <a:fillRef idx="1">
+            <a:schemeClr val="accent1"/>
+          </a:fillRef>
+          <a:effectRef idx="0">
+            <a:schemeClr val="accent1"/>
+          </a:effectRef>
+          <a:fontRef idx="minor">
+            <a:schemeClr val="lt1"/>
+          </a:fontRef>
+        </p:style>
+      </p:sp>
+      <p:sp>
+        <p:nvSpPr>
+          <p:cNvPr id="2" name="Title 1"/>
+          <p:cNvSpPr>
+            <a:spLocks noGrp="1"/>
+          </p:cNvSpPr>
+          <p:nvPr>
+            <p:ph type="title"/>
+          </p:nvPr>
+        </p:nvSpPr>
+        <p:spPr>
+          <a:xfrm>
+            <a:off x="1097280" y="758952"/>
+            <a:ext cx="10058400" cy="3566160"/>
           </a:xfrm>
         </p:spPr>
         <p:txBody>
-          <a:bodyPr anchor="b">
-            <a:noAutofit/>
+          <a:bodyPr anchor="b" anchorCtr="0">
+            <a:normAutofit/>
           </a:bodyPr>
           <a:lstStyle>
-            <a:lvl1pPr algn="ctr">
+            <a:lvl1pPr>
               <a:lnSpc>
                 <a:spcPct val="85000"/>
               </a:lnSpc>
-              <a:defRPr sz="7200" b="0" cap="all" baseline="0"/>
+              <a:defRPr sz="8000" b="0">
+                <a:solidFill>
+                  <a:schemeClr val="tx1">
+                    <a:lumMod val="85000"/>
+                    <a:lumOff val="15000"/>
+                  </a:schemeClr>
+                </a:solidFill>
+              </a:defRPr>
             </a:lvl1pPr>
           </a:lstStyle>
           <a:p>
@@ -1065,21 +1254,22 @@
         </p:nvSpPr>
         <p:spPr>
           <a:xfrm>
-            <a:off x="1709928" y="4154520"/>
-            <a:ext cx="8769096" cy="1363806"/>
+            <a:off x="1097280" y="4453128"/>
+            <a:ext cx="10058400" cy="1143000"/>
           </a:xfrm>
         </p:spPr>
         <p:txBody>
-          <a:bodyPr anchor="t">
+          <a:bodyPr lIns="91440" rIns="91440" anchor="t" anchorCtr="0">
             <a:normAutofit/>
           </a:bodyPr>
           <a:lstStyle>
-            <a:lvl1pPr marL="0" indent="0" algn="ctr">
+            <a:lvl1pPr marL="0" indent="0">
               <a:buNone/>
-              <a:defRPr sz="2200">
+              <a:defRPr sz="2400" cap="all" spc="200" baseline="0">
                 <a:solidFill>
-                  <a:schemeClr val="accent1"/>
+                  <a:schemeClr val="tx2"/>
                 </a:solidFill>
+                <a:latin typeface="+mj-lt"/>
               </a:defRPr>
             </a:lvl1pPr>
             <a:lvl2pPr marL="457200" indent="0">
@@ -1189,7 +1379,7 @@
           <a:p>
             <a:fld id="{4E6599C8-6CF5-4426-8B05-95D72E154976}" type="datetimeFigureOut">
               <a:rPr lang="en-GB" smtClean="0"/>
-              <a:t>04/08/2016</a:t>
+              <a:t>09/08/2016</a:t>
             </a:fld>
             <a:endParaRPr lang="en-GB"/>
           </a:p>
@@ -1239,21 +1429,24 @@
       </p:sp>
       <p:cxnSp>
         <p:nvCxnSpPr>
-          <p:cNvPr id="7" name="Straight Connector 6"/>
+          <p:cNvPr id="9" name="Straight Connector 8"/>
           <p:cNvCxnSpPr/>
           <p:nvPr/>
         </p:nvCxnSpPr>
         <p:spPr>
           <a:xfrm>
-            <a:off x="1981200" y="4020408"/>
-            <a:ext cx="8229601" cy="0"/>
+            <a:off x="1207658" y="4343400"/>
+            <a:ext cx="9875520" cy="0"/>
           </a:xfrm>
           <a:prstGeom prst="line">
             <a:avLst/>
           </a:prstGeom>
-          <a:ln>
+          <a:ln w="6350">
             <a:solidFill>
-              <a:schemeClr val="accent1"/>
+              <a:schemeClr val="tx1">
+                <a:lumMod val="50000"/>
+                <a:lumOff val="50000"/>
+              </a:schemeClr>
             </a:solidFill>
           </a:ln>
         </p:spPr>
@@ -1275,7 +1468,7 @@
     </p:spTree>
     <p:extLst>
       <p:ext uri="{BB962C8B-B14F-4D97-AF65-F5344CB8AC3E}">
-        <p14:creationId xmlns:p14="http://schemas.microsoft.com/office/powerpoint/2010/main" val="175467777"/>
+        <p14:creationId xmlns:p14="http://schemas.microsoft.com/office/powerpoint/2010/main" val="295746085"/>
       </p:ext>
     </p:extLst>
   </p:cSld>
@@ -1312,7 +1505,12 @@
             <p:ph type="title"/>
           </p:nvPr>
         </p:nvSpPr>
-        <p:spPr/>
+        <p:spPr>
+          <a:xfrm>
+            <a:off x="1097280" y="286603"/>
+            <a:ext cx="10058400" cy="1450757"/>
+          </a:xfrm>
+        </p:spPr>
         <p:txBody>
           <a:bodyPr/>
           <a:lstStyle/>
@@ -1337,41 +1535,13 @@
         </p:nvSpPr>
         <p:spPr>
           <a:xfrm>
-            <a:off x="1143000" y="2057399"/>
-            <a:ext cx="4754880" cy="4023360"/>
+            <a:off x="1097279" y="1845734"/>
+            <a:ext cx="4937760" cy="4023360"/>
           </a:xfrm>
         </p:spPr>
         <p:txBody>
           <a:bodyPr/>
-          <a:lstStyle>
-            <a:lvl1pPr>
-              <a:defRPr sz="2200"/>
-            </a:lvl1pPr>
-            <a:lvl2pPr>
-              <a:defRPr sz="2000"/>
-            </a:lvl2pPr>
-            <a:lvl3pPr>
-              <a:defRPr sz="1800"/>
-            </a:lvl3pPr>
-            <a:lvl4pPr>
-              <a:defRPr sz="1600"/>
-            </a:lvl4pPr>
-            <a:lvl5pPr>
-              <a:defRPr sz="1600"/>
-            </a:lvl5pPr>
-            <a:lvl6pPr>
-              <a:defRPr sz="1600"/>
-            </a:lvl6pPr>
-            <a:lvl7pPr>
-              <a:defRPr sz="1600"/>
-            </a:lvl7pPr>
-            <a:lvl8pPr>
-              <a:defRPr sz="1600"/>
-            </a:lvl8pPr>
-            <a:lvl9pPr>
-              <a:defRPr sz="1600"/>
-            </a:lvl9pPr>
-          </a:lstStyle>
+          <a:lstStyle/>
           <a:p>
             <a:pPr lvl="0"/>
             <a:r>
@@ -1422,41 +1592,13 @@
         </p:nvSpPr>
         <p:spPr>
           <a:xfrm>
-            <a:off x="6267612" y="2057400"/>
-            <a:ext cx="4754880" cy="4023360"/>
+            <a:off x="6217920" y="1845735"/>
+            <a:ext cx="4937760" cy="4023360"/>
           </a:xfrm>
         </p:spPr>
         <p:txBody>
           <a:bodyPr/>
-          <a:lstStyle>
-            <a:lvl1pPr>
-              <a:defRPr sz="2200"/>
-            </a:lvl1pPr>
-            <a:lvl2pPr>
-              <a:defRPr sz="2000"/>
-            </a:lvl2pPr>
-            <a:lvl3pPr>
-              <a:defRPr sz="1800"/>
-            </a:lvl3pPr>
-            <a:lvl4pPr>
-              <a:defRPr sz="1600"/>
-            </a:lvl4pPr>
-            <a:lvl5pPr>
-              <a:defRPr sz="1600"/>
-            </a:lvl5pPr>
-            <a:lvl6pPr>
-              <a:defRPr sz="1600"/>
-            </a:lvl6pPr>
-            <a:lvl7pPr>
-              <a:defRPr sz="1600"/>
-            </a:lvl7pPr>
-            <a:lvl8pPr>
-              <a:defRPr sz="1600"/>
-            </a:lvl8pPr>
-            <a:lvl9pPr>
-              <a:defRPr sz="1600"/>
-            </a:lvl9pPr>
-          </a:lstStyle>
+          <a:lstStyle/>
           <a:p>
             <a:pPr lvl="0"/>
             <a:r>
@@ -1512,7 +1654,7 @@
           <a:p>
             <a:fld id="{4E6599C8-6CF5-4426-8B05-95D72E154976}" type="datetimeFigureOut">
               <a:rPr lang="en-GB" smtClean="0"/>
-              <a:t>04/08/2016</a:t>
+              <a:t>09/08/2016</a:t>
             </a:fld>
             <a:endParaRPr lang="en-GB"/>
           </a:p>
@@ -1563,7 +1705,7 @@
     </p:spTree>
     <p:extLst>
       <p:ext uri="{BB962C8B-B14F-4D97-AF65-F5344CB8AC3E}">
-        <p14:creationId xmlns:p14="http://schemas.microsoft.com/office/powerpoint/2010/main" val="262398782"/>
+        <p14:creationId xmlns:p14="http://schemas.microsoft.com/office/powerpoint/2010/main" val="2073937556"/>
       </p:ext>
     </p:extLst>
   </p:cSld>
@@ -1600,7 +1742,12 @@
             <p:ph type="title"/>
           </p:nvPr>
         </p:nvSpPr>
-        <p:spPr/>
+        <p:spPr>
+          <a:xfrm>
+            <a:off x="1097280" y="286603"/>
+            <a:ext cx="10058400" cy="1450757"/>
+          </a:xfrm>
+        </p:spPr>
         <p:txBody>
           <a:bodyPr/>
           <a:lstStyle/>
@@ -1625,19 +1772,22 @@
         </p:nvSpPr>
         <p:spPr>
           <a:xfrm>
-            <a:off x="1143000" y="2001511"/>
-            <a:ext cx="4754880" cy="777240"/>
+            <a:off x="1097280" y="1846052"/>
+            <a:ext cx="4937760" cy="736282"/>
           </a:xfrm>
         </p:spPr>
         <p:txBody>
-          <a:bodyPr anchor="ctr"/>
+          <a:bodyPr lIns="91440" rIns="91440" anchor="ctr">
+            <a:normAutofit/>
+          </a:bodyPr>
           <a:lstStyle>
             <a:lvl1pPr marL="0" indent="0">
-              <a:spcBef>
-                <a:spcPts val="0"/>
-              </a:spcBef>
               <a:buNone/>
-              <a:defRPr sz="2400" b="1"/>
+              <a:defRPr sz="2000" b="0" cap="all" baseline="0">
+                <a:solidFill>
+                  <a:schemeClr val="tx2"/>
+                </a:solidFill>
+              </a:defRPr>
             </a:lvl1pPr>
             <a:lvl2pPr marL="457200" indent="0">
               <a:buNone/>
@@ -1693,41 +1843,13 @@
         </p:nvSpPr>
         <p:spPr>
           <a:xfrm>
-            <a:off x="1143000" y="2721483"/>
-            <a:ext cx="4754880" cy="3383280"/>
+            <a:off x="1097280" y="2582334"/>
+            <a:ext cx="4937760" cy="3378200"/>
           </a:xfrm>
         </p:spPr>
         <p:txBody>
           <a:bodyPr/>
-          <a:lstStyle>
-            <a:lvl1pPr>
-              <a:defRPr sz="2200"/>
-            </a:lvl1pPr>
-            <a:lvl2pPr>
-              <a:defRPr sz="2000"/>
-            </a:lvl2pPr>
-            <a:lvl3pPr>
-              <a:defRPr sz="1800"/>
-            </a:lvl3pPr>
-            <a:lvl4pPr>
-              <a:defRPr sz="1600"/>
-            </a:lvl4pPr>
-            <a:lvl5pPr>
-              <a:defRPr sz="1600"/>
-            </a:lvl5pPr>
-            <a:lvl6pPr>
-              <a:defRPr sz="1600"/>
-            </a:lvl6pPr>
-            <a:lvl7pPr>
-              <a:defRPr sz="1600"/>
-            </a:lvl7pPr>
-            <a:lvl8pPr>
-              <a:defRPr sz="1600"/>
-            </a:lvl8pPr>
-            <a:lvl9pPr>
-              <a:defRPr sz="1600"/>
-            </a:lvl9pPr>
-          </a:lstStyle>
+          <a:lstStyle/>
           <a:p>
             <a:pPr lvl="0"/>
             <a:r>
@@ -1778,19 +1900,22 @@
         </p:nvSpPr>
         <p:spPr>
           <a:xfrm>
-            <a:off x="6269173" y="1999032"/>
-            <a:ext cx="4754880" cy="777240"/>
+            <a:off x="6217920" y="1846052"/>
+            <a:ext cx="4937760" cy="736282"/>
           </a:xfrm>
         </p:spPr>
         <p:txBody>
-          <a:bodyPr anchor="ctr"/>
+          <a:bodyPr lIns="91440" rIns="91440" anchor="ctr">
+            <a:normAutofit/>
+          </a:bodyPr>
           <a:lstStyle>
             <a:lvl1pPr marL="0" indent="0">
-              <a:spcBef>
-                <a:spcPts val="0"/>
-              </a:spcBef>
               <a:buNone/>
-              <a:defRPr sz="2400" b="1"/>
+              <a:defRPr sz="2000" b="0" cap="all" baseline="0">
+                <a:solidFill>
+                  <a:schemeClr val="tx2"/>
+                </a:solidFill>
+              </a:defRPr>
             </a:lvl1pPr>
             <a:lvl2pPr marL="457200" indent="0">
               <a:buNone/>
@@ -1846,41 +1971,13 @@
         </p:nvSpPr>
         <p:spPr>
           <a:xfrm>
-            <a:off x="6269173" y="2719322"/>
-            <a:ext cx="4754880" cy="3383280"/>
+            <a:off x="6217920" y="2582334"/>
+            <a:ext cx="4937760" cy="3378200"/>
           </a:xfrm>
         </p:spPr>
         <p:txBody>
           <a:bodyPr/>
-          <a:lstStyle>
-            <a:lvl1pPr>
-              <a:defRPr sz="2200"/>
-            </a:lvl1pPr>
-            <a:lvl2pPr>
-              <a:defRPr sz="2000"/>
-            </a:lvl2pPr>
-            <a:lvl3pPr>
-              <a:defRPr sz="1800"/>
-            </a:lvl3pPr>
-            <a:lvl4pPr>
-              <a:defRPr sz="1600"/>
-            </a:lvl4pPr>
-            <a:lvl5pPr>
-              <a:defRPr sz="1600"/>
-            </a:lvl5pPr>
-            <a:lvl6pPr>
-              <a:defRPr sz="1600"/>
-            </a:lvl6pPr>
-            <a:lvl7pPr>
-              <a:defRPr sz="1600"/>
-            </a:lvl7pPr>
-            <a:lvl8pPr>
-              <a:defRPr sz="1600"/>
-            </a:lvl8pPr>
-            <a:lvl9pPr>
-              <a:defRPr sz="1600"/>
-            </a:lvl9pPr>
-          </a:lstStyle>
+          <a:lstStyle/>
           <a:p>
             <a:pPr lvl="0"/>
             <a:r>
@@ -1936,7 +2033,7 @@
           <a:p>
             <a:fld id="{4E6599C8-6CF5-4426-8B05-95D72E154976}" type="datetimeFigureOut">
               <a:rPr lang="en-GB" smtClean="0"/>
-              <a:t>04/08/2016</a:t>
+              <a:t>09/08/2016</a:t>
             </a:fld>
             <a:endParaRPr lang="en-GB"/>
           </a:p>
@@ -1987,7 +2084,7 @@
     </p:spTree>
     <p:extLst>
       <p:ext uri="{BB962C8B-B14F-4D97-AF65-F5344CB8AC3E}">
-        <p14:creationId xmlns:p14="http://schemas.microsoft.com/office/powerpoint/2010/main" val="762432687"/>
+        <p14:creationId xmlns:p14="http://schemas.microsoft.com/office/powerpoint/2010/main" val="2947253373"/>
       </p:ext>
     </p:extLst>
   </p:cSld>
@@ -2054,7 +2151,7 @@
           <a:p>
             <a:fld id="{4E6599C8-6CF5-4426-8B05-95D72E154976}" type="datetimeFigureOut">
               <a:rPr lang="en-GB" smtClean="0"/>
-              <a:t>04/08/2016</a:t>
+              <a:t>09/08/2016</a:t>
             </a:fld>
             <a:endParaRPr lang="en-GB"/>
           </a:p>
@@ -2105,7 +2202,7 @@
     </p:spTree>
     <p:extLst>
       <p:ext uri="{BB962C8B-B14F-4D97-AF65-F5344CB8AC3E}">
-        <p14:creationId xmlns:p14="http://schemas.microsoft.com/office/powerpoint/2010/main" val="2566014011"/>
+        <p14:creationId xmlns:p14="http://schemas.microsoft.com/office/powerpoint/2010/main" val="3872377578"/>
       </p:ext>
     </p:extLst>
   </p:cSld>
@@ -2116,7 +2213,7 @@
 </file>
 
 <file path=ppt/slideLayouts/slideLayout7.xml><?xml version="1.0" encoding="utf-8"?>
-<p:sldLayout xmlns:a="http://schemas.openxmlformats.org/drawingml/2006/main" xmlns:r="http://schemas.openxmlformats.org/officeDocument/2006/relationships" xmlns:p="http://schemas.openxmlformats.org/presentationml/2006/main" type="blank" preserve="1">
+<p:sldLayout xmlns:a="http://schemas.openxmlformats.org/drawingml/2006/main" xmlns:r="http://schemas.openxmlformats.org/officeDocument/2006/relationships" xmlns:p="http://schemas.openxmlformats.org/presentationml/2006/main" showMasterSp="0" type="blank" preserve="1">
   <p:cSld name="Blank">
     <p:spTree>
       <p:nvGrpSpPr>
@@ -2134,7 +2231,83 @@
       </p:grpSpPr>
       <p:sp>
         <p:nvSpPr>
-          <p:cNvPr id="2" name="Date Placeholder 1"/>
+          <p:cNvPr id="5" name="Rectangle 4"/>
+          <p:cNvSpPr/>
+          <p:nvPr/>
+        </p:nvSpPr>
+        <p:spPr>
+          <a:xfrm>
+            <a:off x="3175" y="6400800"/>
+            <a:ext cx="12188825" cy="457200"/>
+          </a:xfrm>
+          <a:prstGeom prst="rect">
+            <a:avLst/>
+          </a:prstGeom>
+          <a:solidFill>
+            <a:schemeClr val="accent2"/>
+          </a:solidFill>
+          <a:ln>
+            <a:noFill/>
+          </a:ln>
+        </p:spPr>
+        <p:style>
+          <a:lnRef idx="2">
+            <a:schemeClr val="accent1">
+              <a:shade val="50000"/>
+            </a:schemeClr>
+          </a:lnRef>
+          <a:fillRef idx="1">
+            <a:schemeClr val="accent1"/>
+          </a:fillRef>
+          <a:effectRef idx="0">
+            <a:schemeClr val="accent1"/>
+          </a:effectRef>
+          <a:fontRef idx="minor">
+            <a:schemeClr val="lt1"/>
+          </a:fontRef>
+        </p:style>
+      </p:sp>
+      <p:sp>
+        <p:nvSpPr>
+          <p:cNvPr id="6" name="Rectangle 5"/>
+          <p:cNvSpPr/>
+          <p:nvPr/>
+        </p:nvSpPr>
+        <p:spPr>
+          <a:xfrm>
+            <a:off x="15" y="6334316"/>
+            <a:ext cx="12188825" cy="64008"/>
+          </a:xfrm>
+          <a:prstGeom prst="rect">
+            <a:avLst/>
+          </a:prstGeom>
+          <a:solidFill>
+            <a:schemeClr val="accent1"/>
+          </a:solidFill>
+          <a:ln>
+            <a:noFill/>
+          </a:ln>
+        </p:spPr>
+        <p:style>
+          <a:lnRef idx="2">
+            <a:schemeClr val="accent1">
+              <a:shade val="50000"/>
+            </a:schemeClr>
+          </a:lnRef>
+          <a:fillRef idx="1">
+            <a:schemeClr val="accent1"/>
+          </a:fillRef>
+          <a:effectRef idx="0">
+            <a:schemeClr val="accent1"/>
+          </a:effectRef>
+          <a:fontRef idx="minor">
+            <a:schemeClr val="lt1"/>
+          </a:fontRef>
+        </p:style>
+      </p:sp>
+      <p:sp>
+        <p:nvSpPr>
+          <p:cNvPr id="7" name="Date Placeholder 6"/>
           <p:cNvSpPr>
             <a:spLocks noGrp="1"/>
           </p:cNvSpPr>
@@ -2149,7 +2322,7 @@
           <a:p>
             <a:fld id="{4E6599C8-6CF5-4426-8B05-95D72E154976}" type="datetimeFigureOut">
               <a:rPr lang="en-GB" smtClean="0"/>
-              <a:t>04/08/2016</a:t>
+              <a:t>09/08/2016</a:t>
             </a:fld>
             <a:endParaRPr lang="en-GB"/>
           </a:p>
@@ -2157,7 +2330,7 @@
       </p:sp>
       <p:sp>
         <p:nvSpPr>
-          <p:cNvPr id="3" name="Footer Placeholder 2"/>
+          <p:cNvPr id="8" name="Footer Placeholder 7"/>
           <p:cNvSpPr>
             <a:spLocks noGrp="1"/>
           </p:cNvSpPr>
@@ -2168,7 +2341,15 @@
         <p:spPr/>
         <p:txBody>
           <a:bodyPr/>
-          <a:lstStyle/>
+          <a:lstStyle>
+            <a:lvl1pPr>
+              <a:defRPr>
+                <a:solidFill>
+                  <a:srgbClr val="FFFFFF"/>
+                </a:solidFill>
+              </a:defRPr>
+            </a:lvl1pPr>
+          </a:lstStyle>
           <a:p>
             <a:endParaRPr lang="en-GB"/>
           </a:p>
@@ -2176,7 +2357,7 @@
       </p:sp>
       <p:sp>
         <p:nvSpPr>
-          <p:cNvPr id="4" name="Slide Number Placeholder 3"/>
+          <p:cNvPr id="9" name="Slide Number Placeholder 8"/>
           <p:cNvSpPr>
             <a:spLocks noGrp="1"/>
           </p:cNvSpPr>
@@ -2200,7 +2381,7 @@
     </p:spTree>
     <p:extLst>
       <p:ext uri="{BB962C8B-B14F-4D97-AF65-F5344CB8AC3E}">
-        <p14:creationId xmlns:p14="http://schemas.microsoft.com/office/powerpoint/2010/main" val="3230094634"/>
+        <p14:creationId xmlns:p14="http://schemas.microsoft.com/office/powerpoint/2010/main" val="4158531713"/>
       </p:ext>
     </p:extLst>
   </p:cSld>
@@ -2211,7 +2392,7 @@
 </file>
 
 <file path=ppt/slideLayouts/slideLayout8.xml><?xml version="1.0" encoding="utf-8"?>
-<p:sldLayout xmlns:a="http://schemas.openxmlformats.org/drawingml/2006/main" xmlns:r="http://schemas.openxmlformats.org/officeDocument/2006/relationships" xmlns:p="http://schemas.openxmlformats.org/presentationml/2006/main" type="objTx" preserve="1">
+<p:sldLayout xmlns:a="http://schemas.openxmlformats.org/drawingml/2006/main" xmlns:r="http://schemas.openxmlformats.org/officeDocument/2006/relationships" xmlns:p="http://schemas.openxmlformats.org/presentationml/2006/main" showMasterSp="0" type="objTx" preserve="1">
   <p:cSld name="Content with Caption">
     <p:spTree>
       <p:nvGrpSpPr>
@@ -2229,30 +2410,107 @@
       </p:grpSpPr>
       <p:sp>
         <p:nvSpPr>
-          <p:cNvPr id="2" name="Title 1"/>
-          <p:cNvSpPr>
-            <a:spLocks noGrp="1"/>
-          </p:cNvSpPr>
-          <p:nvPr>
-            <p:ph type="title"/>
-          </p:nvPr>
+          <p:cNvPr id="8" name="Rectangle 7"/>
+          <p:cNvSpPr/>
+          <p:nvPr/>
         </p:nvSpPr>
         <p:spPr>
           <a:xfrm>
-            <a:off x="1143000" y="1097280"/>
-            <a:ext cx="3931920" cy="1737360"/>
+            <a:off x="16" y="0"/>
+            <a:ext cx="4050791" cy="6858000"/>
+          </a:xfrm>
+          <a:prstGeom prst="rect">
+            <a:avLst/>
+          </a:prstGeom>
+          <a:solidFill>
+            <a:schemeClr val="accent2"/>
+          </a:solidFill>
+          <a:ln>
+            <a:noFill/>
+          </a:ln>
+        </p:spPr>
+        <p:style>
+          <a:lnRef idx="2">
+            <a:schemeClr val="accent1">
+              <a:shade val="50000"/>
+            </a:schemeClr>
+          </a:lnRef>
+          <a:fillRef idx="1">
+            <a:schemeClr val="accent1"/>
+          </a:fillRef>
+          <a:effectRef idx="0">
+            <a:schemeClr val="accent1"/>
+          </a:effectRef>
+          <a:fontRef idx="minor">
+            <a:schemeClr val="lt1"/>
+          </a:fontRef>
+        </p:style>
+      </p:sp>
+      <p:sp>
+        <p:nvSpPr>
+          <p:cNvPr id="9" name="Rectangle 8"/>
+          <p:cNvSpPr/>
+          <p:nvPr/>
+        </p:nvSpPr>
+        <p:spPr>
+          <a:xfrm>
+            <a:off x="4040071" y="0"/>
+            <a:ext cx="64008" cy="6858000"/>
+          </a:xfrm>
+          <a:prstGeom prst="rect">
+            <a:avLst/>
+          </a:prstGeom>
+          <a:solidFill>
+            <a:schemeClr val="accent1"/>
+          </a:solidFill>
+          <a:ln>
+            <a:noFill/>
+          </a:ln>
+        </p:spPr>
+        <p:style>
+          <a:lnRef idx="2">
+            <a:schemeClr val="accent1">
+              <a:shade val="50000"/>
+            </a:schemeClr>
+          </a:lnRef>
+          <a:fillRef idx="1">
+            <a:schemeClr val="accent1"/>
+          </a:fillRef>
+          <a:effectRef idx="0">
+            <a:schemeClr val="accent1"/>
+          </a:effectRef>
+          <a:fontRef idx="minor">
+            <a:schemeClr val="lt1"/>
+          </a:fontRef>
+        </p:style>
+      </p:sp>
+      <p:sp>
+        <p:nvSpPr>
+          <p:cNvPr id="2" name="Title 1"/>
+          <p:cNvSpPr>
+            <a:spLocks noGrp="1"/>
+          </p:cNvSpPr>
+          <p:nvPr>
+            <p:ph type="title"/>
+          </p:nvPr>
+        </p:nvSpPr>
+        <p:spPr>
+          <a:xfrm>
+            <a:off x="457200" y="594359"/>
+            <a:ext cx="3200400" cy="2286000"/>
           </a:xfrm>
         </p:spPr>
         <p:txBody>
           <a:bodyPr anchor="b">
-            <a:noAutofit/>
+            <a:normAutofit/>
           </a:bodyPr>
           <a:lstStyle>
             <a:lvl1pPr>
-              <a:lnSpc>
-                <a:spcPct val="90000"/>
-              </a:lnSpc>
-              <a:defRPr sz="4000" b="0"/>
+              <a:defRPr sz="3600" b="0">
+                <a:solidFill>
+                  <a:srgbClr val="FFFFFF"/>
+                </a:solidFill>
+              </a:defRPr>
             </a:lvl1pPr>
           </a:lstStyle>
           <a:p>
@@ -2276,41 +2534,13 @@
         </p:nvSpPr>
         <p:spPr>
           <a:xfrm>
-            <a:off x="5852159" y="1097280"/>
-            <a:ext cx="5212080" cy="4663440"/>
+            <a:off x="4800600" y="731520"/>
+            <a:ext cx="6492240" cy="5257800"/>
           </a:xfrm>
         </p:spPr>
         <p:txBody>
           <a:bodyPr/>
-          <a:lstStyle>
-            <a:lvl1pPr>
-              <a:defRPr sz="3200"/>
-            </a:lvl1pPr>
-            <a:lvl2pPr>
-              <a:defRPr sz="2800"/>
-            </a:lvl2pPr>
-            <a:lvl3pPr>
-              <a:defRPr sz="2400"/>
-            </a:lvl3pPr>
-            <a:lvl4pPr>
-              <a:defRPr sz="2000"/>
-            </a:lvl4pPr>
-            <a:lvl5pPr>
-              <a:defRPr sz="2000"/>
-            </a:lvl5pPr>
-            <a:lvl6pPr>
-              <a:defRPr sz="2000"/>
-            </a:lvl6pPr>
-            <a:lvl7pPr>
-              <a:defRPr sz="2000"/>
-            </a:lvl7pPr>
-            <a:lvl8pPr>
-              <a:defRPr sz="2000"/>
-            </a:lvl8pPr>
-            <a:lvl9pPr>
-              <a:defRPr sz="2000"/>
-            </a:lvl9pPr>
-          </a:lstStyle>
+          <a:lstStyle/>
           <a:p>
             <a:pPr lvl="0"/>
             <a:r>
@@ -2361,24 +2591,22 @@
         </p:nvSpPr>
         <p:spPr>
           <a:xfrm>
-            <a:off x="1143000" y="2834640"/>
-            <a:ext cx="3931920" cy="3017520"/>
+            <a:off x="457200" y="2926080"/>
+            <a:ext cx="3200400" cy="3379124"/>
           </a:xfrm>
         </p:spPr>
         <p:txBody>
-          <a:bodyPr>
+          <a:bodyPr lIns="91440" rIns="91440">
             <a:normAutofit/>
           </a:bodyPr>
           <a:lstStyle>
             <a:lvl1pPr marL="0" indent="0">
-              <a:lnSpc>
-                <a:spcPct val="100000"/>
-              </a:lnSpc>
-              <a:spcBef>
-                <a:spcPts val="1000"/>
-              </a:spcBef>
               <a:buNone/>
-              <a:defRPr sz="1700"/>
+              <a:defRPr sz="1500">
+                <a:solidFill>
+                  <a:srgbClr val="FFFFFF"/>
+                </a:solidFill>
+              </a:defRPr>
             </a:lvl1pPr>
             <a:lvl2pPr marL="457200" indent="0">
               <a:buNone/>
@@ -2432,14 +2660,23 @@
             <p:ph type="dt" sz="half" idx="10"/>
           </p:nvPr>
         </p:nvSpPr>
-        <p:spPr/>
-        <p:txBody>
-          <a:bodyPr/>
-          <a:lstStyle/>
+        <p:spPr>
+          <a:xfrm>
+            <a:off x="465512" y="6459785"/>
+            <a:ext cx="2618510" cy="365125"/>
+          </a:xfrm>
+        </p:spPr>
+        <p:txBody>
+          <a:bodyPr/>
+          <a:lstStyle>
+            <a:lvl1pPr algn="l">
+              <a:defRPr/>
+            </a:lvl1pPr>
+          </a:lstStyle>
           <a:p>
             <a:fld id="{4E6599C8-6CF5-4426-8B05-95D72E154976}" type="datetimeFigureOut">
               <a:rPr lang="en-GB" smtClean="0"/>
-              <a:t>04/08/2016</a:t>
+              <a:t>09/08/2016</a:t>
             </a:fld>
             <a:endParaRPr lang="en-GB"/>
           </a:p>
@@ -2455,29 +2692,50 @@
             <p:ph type="ftr" sz="quarter" idx="11"/>
           </p:nvPr>
         </p:nvSpPr>
+        <p:spPr>
+          <a:xfrm>
+            <a:off x="4800600" y="6459785"/>
+            <a:ext cx="4648200" cy="365125"/>
+          </a:xfrm>
+        </p:spPr>
+        <p:txBody>
+          <a:bodyPr/>
+          <a:lstStyle>
+            <a:lvl1pPr algn="l">
+              <a:defRPr>
+                <a:solidFill>
+                  <a:schemeClr val="tx2"/>
+                </a:solidFill>
+              </a:defRPr>
+            </a:lvl1pPr>
+          </a:lstStyle>
+          <a:p>
+            <a:endParaRPr lang="en-GB"/>
+          </a:p>
+        </p:txBody>
+      </p:sp>
+      <p:sp>
+        <p:nvSpPr>
+          <p:cNvPr id="7" name="Slide Number Placeholder 6"/>
+          <p:cNvSpPr>
+            <a:spLocks noGrp="1"/>
+          </p:cNvSpPr>
+          <p:nvPr>
+            <p:ph type="sldNum" sz="quarter" idx="12"/>
+          </p:nvPr>
+        </p:nvSpPr>
         <p:spPr/>
         <p:txBody>
           <a:bodyPr/>
-          <a:lstStyle/>
-          <a:p>
-            <a:endParaRPr lang="en-GB"/>
-          </a:p>
-        </p:txBody>
-      </p:sp>
-      <p:sp>
-        <p:nvSpPr>
-          <p:cNvPr id="7" name="Slide Number Placeholder 6"/>
-          <p:cNvSpPr>
-            <a:spLocks noGrp="1"/>
-          </p:cNvSpPr>
-          <p:nvPr>
-            <p:ph type="sldNum" sz="quarter" idx="12"/>
-          </p:nvPr>
-        </p:nvSpPr>
-        <p:spPr/>
-        <p:txBody>
-          <a:bodyPr/>
-          <a:lstStyle/>
+          <a:lstStyle>
+            <a:lvl1pPr>
+              <a:defRPr>
+                <a:solidFill>
+                  <a:schemeClr val="tx2"/>
+                </a:solidFill>
+              </a:defRPr>
+            </a:lvl1pPr>
+          </a:lstStyle>
           <a:p>
             <a:fld id="{0401760A-47BF-48AE-B028-30A9615505B3}" type="slidenum">
               <a:rPr lang="en-GB" smtClean="0"/>
@@ -2490,7 +2748,7 @@
     </p:spTree>
     <p:extLst>
       <p:ext uri="{BB962C8B-B14F-4D97-AF65-F5344CB8AC3E}">
-        <p14:creationId xmlns:p14="http://schemas.microsoft.com/office/powerpoint/2010/main" val="447982502"/>
+        <p14:creationId xmlns:p14="http://schemas.microsoft.com/office/powerpoint/2010/main" val="2795196528"/>
       </p:ext>
     </p:extLst>
   </p:cSld>
@@ -2501,7 +2759,7 @@
 </file>
 
 <file path=ppt/slideLayouts/slideLayout9.xml><?xml version="1.0" encoding="utf-8"?>
-<p:sldLayout xmlns:a="http://schemas.openxmlformats.org/drawingml/2006/main" xmlns:r="http://schemas.openxmlformats.org/officeDocument/2006/relationships" xmlns:p="http://schemas.openxmlformats.org/presentationml/2006/main" type="picTx" preserve="1">
+<p:sldLayout xmlns:a="http://schemas.openxmlformats.org/drawingml/2006/main" xmlns:r="http://schemas.openxmlformats.org/officeDocument/2006/relationships" xmlns:p="http://schemas.openxmlformats.org/presentationml/2006/main" showMasterSp="0" type="picTx" preserve="1">
   <p:cSld name="Picture with Caption">
     <p:spTree>
       <p:nvGrpSpPr>
@@ -2519,30 +2777,107 @@
       </p:grpSpPr>
       <p:sp>
         <p:nvSpPr>
-          <p:cNvPr id="2" name="Title 1"/>
-          <p:cNvSpPr>
-            <a:spLocks noGrp="1"/>
-          </p:cNvSpPr>
-          <p:nvPr>
-            <p:ph type="title"/>
-          </p:nvPr>
+          <p:cNvPr id="8" name="Rectangle 7"/>
+          <p:cNvSpPr/>
+          <p:nvPr/>
         </p:nvSpPr>
         <p:spPr>
           <a:xfrm>
-            <a:off x="1143000" y="1097280"/>
-            <a:ext cx="3931920" cy="1737360"/>
+            <a:off x="0" y="4953000"/>
+            <a:ext cx="12188825" cy="1905000"/>
+          </a:xfrm>
+          <a:prstGeom prst="rect">
+            <a:avLst/>
+          </a:prstGeom>
+          <a:solidFill>
+            <a:schemeClr val="accent2"/>
+          </a:solidFill>
+          <a:ln>
+            <a:noFill/>
+          </a:ln>
+        </p:spPr>
+        <p:style>
+          <a:lnRef idx="2">
+            <a:schemeClr val="accent1">
+              <a:shade val="50000"/>
+            </a:schemeClr>
+          </a:lnRef>
+          <a:fillRef idx="1">
+            <a:schemeClr val="accent1"/>
+          </a:fillRef>
+          <a:effectRef idx="0">
+            <a:schemeClr val="accent1"/>
+          </a:effectRef>
+          <a:fontRef idx="minor">
+            <a:schemeClr val="lt1"/>
+          </a:fontRef>
+        </p:style>
+      </p:sp>
+      <p:sp>
+        <p:nvSpPr>
+          <p:cNvPr id="9" name="Rectangle 8"/>
+          <p:cNvSpPr/>
+          <p:nvPr/>
+        </p:nvSpPr>
+        <p:spPr>
+          <a:xfrm>
+            <a:off x="15" y="4915076"/>
+            <a:ext cx="12188825" cy="64008"/>
+          </a:xfrm>
+          <a:prstGeom prst="rect">
+            <a:avLst/>
+          </a:prstGeom>
+          <a:solidFill>
+            <a:schemeClr val="accent1"/>
+          </a:solidFill>
+          <a:ln>
+            <a:noFill/>
+          </a:ln>
+        </p:spPr>
+        <p:style>
+          <a:lnRef idx="2">
+            <a:schemeClr val="accent1">
+              <a:shade val="50000"/>
+            </a:schemeClr>
+          </a:lnRef>
+          <a:fillRef idx="1">
+            <a:schemeClr val="accent1"/>
+          </a:fillRef>
+          <a:effectRef idx="0">
+            <a:schemeClr val="accent1"/>
+          </a:effectRef>
+          <a:fontRef idx="minor">
+            <a:schemeClr val="lt1"/>
+          </a:fontRef>
+        </p:style>
+      </p:sp>
+      <p:sp>
+        <p:nvSpPr>
+          <p:cNvPr id="2" name="Title 1"/>
+          <p:cNvSpPr>
+            <a:spLocks noGrp="1"/>
+          </p:cNvSpPr>
+          <p:nvPr>
+            <p:ph type="title"/>
+          </p:nvPr>
+        </p:nvSpPr>
+        <p:spPr>
+          <a:xfrm>
+            <a:off x="1097280" y="5074920"/>
+            <a:ext cx="10113264" cy="822960"/>
           </a:xfrm>
         </p:spPr>
         <p:txBody>
-          <a:bodyPr anchor="b">
+          <a:bodyPr lIns="91440" tIns="0" rIns="91440" bIns="0" anchor="b">
             <a:noAutofit/>
           </a:bodyPr>
           <a:lstStyle>
             <a:lvl1pPr>
-              <a:lnSpc>
-                <a:spcPct val="90000"/>
-              </a:lnSpc>
-              <a:defRPr sz="4000" b="0"/>
+              <a:defRPr sz="3600" b="0">
+                <a:solidFill>
+                  <a:srgbClr val="FFFFFF"/>
+                </a:solidFill>
+              </a:defRPr>
             </a:lvl1pPr>
           </a:lstStyle>
           <a:p>
@@ -2566,18 +2901,26 @@
         </p:nvSpPr>
         <p:spPr>
           <a:xfrm>
-            <a:off x="5413248" y="1069847"/>
-            <a:ext cx="6099048" cy="4800600"/>
+            <a:off x="15" y="0"/>
+            <a:ext cx="12191985" cy="4915076"/>
           </a:xfrm>
+          <a:blipFill>
+            <a:blip r:embed="rId2"/>
+            <a:stretch>
+              <a:fillRect/>
+            </a:stretch>
+          </a:blipFill>
         </p:spPr>
         <p:txBody>
-          <a:bodyPr lIns="274320" tIns="182880" anchor="t">
-            <a:normAutofit/>
-          </a:bodyPr>
+          <a:bodyPr lIns="457200" tIns="457200" anchor="t"/>
           <a:lstStyle>
             <a:lvl1pPr marL="0" indent="0">
               <a:buNone/>
-              <a:defRPr sz="2800"/>
+              <a:defRPr sz="3200">
+                <a:solidFill>
+                  <a:schemeClr val="bg1"/>
+                </a:solidFill>
+              </a:defRPr>
             </a:lvl1pPr>
             <a:lvl2pPr marL="457200" indent="0">
               <a:buNone/>
@@ -2633,24 +2976,28 @@
         </p:nvSpPr>
         <p:spPr>
           <a:xfrm>
-            <a:off x="1143000" y="2834640"/>
-            <a:ext cx="3931920" cy="2880360"/>
+            <a:off x="1097280" y="5907023"/>
+            <a:ext cx="10113264" cy="594360"/>
           </a:xfrm>
         </p:spPr>
         <p:txBody>
-          <a:bodyPr>
+          <a:bodyPr lIns="91440" tIns="0" rIns="91440" bIns="0">
             <a:normAutofit/>
           </a:bodyPr>
           <a:lstStyle>
             <a:lvl1pPr marL="0" indent="0">
-              <a:lnSpc>
-                <a:spcPct val="100000"/>
-              </a:lnSpc>
               <a:spcBef>
-                <a:spcPts val="1000"/>
+                <a:spcPts val="0"/>
               </a:spcBef>
+              <a:spcAft>
+                <a:spcPts val="600"/>
+              </a:spcAft>
               <a:buNone/>
-              <a:defRPr sz="1700"/>
+              <a:defRPr sz="1500">
+                <a:solidFill>
+                  <a:srgbClr val="FFFFFF"/>
+                </a:solidFill>
+              </a:defRPr>
             </a:lvl1pPr>
             <a:lvl2pPr marL="457200" indent="0">
               <a:buNone/>
@@ -2711,7 +3058,7 @@
           <a:p>
             <a:fld id="{4E6599C8-6CF5-4426-8B05-95D72E154976}" type="datetimeFigureOut">
               <a:rPr lang="en-GB" smtClean="0"/>
-              <a:t>04/08/2016</a:t>
+              <a:t>09/08/2016</a:t>
             </a:fld>
             <a:endParaRPr lang="en-GB"/>
           </a:p>
@@ -2762,7 +3109,7 @@
     </p:spTree>
     <p:extLst>
       <p:ext uri="{BB962C8B-B14F-4D97-AF65-F5344CB8AC3E}">
-        <p14:creationId xmlns:p14="http://schemas.microsoft.com/office/powerpoint/2010/main" val="50224991"/>
+        <p14:creationId xmlns:p14="http://schemas.microsoft.com/office/powerpoint/2010/main" val="953431731"/>
       </p:ext>
     </p:extLst>
   </p:cSld>
@@ -2776,12 +3123,9 @@
 <p:sldMaster xmlns:a="http://schemas.openxmlformats.org/drawingml/2006/main" xmlns:r="http://schemas.openxmlformats.org/officeDocument/2006/relationships" xmlns:p="http://schemas.openxmlformats.org/presentationml/2006/main">
   <p:cSld>
     <p:bg>
-      <p:bgPr>
-        <a:solidFill>
-          <a:schemeClr val="accent1"/>
-        </a:solidFill>
-        <a:effectLst/>
-      </p:bgPr>
+      <p:bgRef idx="1001">
+        <a:schemeClr val="bg1"/>
+      </p:bgRef>
     </p:bg>
     <p:spTree>
       <p:nvGrpSpPr>
@@ -2800,23 +3144,21 @@
       <p:sp>
         <p:nvSpPr>
           <p:cNvPr id="7" name="Rectangle 6"/>
-          <p:cNvSpPr>
-            <a:spLocks noChangeAspect="1"/>
-          </p:cNvSpPr>
+          <p:cNvSpPr/>
           <p:nvPr/>
         </p:nvSpPr>
         <p:spPr>
           <a:xfrm>
-            <a:off x="231140" y="243840"/>
-            <a:ext cx="11724640" cy="6377939"/>
+            <a:off x="1" y="6400800"/>
+            <a:ext cx="12192000" cy="457200"/>
           </a:xfrm>
           <a:prstGeom prst="rect">
             <a:avLst/>
           </a:prstGeom>
           <a:solidFill>
-            <a:schemeClr val="bg1"/>
+            <a:schemeClr val="accent2"/>
           </a:solidFill>
-          <a:ln w="12700">
+          <a:ln>
             <a:noFill/>
           </a:ln>
         </p:spPr>
@@ -2839,25 +3181,63 @@
       </p:sp>
       <p:sp>
         <p:nvSpPr>
-          <p:cNvPr id="2" name="Title Placeholder 1"/>
-          <p:cNvSpPr>
-            <a:spLocks noGrp="1"/>
-          </p:cNvSpPr>
-          <p:nvPr>
-            <p:ph type="title"/>
-          </p:nvPr>
+          <p:cNvPr id="9" name="Rectangle 8"/>
+          <p:cNvSpPr/>
+          <p:nvPr/>
         </p:nvSpPr>
         <p:spPr>
           <a:xfrm>
-            <a:off x="1143000" y="609600"/>
-            <a:ext cx="9875520" cy="1356360"/>
+            <a:off x="0" y="6334316"/>
+            <a:ext cx="12192001" cy="65998"/>
+          </a:xfrm>
+          <a:prstGeom prst="rect">
+            <a:avLst/>
+          </a:prstGeom>
+          <a:solidFill>
+            <a:schemeClr val="accent1"/>
+          </a:solidFill>
+          <a:ln>
+            <a:noFill/>
+          </a:ln>
+        </p:spPr>
+        <p:style>
+          <a:lnRef idx="2">
+            <a:schemeClr val="accent1">
+              <a:shade val="50000"/>
+            </a:schemeClr>
+          </a:lnRef>
+          <a:fillRef idx="1">
+            <a:schemeClr val="accent1"/>
+          </a:fillRef>
+          <a:effectRef idx="0">
+            <a:schemeClr val="accent1"/>
+          </a:effectRef>
+          <a:fontRef idx="minor">
+            <a:schemeClr val="lt1"/>
+          </a:fontRef>
+        </p:style>
+      </p:sp>
+      <p:sp>
+        <p:nvSpPr>
+          <p:cNvPr id="2" name="Title Placeholder 1"/>
+          <p:cNvSpPr>
+            <a:spLocks noGrp="1"/>
+          </p:cNvSpPr>
+          <p:nvPr>
+            <p:ph type="title"/>
+          </p:nvPr>
+        </p:nvSpPr>
+        <p:spPr>
+          <a:xfrm>
+            <a:off x="1097280" y="286603"/>
+            <a:ext cx="10058400" cy="1450757"/>
           </a:xfrm>
           <a:prstGeom prst="rect">
             <a:avLst/>
           </a:prstGeom>
         </p:spPr>
         <p:txBody>
-          <a:bodyPr vert="horz" lIns="91440" tIns="45720" rIns="91440" bIns="45720" rtlCol="0" anchor="ctr">
+          <a:bodyPr vert="horz" lIns="91440" tIns="45720" rIns="91440" bIns="45720" rtlCol="0" anchor="b">
             <a:normAutofit/>
           </a:bodyPr>
           <a:lstStyle/>
@@ -2882,15 +3262,15 @@
         </p:nvSpPr>
         <p:spPr>
           <a:xfrm>
-            <a:off x="1143000" y="2057400"/>
-            <a:ext cx="9872871" cy="4038600"/>
+            <a:off x="1097280" y="1845734"/>
+            <a:ext cx="10058400" cy="4023360"/>
           </a:xfrm>
           <a:prstGeom prst="rect">
             <a:avLst/>
           </a:prstGeom>
         </p:spPr>
         <p:txBody>
-          <a:bodyPr vert="horz" lIns="91440" tIns="45720" rIns="91440" bIns="45720" rtlCol="0">
+          <a:bodyPr vert="horz" lIns="0" tIns="45720" rIns="0" bIns="45720" rtlCol="0">
             <a:normAutofit/>
           </a:bodyPr>
           <a:lstStyle/>
@@ -2944,8 +3324,8 @@
         </p:nvSpPr>
         <p:spPr>
           <a:xfrm>
-            <a:off x="1142996" y="6223828"/>
-            <a:ext cx="2329074" cy="365125"/>
+            <a:off x="1097280" y="6459785"/>
+            <a:ext cx="2472271" cy="365125"/>
           </a:xfrm>
           <a:prstGeom prst="rect">
             <a:avLst/>
@@ -2955,9 +3335,9 @@
           <a:bodyPr vert="horz" lIns="91440" tIns="45720" rIns="91440" bIns="45720" rtlCol="0" anchor="ctr"/>
           <a:lstStyle>
             <a:lvl1pPr algn="l">
-              <a:defRPr sz="1200">
+              <a:defRPr sz="900">
                 <a:solidFill>
-                  <a:schemeClr val="accent1"/>
+                  <a:srgbClr val="FFFFFF"/>
                 </a:solidFill>
               </a:defRPr>
             </a:lvl1pPr>
@@ -2965,7 +3345,7 @@
           <a:p>
             <a:fld id="{4E6599C8-6CF5-4426-8B05-95D72E154976}" type="datetimeFigureOut">
               <a:rPr lang="en-GB" smtClean="0"/>
-              <a:t>04/08/2016</a:t>
+              <a:t>09/08/2016</a:t>
             </a:fld>
             <a:endParaRPr lang="en-GB"/>
           </a:p>
@@ -2983,8 +3363,8 @@
         </p:nvSpPr>
         <p:spPr>
           <a:xfrm>
-            <a:off x="3949148" y="6223828"/>
-            <a:ext cx="4717774" cy="365125"/>
+            <a:off x="3686185" y="6459785"/>
+            <a:ext cx="4822804" cy="365125"/>
           </a:xfrm>
           <a:prstGeom prst="rect">
             <a:avLst/>
@@ -2994,9 +3374,9 @@
           <a:bodyPr vert="horz" lIns="91440" tIns="45720" rIns="91440" bIns="45720" rtlCol="0" anchor="ctr"/>
           <a:lstStyle>
             <a:lvl1pPr algn="ctr">
-              <a:defRPr sz="1200">
+              <a:defRPr sz="900" cap="all" baseline="0">
                 <a:solidFill>
-                  <a:schemeClr val="accent1"/>
+                  <a:srgbClr val="FFFFFF"/>
                 </a:solidFill>
               </a:defRPr>
             </a:lvl1pPr>
@@ -3018,8 +3398,8 @@
         </p:nvSpPr>
         <p:spPr>
           <a:xfrm>
-            <a:off x="9329530" y="6223828"/>
-            <a:ext cx="1706217" cy="365125"/>
+            <a:off x="9900458" y="6459785"/>
+            <a:ext cx="1312025" cy="365125"/>
           </a:xfrm>
           <a:prstGeom prst="rect">
             <a:avLst/>
@@ -3029,9 +3409,9 @@
           <a:bodyPr vert="horz" lIns="91440" tIns="45720" rIns="91440" bIns="45720" rtlCol="0" anchor="ctr"/>
           <a:lstStyle>
             <a:lvl1pPr algn="r">
-              <a:defRPr sz="1200">
+              <a:defRPr sz="1050">
                 <a:solidFill>
-                  <a:schemeClr val="accent1"/>
+                  <a:srgbClr val="FFFFFF"/>
                 </a:solidFill>
               </a:defRPr>
             </a:lvl1pPr>
@@ -3045,40 +3425,81 @@
           </a:p>
         </p:txBody>
       </p:sp>
+      <p:cxnSp>
+        <p:nvCxnSpPr>
+          <p:cNvPr id="10" name="Straight Connector 9"/>
+          <p:cNvCxnSpPr/>
+          <p:nvPr/>
+        </p:nvCxnSpPr>
+        <p:spPr>
+          <a:xfrm>
+            <a:off x="1193532" y="1737845"/>
+            <a:ext cx="9966960" cy="0"/>
+          </a:xfrm>
+          <a:prstGeom prst="line">
+            <a:avLst/>
+          </a:prstGeom>
+          <a:ln w="6350">
+            <a:solidFill>
+              <a:schemeClr val="tx1">
+                <a:lumMod val="50000"/>
+                <a:lumOff val="50000"/>
+              </a:schemeClr>
+            </a:solidFill>
+          </a:ln>
+        </p:spPr>
+        <p:style>
+          <a:lnRef idx="1">
+            <a:schemeClr val="accent1"/>
+          </a:lnRef>
+          <a:fillRef idx="0">
+            <a:schemeClr val="accent1"/>
+          </a:fillRef>
+          <a:effectRef idx="0">
+            <a:schemeClr val="accent1"/>
+          </a:effectRef>
+          <a:fontRef idx="minor">
+            <a:schemeClr val="tx1"/>
+          </a:fontRef>
+        </p:style>
+      </p:cxnSp>
     </p:spTree>
     <p:extLst>
       <p:ext uri="{BB962C8B-B14F-4D97-AF65-F5344CB8AC3E}">
-        <p14:creationId xmlns:p14="http://schemas.microsoft.com/office/powerpoint/2010/main" val="3546154797"/>
+        <p14:creationId xmlns:p14="http://schemas.microsoft.com/office/powerpoint/2010/main" val="2506399004"/>
       </p:ext>
     </p:extLst>
   </p:cSld>
   <p:clrMap bg1="lt1" tx1="dk1" bg2="lt2" tx2="dk2" accent1="accent1" accent2="accent2" accent3="accent3" accent4="accent4" accent5="accent5" accent6="accent6" hlink="hlink" folHlink="folHlink"/>
   <p:sldLayoutIdLst>
-    <p:sldLayoutId id="2147483673" r:id="rId1"/>
-    <p:sldLayoutId id="2147483674" r:id="rId2"/>
-    <p:sldLayoutId id="2147483675" r:id="rId3"/>
-    <p:sldLayoutId id="2147483676" r:id="rId4"/>
-    <p:sldLayoutId id="2147483677" r:id="rId5"/>
-    <p:sldLayoutId id="2147483678" r:id="rId6"/>
-    <p:sldLayoutId id="2147483679" r:id="rId7"/>
-    <p:sldLayoutId id="2147483680" r:id="rId8"/>
-    <p:sldLayoutId id="2147483681" r:id="rId9"/>
-    <p:sldLayoutId id="2147483682" r:id="rId10"/>
-    <p:sldLayoutId id="2147483683" r:id="rId11"/>
+    <p:sldLayoutId id="2147483712" r:id="rId1"/>
+    <p:sldLayoutId id="2147483713" r:id="rId2"/>
+    <p:sldLayoutId id="2147483714" r:id="rId3"/>
+    <p:sldLayoutId id="2147483715" r:id="rId4"/>
+    <p:sldLayoutId id="2147483716" r:id="rId5"/>
+    <p:sldLayoutId id="2147483717" r:id="rId6"/>
+    <p:sldLayoutId id="2147483718" r:id="rId7"/>
+    <p:sldLayoutId id="2147483719" r:id="rId8"/>
+    <p:sldLayoutId id="2147483720" r:id="rId9"/>
+    <p:sldLayoutId id="2147483721" r:id="rId10"/>
+    <p:sldLayoutId id="2147483722" r:id="rId11"/>
   </p:sldLayoutIdLst>
   <p:txStyles>
     <p:titleStyle>
       <a:lvl1pPr algn="l" defTabSz="914400" rtl="0" eaLnBrk="1" latinLnBrk="0" hangingPunct="1">
         <a:lnSpc>
-          <a:spcPct val="90000"/>
+          <a:spcPct val="85000"/>
         </a:lnSpc>
         <a:spcBef>
           <a:spcPct val="0"/>
         </a:spcBef>
         <a:buNone/>
-        <a:defRPr sz="4400" kern="1200">
+        <a:defRPr sz="4800" kern="1200" spc="-50" baseline="0">
           <a:solidFill>
-            <a:schemeClr val="accent1"/>
+            <a:schemeClr val="tx1">
+              <a:lumMod val="75000"/>
+              <a:lumOff val="25000"/>
+            </a:schemeClr>
           </a:solidFill>
           <a:latin typeface="+mj-lt"/>
           <a:ea typeface="+mj-ea"/>
@@ -3087,29 +3508,35 @@
       </a:lvl1pPr>
     </p:titleStyle>
     <p:bodyStyle>
-      <a:lvl1pPr marL="228600" indent="-182880" algn="l" defTabSz="914400" rtl="0" eaLnBrk="1" latinLnBrk="0" hangingPunct="1">
+      <a:lvl1pPr marL="91440" indent="-91440" algn="l" defTabSz="914400" rtl="0" eaLnBrk="1" latinLnBrk="0" hangingPunct="1">
         <a:lnSpc>
           <a:spcPct val="90000"/>
         </a:lnSpc>
         <a:spcBef>
-          <a:spcPts val="1400"/>
+          <a:spcPts val="1200"/>
         </a:spcBef>
+        <a:spcAft>
+          <a:spcPts val="200"/>
+        </a:spcAft>
         <a:buClr>
           <a:schemeClr val="accent1"/>
         </a:buClr>
-        <a:buSzPct val="80000"/>
-        <a:buFont typeface="Corbel" pitchFamily="34" charset="0"/>
-        <a:buChar char="•"/>
-        <a:defRPr sz="2200" kern="1200">
+        <a:buSzPct val="100000"/>
+        <a:buFont typeface="Calibri" panose="020F0502020204030204" pitchFamily="34" charset="0"/>
+        <a:buChar char=" "/>
+        <a:defRPr sz="2000" kern="1200">
           <a:solidFill>
-            <a:schemeClr val="accent1"/>
+            <a:schemeClr val="tx1">
+              <a:lumMod val="75000"/>
+              <a:lumOff val="25000"/>
+            </a:schemeClr>
           </a:solidFill>
           <a:latin typeface="+mn-lt"/>
           <a:ea typeface="+mn-ea"/>
           <a:cs typeface="+mn-cs"/>
         </a:defRPr>
       </a:lvl1pPr>
-      <a:lvl2pPr marL="457200" indent="-182880" algn="l" defTabSz="914400" rtl="0" eaLnBrk="1" latinLnBrk="0" hangingPunct="1">
+      <a:lvl2pPr marL="384048" indent="-182880" algn="l" defTabSz="914400" rtl="0" eaLnBrk="1" latinLnBrk="0" hangingPunct="1">
         <a:lnSpc>
           <a:spcPct val="90000"/>
         </a:lnSpc>
@@ -3122,19 +3549,21 @@
         <a:buClr>
           <a:schemeClr val="accent1"/>
         </a:buClr>
-        <a:buSzPct val="80000"/>
-        <a:buFont typeface="Corbel" pitchFamily="34" charset="0"/>
-        <a:buChar char="•"/>
-        <a:defRPr sz="2000" kern="1200">
+        <a:buFont typeface="Calibri" pitchFamily="34" charset="0"/>
+        <a:buChar char="◦"/>
+        <a:defRPr sz="1800" kern="1200">
           <a:solidFill>
-            <a:schemeClr val="accent1"/>
+            <a:schemeClr val="tx1">
+              <a:lumMod val="75000"/>
+              <a:lumOff val="25000"/>
+            </a:schemeClr>
           </a:solidFill>
           <a:latin typeface="+mn-lt"/>
           <a:ea typeface="+mn-ea"/>
           <a:cs typeface="+mn-cs"/>
         </a:defRPr>
       </a:lvl2pPr>
-      <a:lvl3pPr marL="731520" indent="-182880" algn="l" defTabSz="914400" rtl="0" eaLnBrk="1" latinLnBrk="0" hangingPunct="1">
+      <a:lvl3pPr marL="566928" indent="-182880" algn="l" defTabSz="914400" rtl="0" eaLnBrk="1" latinLnBrk="0" hangingPunct="1">
         <a:lnSpc>
           <a:spcPct val="90000"/>
         </a:lnSpc>
@@ -3147,19 +3576,21 @@
         <a:buClr>
           <a:schemeClr val="accent1"/>
         </a:buClr>
-        <a:buSzPct val="80000"/>
-        <a:buFont typeface="Corbel" pitchFamily="34" charset="0"/>
-        <a:buChar char="•"/>
-        <a:defRPr sz="1800" kern="1200">
+        <a:buFont typeface="Calibri" pitchFamily="34" charset="0"/>
+        <a:buChar char="◦"/>
+        <a:defRPr sz="1400" kern="1200">
           <a:solidFill>
-            <a:schemeClr val="accent1"/>
+            <a:schemeClr val="tx1">
+              <a:lumMod val="75000"/>
+              <a:lumOff val="25000"/>
+            </a:schemeClr>
           </a:solidFill>
           <a:latin typeface="+mn-lt"/>
           <a:ea typeface="+mn-ea"/>
           <a:cs typeface="+mn-cs"/>
         </a:defRPr>
       </a:lvl3pPr>
-      <a:lvl4pPr marL="1005840" indent="-182880" algn="l" defTabSz="914400" rtl="0" eaLnBrk="1" latinLnBrk="0" hangingPunct="1">
+      <a:lvl4pPr marL="749808" indent="-182880" algn="l" defTabSz="914400" rtl="0" eaLnBrk="1" latinLnBrk="0" hangingPunct="1">
         <a:lnSpc>
           <a:spcPct val="90000"/>
         </a:lnSpc>
@@ -3172,19 +3603,21 @@
         <a:buClr>
           <a:schemeClr val="accent1"/>
         </a:buClr>
-        <a:buSzPct val="80000"/>
-        <a:buFont typeface="Corbel" pitchFamily="34" charset="0"/>
-        <a:buChar char="•"/>
-        <a:defRPr sz="1600" kern="1200">
+        <a:buFont typeface="Calibri" pitchFamily="34" charset="0"/>
+        <a:buChar char="◦"/>
+        <a:defRPr sz="1400" kern="1200">
           <a:solidFill>
-            <a:schemeClr val="accent1"/>
+            <a:schemeClr val="tx1">
+              <a:lumMod val="75000"/>
+              <a:lumOff val="25000"/>
+            </a:schemeClr>
           </a:solidFill>
           <a:latin typeface="+mn-lt"/>
           <a:ea typeface="+mn-ea"/>
           <a:cs typeface="+mn-cs"/>
         </a:defRPr>
       </a:lvl4pPr>
-      <a:lvl5pPr marL="1280160" indent="-182880" algn="l" defTabSz="914400" rtl="0" eaLnBrk="1" latinLnBrk="0" hangingPunct="1">
+      <a:lvl5pPr marL="932688" indent="-182880" algn="l" defTabSz="914400" rtl="0" eaLnBrk="1" latinLnBrk="0" hangingPunct="1">
         <a:lnSpc>
           <a:spcPct val="90000"/>
         </a:lnSpc>
@@ -3197,19 +3630,21 @@
         <a:buClr>
           <a:schemeClr val="accent1"/>
         </a:buClr>
-        <a:buSzPct val="80000"/>
-        <a:buFont typeface="Corbel" pitchFamily="34" charset="0"/>
-        <a:buChar char="•"/>
-        <a:defRPr sz="1600" kern="1200">
+        <a:buFont typeface="Calibri" pitchFamily="34" charset="0"/>
+        <a:buChar char="◦"/>
+        <a:defRPr sz="1400" kern="1200">
           <a:solidFill>
-            <a:schemeClr val="accent1"/>
+            <a:schemeClr val="tx1">
+              <a:lumMod val="75000"/>
+              <a:lumOff val="25000"/>
+            </a:schemeClr>
           </a:solidFill>
           <a:latin typeface="+mn-lt"/>
           <a:ea typeface="+mn-ea"/>
           <a:cs typeface="+mn-cs"/>
         </a:defRPr>
       </a:lvl5pPr>
-      <a:lvl6pPr marL="1600000" indent="-228600" algn="l" defTabSz="914400" rtl="0" eaLnBrk="1" latinLnBrk="0" hangingPunct="1">
+      <a:lvl6pPr marL="1100000" indent="-228600" algn="l" defTabSz="914400" rtl="0" eaLnBrk="1" latinLnBrk="0" hangingPunct="1">
         <a:lnSpc>
           <a:spcPct val="90000"/>
         </a:lnSpc>
@@ -3222,19 +3657,21 @@
         <a:buClr>
           <a:schemeClr val="accent1"/>
         </a:buClr>
-        <a:buSzPct val="80000"/>
-        <a:buFont typeface="Corbel" pitchFamily="34" charset="0"/>
-        <a:buChar char="•"/>
-        <a:defRPr sz="1600" kern="1200">
+        <a:buFont typeface="Calibri" pitchFamily="34" charset="0"/>
+        <a:buChar char="◦"/>
+        <a:defRPr sz="1400" kern="1200">
           <a:solidFill>
-            <a:schemeClr val="accent1"/>
+            <a:schemeClr val="tx1">
+              <a:lumMod val="75000"/>
+              <a:lumOff val="25000"/>
+            </a:schemeClr>
           </a:solidFill>
           <a:latin typeface="+mn-lt"/>
           <a:ea typeface="+mn-ea"/>
           <a:cs typeface="+mn-cs"/>
         </a:defRPr>
       </a:lvl6pPr>
-      <a:lvl7pPr marL="1900000" indent="-228600" algn="l" defTabSz="914400" rtl="0" eaLnBrk="1" latinLnBrk="0" hangingPunct="1">
+      <a:lvl7pPr marL="1300000" indent="-228600" algn="l" defTabSz="914400" rtl="0" eaLnBrk="1" latinLnBrk="0" hangingPunct="1">
         <a:lnSpc>
           <a:spcPct val="90000"/>
         </a:lnSpc>
@@ -3247,19 +3684,21 @@
         <a:buClr>
           <a:schemeClr val="accent1"/>
         </a:buClr>
-        <a:buSzPct val="80000"/>
-        <a:buFont typeface="Corbel" pitchFamily="34" charset="0"/>
-        <a:buChar char="•"/>
-        <a:defRPr sz="1600" kern="1200">
+        <a:buFont typeface="Calibri" pitchFamily="34" charset="0"/>
+        <a:buChar char="◦"/>
+        <a:defRPr sz="1400" kern="1200">
           <a:solidFill>
-            <a:schemeClr val="accent1"/>
+            <a:schemeClr val="tx1">
+              <a:lumMod val="75000"/>
+              <a:lumOff val="25000"/>
+            </a:schemeClr>
           </a:solidFill>
           <a:latin typeface="+mn-lt"/>
           <a:ea typeface="+mn-ea"/>
           <a:cs typeface="+mn-cs"/>
         </a:defRPr>
       </a:lvl7pPr>
-      <a:lvl8pPr marL="2200000" indent="-228600" algn="l" defTabSz="914400" rtl="0" eaLnBrk="1" latinLnBrk="0" hangingPunct="1">
+      <a:lvl8pPr marL="1500000" indent="-228600" algn="l" defTabSz="914400" rtl="0" eaLnBrk="1" latinLnBrk="0" hangingPunct="1">
         <a:lnSpc>
           <a:spcPct val="90000"/>
         </a:lnSpc>
@@ -3272,19 +3711,21 @@
         <a:buClr>
           <a:schemeClr val="accent1"/>
         </a:buClr>
-        <a:buSzPct val="80000"/>
-        <a:buFont typeface="Corbel" pitchFamily="34" charset="0"/>
-        <a:buChar char="•"/>
-        <a:defRPr sz="1600" kern="1200">
+        <a:buFont typeface="Calibri" pitchFamily="34" charset="0"/>
+        <a:buChar char="◦"/>
+        <a:defRPr sz="1400" kern="1200">
           <a:solidFill>
-            <a:schemeClr val="accent1"/>
+            <a:schemeClr val="tx1">
+              <a:lumMod val="75000"/>
+              <a:lumOff val="25000"/>
+            </a:schemeClr>
           </a:solidFill>
           <a:latin typeface="+mn-lt"/>
           <a:ea typeface="+mn-ea"/>
           <a:cs typeface="+mn-cs"/>
         </a:defRPr>
       </a:lvl8pPr>
-      <a:lvl9pPr marL="2500000" indent="-228600" algn="l" defTabSz="914400" rtl="0" eaLnBrk="1" latinLnBrk="0" hangingPunct="1">
+      <a:lvl9pPr marL="1700000" indent="-228600" algn="l" defTabSz="914400" rtl="0" eaLnBrk="1" latinLnBrk="0" hangingPunct="1">
         <a:lnSpc>
           <a:spcPct val="90000"/>
         </a:lnSpc>
@@ -3297,12 +3738,14 @@
         <a:buClr>
           <a:schemeClr val="accent1"/>
         </a:buClr>
-        <a:buSzPct val="80000"/>
-        <a:buFont typeface="Corbel" pitchFamily="34" charset="0"/>
-        <a:buChar char="•"/>
-        <a:defRPr sz="1600" kern="1200">
+        <a:buFont typeface="Calibri" pitchFamily="34" charset="0"/>
+        <a:buChar char="◦"/>
+        <a:defRPr sz="1400" kern="1200">
           <a:solidFill>
-            <a:schemeClr val="accent1"/>
+            <a:schemeClr val="tx1">
+              <a:lumMod val="75000"/>
+              <a:lumOff val="25000"/>
+            </a:schemeClr>
           </a:solidFill>
           <a:latin typeface="+mn-lt"/>
           <a:ea typeface="+mn-ea"/>
@@ -3438,7 +3881,7 @@
         </p:nvSpPr>
         <p:spPr>
           <a:xfrm>
-            <a:off x="2652889" y="2282473"/>
+            <a:off x="2912533" y="2263540"/>
             <a:ext cx="6716890" cy="1387652"/>
           </a:xfrm>
         </p:spPr>
@@ -3448,6 +3891,7 @@
           </a:bodyPr>
           <a:lstStyle/>
           <a:p>
+            <a:pPr algn="ctr"/>
             <a:r>
               <a:rPr lang="en-US" b="1" dirty="0" smtClean="0"/>
               <a:t>Spring Core</a:t>
@@ -3464,7 +3908,7 @@
         </p:nvSpPr>
         <p:spPr>
           <a:xfrm>
-            <a:off x="4023129" y="3762205"/>
+            <a:off x="4192462" y="4260792"/>
             <a:ext cx="3976410" cy="369332"/>
           </a:xfrm>
           <a:prstGeom prst="rect">
@@ -3489,6 +3933,36 @@
           </a:p>
         </p:txBody>
       </p:sp>
+      <p:pic>
+        <p:nvPicPr>
+          <p:cNvPr id="4" name="Picture 3"/>
+          <p:cNvPicPr>
+            <a:picLocks noChangeAspect="1"/>
+          </p:cNvPicPr>
+          <p:nvPr/>
+        </p:nvPicPr>
+        <p:blipFill>
+          <a:blip r:embed="rId2" cstate="print">
+            <a:extLst>
+              <a:ext uri="{28A0092B-C50C-407E-A947-70E740481C1C}">
+                <a14:useLocalDpi xmlns:a14="http://schemas.microsoft.com/office/drawing/2010/main" val="0"/>
+              </a:ext>
+            </a:extLst>
+          </a:blip>
+          <a:stretch>
+            <a:fillRect/>
+          </a:stretch>
+        </p:blipFill>
+        <p:spPr>
+          <a:xfrm>
+            <a:off x="5056574" y="53528"/>
+            <a:ext cx="2185420" cy="1627635"/>
+          </a:xfrm>
+          <a:prstGeom prst="rect">
+            <a:avLst/>
+          </a:prstGeom>
+        </p:spPr>
+      </p:pic>
     </p:spTree>
     <p:extLst>
       <p:ext uri="{BB962C8B-B14F-4D97-AF65-F5344CB8AC3E}">
@@ -3786,7 +4260,7 @@
         <p:spPr/>
         <p:txBody>
           <a:bodyPr>
-            <a:normAutofit lnSpcReduction="10000"/>
+            <a:normAutofit/>
           </a:bodyPr>
           <a:lstStyle/>
           <a:p>
@@ -3799,16 +4273,17 @@
             <a:pPr lvl="1"/>
             <a:r>
               <a:rPr lang="en-US" dirty="0" smtClean="0"/>
-              <a:t>Bean defined from </a:t>
-            </a:r>
-            <a:r>
-              <a:rPr lang="en-US" dirty="0" smtClean="0">
-                <a:solidFill>
-                  <a:srgbClr val="FF0000"/>
-                </a:solidFill>
-              </a:rPr>
-              <a:t>applicationcontext.xml</a:t>
-            </a:r>
+              <a:t>Bean defined </a:t>
+            </a:r>
+            <a:r>
+              <a:rPr lang="en-US" dirty="0" smtClean="0"/>
+              <a:t>from applicationcontext.xml</a:t>
+            </a:r>
+            <a:endParaRPr lang="en-US" dirty="0" smtClean="0">
+              <a:solidFill>
+                <a:srgbClr val="FF0000"/>
+              </a:solidFill>
+            </a:endParaRPr>
           </a:p>
           <a:p>
             <a:r>
@@ -4177,8 +4652,8 @@
         </p:blipFill>
         <p:spPr>
           <a:xfrm>
-            <a:off x="3793066" y="1785386"/>
-            <a:ext cx="5486400" cy="5010150"/>
+            <a:off x="4523365" y="1785386"/>
+            <a:ext cx="4929285" cy="4501396"/>
           </a:xfrm>
           <a:prstGeom prst="rect">
             <a:avLst/>
@@ -5009,7 +5484,7 @@
         <p:spPr/>
         <p:txBody>
           <a:bodyPr>
-            <a:normAutofit lnSpcReduction="10000"/>
+            <a:normAutofit/>
           </a:bodyPr>
           <a:lstStyle/>
           <a:p>
@@ -5382,7 +5857,9 @@
         </p:nvSpPr>
         <p:spPr/>
         <p:txBody>
-          <a:bodyPr/>
+          <a:bodyPr>
+            <a:normAutofit/>
+          </a:bodyPr>
           <a:lstStyle/>
           <a:p>
             <a:r>
@@ -5957,8 +6434,8 @@
         </p:blipFill>
         <p:spPr>
           <a:xfrm>
-            <a:off x="4730100" y="2575775"/>
-            <a:ext cx="7461900" cy="4282225"/>
+            <a:off x="5678312" y="2652889"/>
+            <a:ext cx="6265332" cy="3595540"/>
           </a:xfrm>
           <a:prstGeom prst="rect">
             <a:avLst/>
@@ -6014,7 +6491,7 @@
         </p:nvSpPr>
         <p:spPr>
           <a:xfrm>
-            <a:off x="905934" y="2148769"/>
+            <a:off x="883356" y="2340680"/>
             <a:ext cx="10515600" cy="1325563"/>
           </a:xfrm>
         </p:spPr>
@@ -6025,7 +6502,11 @@
             <a:pPr algn="ctr"/>
             <a:r>
               <a:rPr lang="en-US" dirty="0" smtClean="0"/>
-              <a:t>Spring framework</a:t>
+              <a:t>Spring </a:t>
+            </a:r>
+            <a:r>
+              <a:rPr lang="en-US" dirty="0" smtClean="0"/>
+              <a:t>framework composition</a:t>
             </a:r>
             <a:endParaRPr lang="en-GB" dirty="0"/>
           </a:p>
@@ -6103,7 +6584,7 @@
         </p:nvSpPr>
         <p:spPr>
           <a:xfrm>
-            <a:off x="6888479" y="1859492"/>
+            <a:off x="1494328" y="1853070"/>
             <a:ext cx="4004733" cy="4351338"/>
           </a:xfrm>
         </p:spPr>
@@ -6119,12 +6600,17 @@
               <a:rPr lang="en-US" dirty="0" smtClean="0"/>
               <a:t> container</a:t>
             </a:r>
-          </a:p>
-          <a:p>
-            <a:pPr lvl="1"/>
-            <a:r>
-              <a:rPr lang="en-US" dirty="0" smtClean="0"/>
-              <a:t>Core libraries</a:t>
+            <a:endParaRPr lang="en-US" dirty="0" smtClean="0"/>
+          </a:p>
+          <a:p>
+            <a:pPr lvl="1"/>
+            <a:r>
+              <a:rPr lang="en-US" dirty="0" smtClean="0"/>
+              <a:t>Core </a:t>
+            </a:r>
+            <a:r>
+              <a:rPr lang="en-US" dirty="0" smtClean="0"/>
+              <a:t>libraries</a:t>
             </a:r>
           </a:p>
           <a:p>
@@ -6153,6 +6639,7 @@
               <a:rPr lang="en-US" dirty="0" smtClean="0"/>
               <a:t>Spring-context</a:t>
             </a:r>
+            <a:endParaRPr lang="en-US" dirty="0" smtClean="0"/>
           </a:p>
           <a:p>
             <a:pPr lvl="1"/>
@@ -6160,6 +6647,9 @@
               <a:rPr lang="en-US" dirty="0" smtClean="0"/>
               <a:t>Spring-web</a:t>
             </a:r>
+          </a:p>
+          <a:p>
+            <a:pPr lvl="1"/>
             <a:endParaRPr lang="en-GB" dirty="0"/>
           </a:p>
         </p:txBody>
@@ -6180,8 +6670,8 @@
         </p:blipFill>
         <p:spPr>
           <a:xfrm>
-            <a:off x="1097280" y="1758607"/>
-            <a:ext cx="5623775" cy="5140129"/>
+            <a:off x="5621867" y="1840127"/>
+            <a:ext cx="4843497" cy="4426954"/>
           </a:xfrm>
           <a:prstGeom prst="rect">
             <a:avLst/>
@@ -6237,7 +6727,7 @@
         </p:nvSpPr>
         <p:spPr>
           <a:xfrm>
-            <a:off x="883355" y="2261659"/>
+            <a:off x="928511" y="2589037"/>
             <a:ext cx="10515600" cy="1325563"/>
           </a:xfrm>
         </p:spPr>
@@ -6332,10 +6822,15 @@
             <p:ph idx="1"/>
           </p:nvPr>
         </p:nvSpPr>
-        <p:spPr/>
+        <p:spPr>
+          <a:xfrm>
+            <a:off x="1349022" y="1965960"/>
+            <a:ext cx="4512733" cy="4038600"/>
+          </a:xfrm>
+        </p:spPr>
         <p:txBody>
           <a:bodyPr>
-            <a:normAutofit fontScale="77500" lnSpcReduction="20000"/>
+            <a:normAutofit fontScale="85000" lnSpcReduction="20000"/>
           </a:bodyPr>
           <a:lstStyle/>
           <a:p>
@@ -6470,6 +6965,30 @@
           </a:p>
         </p:txBody>
       </p:sp>
+      <p:pic>
+        <p:nvPicPr>
+          <p:cNvPr id="5" name="Picture 4"/>
+          <p:cNvPicPr>
+            <a:picLocks noChangeAspect="1"/>
+          </p:cNvPicPr>
+          <p:nvPr/>
+        </p:nvPicPr>
+        <p:blipFill>
+          <a:blip r:embed="rId2"/>
+          <a:stretch>
+            <a:fillRect/>
+          </a:stretch>
+        </p:blipFill>
+        <p:spPr>
+          <a:xfrm>
+            <a:off x="6095999" y="1833738"/>
+            <a:ext cx="5709355" cy="4483308"/>
+          </a:xfrm>
+          <a:prstGeom prst="rect">
+            <a:avLst/>
+          </a:prstGeom>
+        </p:spPr>
+      </p:pic>
     </p:spTree>
     <p:extLst>
       <p:ext uri="{BB962C8B-B14F-4D97-AF65-F5344CB8AC3E}">
@@ -6676,7 +7195,7 @@
         </p:nvSpPr>
         <p:spPr>
           <a:xfrm>
-            <a:off x="962378" y="2306813"/>
+            <a:off x="894644" y="2532591"/>
             <a:ext cx="10515600" cy="1325563"/>
           </a:xfrm>
         </p:spPr>
@@ -6687,7 +7206,11 @@
             <a:pPr algn="ctr"/>
             <a:r>
               <a:rPr lang="en-US" dirty="0" smtClean="0"/>
-              <a:t>Spring bean factory</a:t>
+              <a:t>Spring </a:t>
+            </a:r>
+            <a:r>
+              <a:rPr lang="en-US" dirty="0" smtClean="0"/>
+              <a:t>bean</a:t>
             </a:r>
             <a:endParaRPr lang="en-GB" dirty="0"/>
           </a:p>
@@ -6747,6 +7270,174 @@
           <a:p>
             <a:r>
               <a:rPr lang="en-US" dirty="0" smtClean="0"/>
+              <a:t>Spring bean lifecycle</a:t>
+            </a:r>
+            <a:endParaRPr lang="en-GB" dirty="0"/>
+          </a:p>
+        </p:txBody>
+      </p:sp>
+      <p:pic>
+        <p:nvPicPr>
+          <p:cNvPr id="5" name="Picture 4"/>
+          <p:cNvPicPr>
+            <a:picLocks noChangeAspect="1"/>
+          </p:cNvPicPr>
+          <p:nvPr/>
+        </p:nvPicPr>
+        <p:blipFill>
+          <a:blip r:embed="rId2"/>
+          <a:stretch>
+            <a:fillRect/>
+          </a:stretch>
+        </p:blipFill>
+        <p:spPr>
+          <a:xfrm>
+            <a:off x="2336800" y="1853070"/>
+            <a:ext cx="7936088" cy="4377402"/>
+          </a:xfrm>
+          <a:prstGeom prst="rect">
+            <a:avLst/>
+          </a:prstGeom>
+        </p:spPr>
+      </p:pic>
+    </p:spTree>
+    <p:extLst>
+      <p:ext uri="{BB962C8B-B14F-4D97-AF65-F5344CB8AC3E}">
+        <p14:creationId xmlns:p14="http://schemas.microsoft.com/office/powerpoint/2010/main" val="489704683"/>
+      </p:ext>
+    </p:extLst>
+  </p:cSld>
+  <p:clrMapOvr>
+    <a:masterClrMapping/>
+  </p:clrMapOvr>
+  <p:timing>
+    <p:tnLst>
+      <p:par>
+        <p:cTn id="1" dur="indefinite" restart="never" nodeType="tmRoot"/>
+      </p:par>
+    </p:tnLst>
+  </p:timing>
+</p:sld>
+</file>
+
+<file path=ppt/slides/slide34.xml><?xml version="1.0" encoding="utf-8"?>
+<p:sld xmlns:a="http://schemas.openxmlformats.org/drawingml/2006/main" xmlns:r="http://schemas.openxmlformats.org/officeDocument/2006/relationships" xmlns:p="http://schemas.openxmlformats.org/presentationml/2006/main">
+  <p:cSld>
+    <p:spTree>
+      <p:nvGrpSpPr>
+        <p:cNvPr id="1" name=""/>
+        <p:cNvGrpSpPr/>
+        <p:nvPr/>
+      </p:nvGrpSpPr>
+      <p:grpSpPr>
+        <a:xfrm>
+          <a:off x="0" y="0"/>
+          <a:ext cx="0" cy="0"/>
+          <a:chOff x="0" y="0"/>
+          <a:chExt cx="0" cy="0"/>
+        </a:xfrm>
+      </p:grpSpPr>
+      <p:sp>
+        <p:nvSpPr>
+          <p:cNvPr id="2" name="Title 1"/>
+          <p:cNvSpPr>
+            <a:spLocks noGrp="1"/>
+          </p:cNvSpPr>
+          <p:nvPr>
+            <p:ph type="title"/>
+          </p:nvPr>
+        </p:nvSpPr>
+        <p:spPr/>
+        <p:txBody>
+          <a:bodyPr/>
+          <a:lstStyle/>
+          <a:p>
+            <a:r>
+              <a:rPr lang="en-US" dirty="0" smtClean="0"/>
+              <a:t>Spring bean scope</a:t>
+            </a:r>
+            <a:endParaRPr lang="en-GB" dirty="0"/>
+          </a:p>
+        </p:txBody>
+      </p:sp>
+      <p:pic>
+        <p:nvPicPr>
+          <p:cNvPr id="4" name="Picture 3"/>
+          <p:cNvPicPr>
+            <a:picLocks noChangeAspect="1"/>
+          </p:cNvPicPr>
+          <p:nvPr/>
+        </p:nvPicPr>
+        <p:blipFill>
+          <a:blip r:embed="rId2"/>
+          <a:stretch>
+            <a:fillRect/>
+          </a:stretch>
+        </p:blipFill>
+        <p:spPr>
+          <a:xfrm>
+            <a:off x="1269981" y="2307167"/>
+            <a:ext cx="9854769" cy="3980744"/>
+          </a:xfrm>
+          <a:prstGeom prst="rect">
+            <a:avLst/>
+          </a:prstGeom>
+        </p:spPr>
+      </p:pic>
+    </p:spTree>
+    <p:extLst>
+      <p:ext uri="{BB962C8B-B14F-4D97-AF65-F5344CB8AC3E}">
+        <p14:creationId xmlns:p14="http://schemas.microsoft.com/office/powerpoint/2010/main" val="2248889833"/>
+      </p:ext>
+    </p:extLst>
+  </p:cSld>
+  <p:clrMapOvr>
+    <a:masterClrMapping/>
+  </p:clrMapOvr>
+  <p:timing>
+    <p:tnLst>
+      <p:par>
+        <p:cTn id="1" dur="indefinite" restart="never" nodeType="tmRoot"/>
+      </p:par>
+    </p:tnLst>
+  </p:timing>
+</p:sld>
+</file>
+
+<file path=ppt/slides/slide35.xml><?xml version="1.0" encoding="utf-8"?>
+<p:sld xmlns:a="http://schemas.openxmlformats.org/drawingml/2006/main" xmlns:r="http://schemas.openxmlformats.org/officeDocument/2006/relationships" xmlns:p="http://schemas.openxmlformats.org/presentationml/2006/main">
+  <p:cSld>
+    <p:spTree>
+      <p:nvGrpSpPr>
+        <p:cNvPr id="1" name=""/>
+        <p:cNvGrpSpPr/>
+        <p:nvPr/>
+      </p:nvGrpSpPr>
+      <p:grpSpPr>
+        <a:xfrm>
+          <a:off x="0" y="0"/>
+          <a:ext cx="0" cy="0"/>
+          <a:chOff x="0" y="0"/>
+          <a:chExt cx="0" cy="0"/>
+        </a:xfrm>
+      </p:grpSpPr>
+      <p:sp>
+        <p:nvSpPr>
+          <p:cNvPr id="2" name="Title 1"/>
+          <p:cNvSpPr>
+            <a:spLocks noGrp="1"/>
+          </p:cNvSpPr>
+          <p:nvPr>
+            <p:ph type="title"/>
+          </p:nvPr>
+        </p:nvSpPr>
+        <p:spPr/>
+        <p:txBody>
+          <a:bodyPr/>
+          <a:lstStyle/>
+          <a:p>
+            <a:r>
+              <a:rPr lang="en-US" dirty="0" smtClean="0"/>
               <a:t>Bean factory</a:t>
             </a:r>
             <a:endParaRPr lang="en-GB" dirty="0"/>
@@ -6763,7 +7454,12 @@
             <p:ph idx="1"/>
           </p:nvPr>
         </p:nvSpPr>
-        <p:spPr/>
+        <p:spPr>
+          <a:xfrm>
+            <a:off x="1176303" y="1857023"/>
+            <a:ext cx="10058400" cy="4023360"/>
+          </a:xfrm>
+        </p:spPr>
         <p:txBody>
           <a:bodyPr/>
           <a:lstStyle/>
@@ -6818,6 +7514,352 @@
           </a:p>
         </p:txBody>
       </p:sp>
+      <p:graphicFrame>
+        <p:nvGraphicFramePr>
+          <p:cNvPr id="7" name="Table 6"/>
+          <p:cNvGraphicFramePr>
+            <a:graphicFrameLocks noGrp="1"/>
+          </p:cNvGraphicFramePr>
+          <p:nvPr>
+            <p:extLst>
+              <p:ext uri="{D42A27DB-BD31-4B8C-83A1-F6EECF244321}">
+                <p14:modId xmlns:p14="http://schemas.microsoft.com/office/powerpoint/2010/main" val="371597616"/>
+              </p:ext>
+            </p:extLst>
+          </p:nvPr>
+        </p:nvGraphicFramePr>
+        <p:xfrm>
+          <a:off x="3349413" y="3101200"/>
+          <a:ext cx="8127999" cy="3032760"/>
+        </p:xfrm>
+        <a:graphic>
+          <a:graphicData uri="http://schemas.openxmlformats.org/drawingml/2006/table">
+            <a:tbl>
+              <a:tblPr firstRow="1" bandRow="1">
+                <a:tableStyleId>{5C22544A-7EE6-4342-B048-85BDC9FD1C3A}</a:tableStyleId>
+              </a:tblPr>
+              <a:tblGrid>
+                <a:gridCol w="3804356"/>
+                <a:gridCol w="1614310"/>
+                <a:gridCol w="2709333"/>
+              </a:tblGrid>
+              <a:tr h="370840">
+                <a:tc>
+                  <a:txBody>
+                    <a:bodyPr/>
+                    <a:lstStyle/>
+                    <a:p>
+                      <a:pPr algn="ctr"/>
+                      <a:r>
+                        <a:rPr lang="en-US" b="1" dirty="0" smtClean="0"/>
+                        <a:t>Feature</a:t>
+                      </a:r>
+                      <a:endParaRPr lang="en-GB" b="1" dirty="0"/>
+                    </a:p>
+                  </a:txBody>
+                  <a:tcPr/>
+                </a:tc>
+                <a:tc>
+                  <a:txBody>
+                    <a:bodyPr/>
+                    <a:lstStyle/>
+                    <a:p>
+                      <a:pPr algn="ctr"/>
+                      <a:r>
+                        <a:rPr lang="en-US" b="1" dirty="0" err="1" smtClean="0"/>
+                        <a:t>BeanFactory</a:t>
+                      </a:r>
+                      <a:endParaRPr lang="en-GB" b="1" dirty="0"/>
+                    </a:p>
+                  </a:txBody>
+                  <a:tcPr/>
+                </a:tc>
+                <a:tc>
+                  <a:txBody>
+                    <a:bodyPr/>
+                    <a:lstStyle/>
+                    <a:p>
+                      <a:pPr algn="ctr"/>
+                      <a:r>
+                        <a:rPr lang="en-US" b="1" dirty="0" err="1" smtClean="0"/>
+                        <a:t>ApplicationContext</a:t>
+                      </a:r>
+                      <a:endParaRPr lang="en-GB" b="1" dirty="0"/>
+                    </a:p>
+                  </a:txBody>
+                  <a:tcPr/>
+                </a:tc>
+              </a:tr>
+              <a:tr h="370840">
+                <a:tc>
+                  <a:txBody>
+                    <a:bodyPr/>
+                    <a:lstStyle/>
+                    <a:p>
+                      <a:r>
+                        <a:rPr lang="en-US" dirty="0" smtClean="0"/>
+                        <a:t>Bean instantiation/wiring</a:t>
+                      </a:r>
+                      <a:endParaRPr lang="en-GB" dirty="0"/>
+                    </a:p>
+                  </a:txBody>
+                  <a:tcPr/>
+                </a:tc>
+                <a:tc>
+                  <a:txBody>
+                    <a:bodyPr/>
+                    <a:lstStyle/>
+                    <a:p>
+                      <a:pPr algn="ctr"/>
+                      <a:r>
+                        <a:rPr lang="en-US" dirty="0" smtClean="0"/>
+                        <a:t>Yes</a:t>
+                      </a:r>
+                      <a:endParaRPr lang="en-GB" dirty="0"/>
+                    </a:p>
+                  </a:txBody>
+                  <a:tcPr/>
+                </a:tc>
+                <a:tc>
+                  <a:txBody>
+                    <a:bodyPr/>
+                    <a:lstStyle/>
+                    <a:p>
+                      <a:pPr algn="ctr"/>
+                      <a:r>
+                        <a:rPr lang="en-US" dirty="0" smtClean="0"/>
+                        <a:t> Yes</a:t>
+                      </a:r>
+                      <a:endParaRPr lang="en-GB" dirty="0"/>
+                    </a:p>
+                  </a:txBody>
+                  <a:tcPr/>
+                </a:tc>
+              </a:tr>
+              <a:tr h="370840">
+                <a:tc>
+                  <a:txBody>
+                    <a:bodyPr/>
+                    <a:lstStyle/>
+                    <a:p>
+                      <a:r>
+                        <a:rPr lang="en-US" dirty="0" smtClean="0"/>
+                        <a:t>Automatic </a:t>
+                      </a:r>
+                      <a:r>
+                        <a:rPr lang="en-US" dirty="0" err="1" smtClean="0"/>
+                        <a:t>BeanPostProcessor</a:t>
+                      </a:r>
+                      <a:r>
+                        <a:rPr lang="en-US" baseline="0" dirty="0" smtClean="0"/>
+                        <a:t> registration</a:t>
+                      </a:r>
+                      <a:endParaRPr lang="en-GB" dirty="0"/>
+                    </a:p>
+                  </a:txBody>
+                  <a:tcPr/>
+                </a:tc>
+                <a:tc>
+                  <a:txBody>
+                    <a:bodyPr/>
+                    <a:lstStyle/>
+                    <a:p>
+                      <a:pPr algn="ctr"/>
+                      <a:r>
+                        <a:rPr lang="en-US" dirty="0" smtClean="0"/>
+                        <a:t>No</a:t>
+                      </a:r>
+                      <a:endParaRPr lang="en-GB" dirty="0"/>
+                    </a:p>
+                  </a:txBody>
+                  <a:tcPr/>
+                </a:tc>
+                <a:tc>
+                  <a:txBody>
+                    <a:bodyPr/>
+                    <a:lstStyle/>
+                    <a:p>
+                      <a:pPr algn="ctr"/>
+                      <a:r>
+                        <a:rPr lang="en-US" dirty="0" smtClean="0"/>
+                        <a:t>Yes</a:t>
+                      </a:r>
+                      <a:endParaRPr lang="en-GB" dirty="0"/>
+                    </a:p>
+                  </a:txBody>
+                  <a:tcPr/>
+                </a:tc>
+              </a:tr>
+              <a:tr h="370840">
+                <a:tc>
+                  <a:txBody>
+                    <a:bodyPr/>
+                    <a:lstStyle/>
+                    <a:p>
+                      <a:r>
+                        <a:rPr lang="en-US" dirty="0" smtClean="0"/>
+                        <a:t>Automatic</a:t>
+                      </a:r>
+                      <a:r>
+                        <a:rPr lang="en-US" baseline="0" dirty="0" smtClean="0"/>
+                        <a:t> </a:t>
+                      </a:r>
+                      <a:r>
+                        <a:rPr lang="en-US" baseline="0" dirty="0" err="1" smtClean="0"/>
+                        <a:t>BeanFactoryPostProcessor</a:t>
+                      </a:r>
+                      <a:r>
+                        <a:rPr lang="en-US" baseline="0" dirty="0" smtClean="0"/>
+                        <a:t> registration</a:t>
+                      </a:r>
+                      <a:endParaRPr lang="en-GB" dirty="0"/>
+                    </a:p>
+                  </a:txBody>
+                  <a:tcPr/>
+                </a:tc>
+                <a:tc>
+                  <a:txBody>
+                    <a:bodyPr/>
+                    <a:lstStyle/>
+                    <a:p>
+                      <a:pPr algn="ctr"/>
+                      <a:r>
+                        <a:rPr lang="en-US" dirty="0" smtClean="0"/>
+                        <a:t>No</a:t>
+                      </a:r>
+                      <a:endParaRPr lang="en-GB" dirty="0"/>
+                    </a:p>
+                  </a:txBody>
+                  <a:tcPr/>
+                </a:tc>
+                <a:tc>
+                  <a:txBody>
+                    <a:bodyPr/>
+                    <a:lstStyle/>
+                    <a:p>
+                      <a:pPr algn="ctr"/>
+                      <a:r>
+                        <a:rPr lang="en-US" dirty="0" smtClean="0"/>
+                        <a:t>Yes</a:t>
+                      </a:r>
+                      <a:endParaRPr lang="en-GB" dirty="0"/>
+                    </a:p>
+                  </a:txBody>
+                  <a:tcPr/>
+                </a:tc>
+              </a:tr>
+              <a:tr h="370840">
+                <a:tc>
+                  <a:txBody>
+                    <a:bodyPr/>
+                    <a:lstStyle/>
+                    <a:p>
+                      <a:r>
+                        <a:rPr lang="en-US" dirty="0" smtClean="0"/>
+                        <a:t>Convenient</a:t>
+                      </a:r>
+                      <a:r>
+                        <a:rPr lang="en-US" baseline="0" dirty="0" smtClean="0"/>
+                        <a:t> </a:t>
+                      </a:r>
+                      <a:r>
+                        <a:rPr lang="en-US" baseline="0" dirty="0" err="1" smtClean="0"/>
+                        <a:t>MessageSource</a:t>
+                      </a:r>
+                      <a:r>
+                        <a:rPr lang="en-US" baseline="0" dirty="0" smtClean="0"/>
+                        <a:t> access (for i18n)</a:t>
+                      </a:r>
+                      <a:endParaRPr lang="en-GB" dirty="0"/>
+                    </a:p>
+                  </a:txBody>
+                  <a:tcPr/>
+                </a:tc>
+                <a:tc>
+                  <a:txBody>
+                    <a:bodyPr/>
+                    <a:lstStyle/>
+                    <a:p>
+                      <a:pPr algn="ctr"/>
+                      <a:r>
+                        <a:rPr lang="en-US" dirty="0" smtClean="0"/>
+                        <a:t>No</a:t>
+                      </a:r>
+                      <a:endParaRPr lang="en-GB" dirty="0"/>
+                    </a:p>
+                  </a:txBody>
+                  <a:tcPr/>
+                </a:tc>
+                <a:tc>
+                  <a:txBody>
+                    <a:bodyPr/>
+                    <a:lstStyle/>
+                    <a:p>
+                      <a:pPr algn="ctr"/>
+                      <a:r>
+                        <a:rPr lang="en-US" dirty="0" smtClean="0"/>
+                        <a:t>Yes</a:t>
+                      </a:r>
+                      <a:endParaRPr lang="en-GB" dirty="0"/>
+                    </a:p>
+                  </a:txBody>
+                  <a:tcPr/>
+                </a:tc>
+              </a:tr>
+              <a:tr h="370840">
+                <a:tc>
+                  <a:txBody>
+                    <a:bodyPr/>
+                    <a:lstStyle/>
+                    <a:p>
+                      <a:r>
+                        <a:rPr lang="en-US" dirty="0" err="1" smtClean="0"/>
+                        <a:t>ApplicationEvent</a:t>
+                      </a:r>
+                      <a:r>
+                        <a:rPr lang="en-US" baseline="0" dirty="0" smtClean="0"/>
+                        <a:t> publication</a:t>
+                      </a:r>
+                      <a:endParaRPr lang="en-GB" dirty="0"/>
+                    </a:p>
+                  </a:txBody>
+                  <a:tcPr/>
+                </a:tc>
+                <a:tc>
+                  <a:txBody>
+                    <a:bodyPr/>
+                    <a:lstStyle/>
+                    <a:p>
+                      <a:pPr algn="ctr"/>
+                      <a:r>
+                        <a:rPr lang="en-US" dirty="0" smtClean="0"/>
+                        <a:t>No</a:t>
+                      </a:r>
+                      <a:endParaRPr lang="en-GB" dirty="0"/>
+                    </a:p>
+                  </a:txBody>
+                  <a:tcPr/>
+                </a:tc>
+                <a:tc>
+                  <a:txBody>
+                    <a:bodyPr/>
+                    <a:lstStyle/>
+                    <a:p>
+                      <a:pPr algn="ctr"/>
+                      <a:r>
+                        <a:rPr lang="en-US" dirty="0" smtClean="0"/>
+                        <a:t>Yes</a:t>
+                      </a:r>
+                      <a:endParaRPr lang="en-GB" dirty="0"/>
+                    </a:p>
+                  </a:txBody>
+                  <a:tcPr/>
+                </a:tc>
+              </a:tr>
+            </a:tbl>
+          </a:graphicData>
+        </a:graphic>
+      </p:graphicFrame>
     </p:spTree>
     <p:extLst>
       <p:ext uri="{BB962C8B-B14F-4D97-AF65-F5344CB8AC3E}">
@@ -6838,7 +7880,7 @@
 </p:sld>
 </file>
 
-<file path=ppt/slides/slide34.xml><?xml version="1.0" encoding="utf-8"?>
+<file path=ppt/slides/slide36.xml><?xml version="1.0" encoding="utf-8"?>
 <p:sld xmlns:a="http://schemas.openxmlformats.org/drawingml/2006/main" xmlns:r="http://schemas.openxmlformats.org/officeDocument/2006/relationships" xmlns:p="http://schemas.openxmlformats.org/presentationml/2006/main">
   <p:cSld>
     <p:spTree>
@@ -6964,7 +8006,7 @@
 </p:sld>
 </file>
 
-<file path=ppt/slides/slide35.xml><?xml version="1.0" encoding="utf-8"?>
+<file path=ppt/slides/slide37.xml><?xml version="1.0" encoding="utf-8"?>
 <p:sld xmlns:a="http://schemas.openxmlformats.org/drawingml/2006/main" xmlns:r="http://schemas.openxmlformats.org/officeDocument/2006/relationships" xmlns:p="http://schemas.openxmlformats.org/presentationml/2006/main">
   <p:cSld>
     <p:spTree>
@@ -7016,7 +8058,7 @@
         </p:nvSpPr>
         <p:spPr>
           <a:xfrm>
-            <a:off x="1027544" y="1825624"/>
+            <a:off x="1097280" y="1825624"/>
             <a:ext cx="10515600" cy="1290108"/>
           </a:xfrm>
         </p:spPr>
@@ -7090,7 +8132,7 @@
 </p:sld>
 </file>
 
-<file path=ppt/slides/slide36.xml><?xml version="1.0" encoding="utf-8"?>
+<file path=ppt/slides/slide38.xml><?xml version="1.0" encoding="utf-8"?>
 <p:sld xmlns:a="http://schemas.openxmlformats.org/drawingml/2006/main" xmlns:r="http://schemas.openxmlformats.org/officeDocument/2006/relationships" xmlns:p="http://schemas.openxmlformats.org/presentationml/2006/main">
   <p:cSld>
     <p:spTree>
@@ -7174,160 +8216,7 @@
 </p:sld>
 </file>
 
-<file path=ppt/slides/slide37.xml><?xml version="1.0" encoding="utf-8"?>
-<p:sld xmlns:a="http://schemas.openxmlformats.org/drawingml/2006/main" xmlns:r="http://schemas.openxmlformats.org/officeDocument/2006/relationships" xmlns:p="http://schemas.openxmlformats.org/presentationml/2006/main">
-  <p:cSld>
-    <p:spTree>
-      <p:nvGrpSpPr>
-        <p:cNvPr id="1" name=""/>
-        <p:cNvGrpSpPr/>
-        <p:nvPr/>
-      </p:nvGrpSpPr>
-      <p:grpSpPr>
-        <a:xfrm>
-          <a:off x="0" y="0"/>
-          <a:ext cx="0" cy="0"/>
-          <a:chOff x="0" y="0"/>
-          <a:chExt cx="0" cy="0"/>
-        </a:xfrm>
-      </p:grpSpPr>
-      <p:sp>
-        <p:nvSpPr>
-          <p:cNvPr id="2" name="Title 1"/>
-          <p:cNvSpPr>
-            <a:spLocks noGrp="1"/>
-          </p:cNvSpPr>
-          <p:nvPr>
-            <p:ph type="title"/>
-          </p:nvPr>
-        </p:nvSpPr>
-        <p:spPr/>
-        <p:txBody>
-          <a:bodyPr/>
-          <a:lstStyle/>
-          <a:p>
-            <a:r>
-              <a:rPr lang="en-US" dirty="0" smtClean="0"/>
-              <a:t>Java server faces integration</a:t>
-            </a:r>
-            <a:endParaRPr lang="en-GB" dirty="0"/>
-          </a:p>
-        </p:txBody>
-      </p:sp>
-      <p:sp>
-        <p:nvSpPr>
-          <p:cNvPr id="3" name="Content Placeholder 2"/>
-          <p:cNvSpPr>
-            <a:spLocks noGrp="1"/>
-          </p:cNvSpPr>
-          <p:nvPr>
-            <p:ph idx="1"/>
-          </p:nvPr>
-        </p:nvSpPr>
-        <p:spPr>
-          <a:xfrm>
-            <a:off x="1097280" y="1848961"/>
-            <a:ext cx="10515600" cy="2317397"/>
-          </a:xfrm>
-        </p:spPr>
-        <p:txBody>
-          <a:bodyPr/>
-          <a:lstStyle/>
-          <a:p>
-            <a:r>
-              <a:rPr lang="en-US" dirty="0" smtClean="0"/>
-              <a:t>Multiple variable and EL resolver implementations</a:t>
-            </a:r>
-          </a:p>
-          <a:p>
-            <a:pPr lvl="1"/>
-            <a:r>
-              <a:rPr lang="en-US" dirty="0" smtClean="0"/>
-              <a:t>JSF 1.1</a:t>
-            </a:r>
-          </a:p>
-          <a:p>
-            <a:pPr lvl="2"/>
-            <a:r>
-              <a:rPr lang="en-US" dirty="0" err="1" smtClean="0"/>
-              <a:t>Delegatingvariableresolver</a:t>
-            </a:r>
-            <a:endParaRPr lang="en-US" dirty="0" smtClean="0"/>
-          </a:p>
-          <a:p>
-            <a:pPr lvl="2"/>
-            <a:r>
-              <a:rPr lang="en-US" dirty="0" err="1" smtClean="0"/>
-              <a:t>Springbeanvariableresolver</a:t>
-            </a:r>
-            <a:endParaRPr lang="en-US" dirty="0" smtClean="0"/>
-          </a:p>
-          <a:p>
-            <a:pPr lvl="1"/>
-            <a:r>
-              <a:rPr lang="en-US" dirty="0" smtClean="0"/>
-              <a:t>JSF 1.2</a:t>
-            </a:r>
-          </a:p>
-          <a:p>
-            <a:pPr lvl="2"/>
-            <a:r>
-              <a:rPr lang="en-US" dirty="0" err="1" smtClean="0"/>
-              <a:t>springbeanfacesELresolver</a:t>
-            </a:r>
-            <a:endParaRPr lang="en-US" dirty="0" smtClean="0"/>
-          </a:p>
-          <a:p>
-            <a:pPr lvl="1"/>
-            <a:endParaRPr lang="en-GB" dirty="0"/>
-          </a:p>
-        </p:txBody>
-      </p:sp>
-      <p:pic>
-        <p:nvPicPr>
-          <p:cNvPr id="4" name="Picture 3"/>
-          <p:cNvPicPr>
-            <a:picLocks noChangeAspect="1"/>
-          </p:cNvPicPr>
-          <p:nvPr/>
-        </p:nvPicPr>
-        <p:blipFill>
-          <a:blip r:embed="rId2"/>
-          <a:stretch>
-            <a:fillRect/>
-          </a:stretch>
-        </p:blipFill>
-        <p:spPr>
-          <a:xfrm>
-            <a:off x="1311275" y="3976687"/>
-            <a:ext cx="7334250" cy="1952625"/>
-          </a:xfrm>
-          <a:prstGeom prst="rect">
-            <a:avLst/>
-          </a:prstGeom>
-        </p:spPr>
-      </p:pic>
-    </p:spTree>
-    <p:extLst>
-      <p:ext uri="{BB962C8B-B14F-4D97-AF65-F5344CB8AC3E}">
-        <p14:creationId xmlns:p14="http://schemas.microsoft.com/office/powerpoint/2010/main" val="515493253"/>
-      </p:ext>
-    </p:extLst>
-  </p:cSld>
-  <p:clrMapOvr>
-    <a:masterClrMapping/>
-  </p:clrMapOvr>
-  <p:timing>
-    <p:tnLst>
-      <p:par>
-        <p:cTn id="1" dur="indefinite" restart="never" nodeType="tmRoot"/>
-      </p:par>
-    </p:tnLst>
-  </p:timing>
-</p:sld>
-</file>
-
-<file path=ppt/slides/slide38.xml><?xml version="1.0" encoding="utf-8"?>
+<file path=ppt/slides/slide39.xml><?xml version="1.0" encoding="utf-8"?>
 <p:sld xmlns:a="http://schemas.openxmlformats.org/drawingml/2006/main" xmlns:r="http://schemas.openxmlformats.org/officeDocument/2006/relationships" xmlns:p="http://schemas.openxmlformats.org/presentationml/2006/main">
   <p:cSld>
     <p:spTree>
@@ -7411,7 +8300,256 @@
 </p:sld>
 </file>
 
-<file path=ppt/slides/slide39.xml><?xml version="1.0" encoding="utf-8"?>
+<file path=ppt/slides/slide4.xml><?xml version="1.0" encoding="utf-8"?>
+<p:sld xmlns:a="http://schemas.openxmlformats.org/drawingml/2006/main" xmlns:r="http://schemas.openxmlformats.org/officeDocument/2006/relationships" xmlns:p="http://schemas.openxmlformats.org/presentationml/2006/main">
+  <p:cSld>
+    <p:spTree>
+      <p:nvGrpSpPr>
+        <p:cNvPr id="1" name=""/>
+        <p:cNvGrpSpPr/>
+        <p:nvPr/>
+      </p:nvGrpSpPr>
+      <p:grpSpPr>
+        <a:xfrm>
+          <a:off x="0" y="0"/>
+          <a:ext cx="0" cy="0"/>
+          <a:chOff x="0" y="0"/>
+          <a:chExt cx="0" cy="0"/>
+        </a:xfrm>
+      </p:grpSpPr>
+      <p:sp>
+        <p:nvSpPr>
+          <p:cNvPr id="2" name="Title 1"/>
+          <p:cNvSpPr>
+            <a:spLocks noGrp="1"/>
+          </p:cNvSpPr>
+          <p:nvPr>
+            <p:ph type="title"/>
+          </p:nvPr>
+        </p:nvSpPr>
+        <p:spPr/>
+        <p:txBody>
+          <a:bodyPr/>
+          <a:lstStyle/>
+          <a:p>
+            <a:r>
+              <a:rPr lang="en-US" dirty="0" smtClean="0"/>
+              <a:t>Spring </a:t>
+            </a:r>
+            <a:r>
+              <a:rPr lang="en-US" dirty="0" err="1" smtClean="0"/>
+              <a:t>ioc</a:t>
+            </a:r>
+            <a:r>
+              <a:rPr lang="en-US" dirty="0" smtClean="0"/>
+              <a:t> container</a:t>
+            </a:r>
+            <a:endParaRPr lang="en-GB" dirty="0"/>
+          </a:p>
+        </p:txBody>
+      </p:sp>
+      <p:sp>
+        <p:nvSpPr>
+          <p:cNvPr id="3" name="Content Placeholder 2"/>
+          <p:cNvSpPr>
+            <a:spLocks noGrp="1"/>
+          </p:cNvSpPr>
+          <p:nvPr>
+            <p:ph idx="1"/>
+          </p:nvPr>
+        </p:nvSpPr>
+        <p:spPr>
+          <a:xfrm>
+            <a:off x="6874933" y="3515810"/>
+            <a:ext cx="4515556" cy="2614464"/>
+          </a:xfrm>
+        </p:spPr>
+        <p:txBody>
+          <a:bodyPr>
+            <a:normAutofit lnSpcReduction="10000"/>
+          </a:bodyPr>
+          <a:lstStyle/>
+          <a:p>
+            <a:r>
+              <a:rPr lang="en-US" dirty="0" smtClean="0"/>
+              <a:t>Fundamental features</a:t>
+            </a:r>
+          </a:p>
+          <a:p>
+            <a:pPr lvl="1"/>
+            <a:r>
+              <a:rPr lang="en-US" dirty="0" smtClean="0"/>
+              <a:t>Registration system(</a:t>
+            </a:r>
+            <a:r>
+              <a:rPr lang="en-US" dirty="0" smtClean="0">
+                <a:solidFill>
+                  <a:srgbClr val="0033CC"/>
+                </a:solidFill>
+              </a:rPr>
+              <a:t>applicationcontext.xml</a:t>
+            </a:r>
+            <a:r>
+              <a:rPr lang="en-US" dirty="0" smtClean="0"/>
+              <a:t>)</a:t>
+            </a:r>
+          </a:p>
+          <a:p>
+            <a:pPr lvl="2"/>
+            <a:r>
+              <a:rPr lang="en-US" dirty="0" smtClean="0"/>
+              <a:t>Complex initialization</a:t>
+            </a:r>
+          </a:p>
+          <a:p>
+            <a:pPr lvl="2"/>
+            <a:r>
+              <a:rPr lang="en-US" dirty="0" smtClean="0"/>
+              <a:t>Object creation</a:t>
+            </a:r>
+          </a:p>
+          <a:p>
+            <a:pPr lvl="2"/>
+            <a:r>
+              <a:rPr lang="en-US" dirty="0" smtClean="0"/>
+              <a:t>Dependency injection</a:t>
+            </a:r>
+          </a:p>
+          <a:p>
+            <a:pPr lvl="2"/>
+            <a:r>
+              <a:rPr lang="en-US" dirty="0" smtClean="0"/>
+              <a:t>Application configuration</a:t>
+            </a:r>
+          </a:p>
+          <a:p>
+            <a:pPr lvl="1"/>
+            <a:r>
+              <a:rPr lang="en-US" dirty="0" smtClean="0"/>
+              <a:t>Access </a:t>
+            </a:r>
+            <a:r>
+              <a:rPr lang="en-US" dirty="0" err="1" smtClean="0"/>
+              <a:t>api</a:t>
+            </a:r>
+            <a:endParaRPr lang="en-US" dirty="0" smtClean="0"/>
+          </a:p>
+          <a:p>
+            <a:pPr lvl="2"/>
+            <a:r>
+              <a:rPr lang="en-US" dirty="0" smtClean="0"/>
+              <a:t>Using </a:t>
+            </a:r>
+            <a:r>
+              <a:rPr lang="en-US" dirty="0" err="1" smtClean="0"/>
+              <a:t>ApplicationContext</a:t>
+            </a:r>
+            <a:endParaRPr lang="en-US" dirty="0" smtClean="0"/>
+          </a:p>
+          <a:p>
+            <a:pPr lvl="2"/>
+            <a:r>
+              <a:rPr lang="en-US" dirty="0" smtClean="0"/>
+              <a:t>Using </a:t>
+            </a:r>
+            <a:r>
+              <a:rPr lang="en-US" dirty="0" err="1" smtClean="0"/>
+              <a:t>BeanFactory</a:t>
+            </a:r>
+            <a:endParaRPr lang="en-US" dirty="0"/>
+          </a:p>
+          <a:p>
+            <a:pPr lvl="2"/>
+            <a:endParaRPr lang="en-GB" dirty="0"/>
+          </a:p>
+        </p:txBody>
+      </p:sp>
+      <p:pic>
+        <p:nvPicPr>
+          <p:cNvPr id="4" name="Picture 3"/>
+          <p:cNvPicPr>
+            <a:picLocks noChangeAspect="1"/>
+          </p:cNvPicPr>
+          <p:nvPr/>
+        </p:nvPicPr>
+        <p:blipFill>
+          <a:blip r:embed="rId2"/>
+          <a:stretch>
+            <a:fillRect/>
+          </a:stretch>
+        </p:blipFill>
+        <p:spPr>
+          <a:xfrm>
+            <a:off x="2024062" y="1755083"/>
+            <a:ext cx="8143875" cy="1752600"/>
+          </a:xfrm>
+          <a:prstGeom prst="rect">
+            <a:avLst/>
+          </a:prstGeom>
+        </p:spPr>
+      </p:pic>
+      <p:pic>
+        <p:nvPicPr>
+          <p:cNvPr id="2050" name="Picture 2" descr="http://tecknonaut.com/wp-content/uploads/2015/10/container.png?9d9b92"/>
+          <p:cNvPicPr>
+            <a:picLocks noChangeAspect="1" noChangeArrowheads="1"/>
+          </p:cNvPicPr>
+          <p:nvPr/>
+        </p:nvPicPr>
+        <p:blipFill>
+          <a:blip r:embed="rId3">
+            <a:extLst>
+              <a:ext uri="{28A0092B-C50C-407E-A947-70E740481C1C}">
+                <a14:useLocalDpi xmlns:a14="http://schemas.microsoft.com/office/drawing/2010/main" val="0"/>
+              </a:ext>
+            </a:extLst>
+          </a:blip>
+          <a:srcRect/>
+          <a:stretch>
+            <a:fillRect/>
+          </a:stretch>
+        </p:blipFill>
+        <p:spPr bwMode="auto">
+          <a:xfrm>
+            <a:off x="1320804" y="3537779"/>
+            <a:ext cx="5324922" cy="2397403"/>
+          </a:xfrm>
+          <a:prstGeom prst="rect">
+            <a:avLst/>
+          </a:prstGeom>
+          <a:noFill/>
+          <a:extLst>
+            <a:ext uri="{909E8E84-426E-40DD-AFC4-6F175D3DCCD1}">
+              <a14:hiddenFill xmlns:a14="http://schemas.microsoft.com/office/drawing/2010/main">
+                <a:solidFill>
+                  <a:srgbClr val="FFFFFF"/>
+                </a:solidFill>
+              </a14:hiddenFill>
+            </a:ext>
+          </a:extLst>
+        </p:spPr>
+      </p:pic>
+    </p:spTree>
+    <p:extLst>
+      <p:ext uri="{BB962C8B-B14F-4D97-AF65-F5344CB8AC3E}">
+        <p14:creationId xmlns:p14="http://schemas.microsoft.com/office/powerpoint/2010/main" val="211849766"/>
+      </p:ext>
+    </p:extLst>
+  </p:cSld>
+  <p:clrMapOvr>
+    <a:masterClrMapping/>
+  </p:clrMapOvr>
+  <p:timing>
+    <p:tnLst>
+      <p:par>
+        <p:cTn id="1" dur="indefinite" restart="never" nodeType="tmRoot"/>
+      </p:par>
+    </p:tnLst>
+  </p:timing>
+</p:sld>
+</file>
+
+<file path=ppt/slides/slide40.xml><?xml version="1.0" encoding="utf-8"?>
 <p:sld xmlns:a="http://schemas.openxmlformats.org/drawingml/2006/main" xmlns:r="http://schemas.openxmlformats.org/officeDocument/2006/relationships" xmlns:p="http://schemas.openxmlformats.org/presentationml/2006/main">
   <p:cSld>
     <p:spTree>
@@ -7495,7 +8633,7 @@
 </p:sld>
 </file>
 
-<file path=ppt/slides/slide4.xml><?xml version="1.0" encoding="utf-8"?>
+<file path=ppt/slides/slide41.xml><?xml version="1.0" encoding="utf-8"?>
 <p:sld xmlns:a="http://schemas.openxmlformats.org/drawingml/2006/main" xmlns:r="http://schemas.openxmlformats.org/officeDocument/2006/relationships" xmlns:p="http://schemas.openxmlformats.org/presentationml/2006/main">
   <p:cSld>
     <p:spTree>
@@ -7529,15 +8667,7 @@
           <a:p>
             <a:r>
               <a:rPr lang="en-US" dirty="0" smtClean="0"/>
-              <a:t>Spring </a:t>
-            </a:r>
-            <a:r>
-              <a:rPr lang="en-US" dirty="0" err="1" smtClean="0"/>
-              <a:t>ioc</a:t>
-            </a:r>
-            <a:r>
-              <a:rPr lang="en-US" dirty="0" smtClean="0"/>
-              <a:t> container</a:t>
+              <a:t>Container event listener</a:t>
             </a:r>
             <a:endParaRPr lang="en-GB" dirty="0"/>
           </a:p>
@@ -7553,177 +8683,11 @@
             <p:ph idx="1"/>
           </p:nvPr>
         </p:nvSpPr>
-        <p:spPr>
-          <a:xfrm>
-            <a:off x="1097280" y="3507683"/>
-            <a:ext cx="10515600" cy="2733675"/>
-          </a:xfrm>
-        </p:spPr>
+        <p:spPr/>
         <p:txBody>
           <a:bodyPr>
             <a:normAutofit/>
           </a:bodyPr>
-          <a:lstStyle/>
-          <a:p>
-            <a:r>
-              <a:rPr lang="en-US" dirty="0" smtClean="0"/>
-              <a:t>Fundamental features</a:t>
-            </a:r>
-          </a:p>
-          <a:p>
-            <a:pPr lvl="1"/>
-            <a:r>
-              <a:rPr lang="en-US" dirty="0" smtClean="0"/>
-              <a:t>Registration system(applicationcontext.xml)</a:t>
-            </a:r>
-          </a:p>
-          <a:p>
-            <a:pPr lvl="2"/>
-            <a:r>
-              <a:rPr lang="en-US" dirty="0" smtClean="0"/>
-              <a:t>Complex initialization</a:t>
-            </a:r>
-          </a:p>
-          <a:p>
-            <a:pPr lvl="2"/>
-            <a:r>
-              <a:rPr lang="en-US" dirty="0" smtClean="0"/>
-              <a:t>Object creation</a:t>
-            </a:r>
-          </a:p>
-          <a:p>
-            <a:pPr lvl="2"/>
-            <a:r>
-              <a:rPr lang="en-US" dirty="0" smtClean="0"/>
-              <a:t>Dependency injection</a:t>
-            </a:r>
-          </a:p>
-          <a:p>
-            <a:pPr lvl="2"/>
-            <a:r>
-              <a:rPr lang="en-US" dirty="0" smtClean="0"/>
-              <a:t>Application configuration</a:t>
-            </a:r>
-          </a:p>
-          <a:p>
-            <a:pPr lvl="1"/>
-            <a:r>
-              <a:rPr lang="en-US" dirty="0" smtClean="0"/>
-              <a:t>Access </a:t>
-            </a:r>
-            <a:r>
-              <a:rPr lang="en-US" dirty="0" err="1" smtClean="0"/>
-              <a:t>api</a:t>
-            </a:r>
-            <a:endParaRPr lang="en-US" dirty="0" smtClean="0"/>
-          </a:p>
-          <a:p>
-            <a:pPr lvl="2"/>
-            <a:r>
-              <a:rPr lang="en-US" dirty="0" err="1" smtClean="0"/>
-              <a:t>Beanfactory#getBean</a:t>
-            </a:r>
-            <a:endParaRPr lang="en-GB" dirty="0"/>
-          </a:p>
-        </p:txBody>
-      </p:sp>
-      <p:pic>
-        <p:nvPicPr>
-          <p:cNvPr id="4" name="Picture 3"/>
-          <p:cNvPicPr>
-            <a:picLocks noChangeAspect="1"/>
-          </p:cNvPicPr>
-          <p:nvPr/>
-        </p:nvPicPr>
-        <p:blipFill>
-          <a:blip r:embed="rId2"/>
-          <a:stretch>
-            <a:fillRect/>
-          </a:stretch>
-        </p:blipFill>
-        <p:spPr>
-          <a:xfrm>
-            <a:off x="2024062" y="1755083"/>
-            <a:ext cx="8143875" cy="1752600"/>
-          </a:xfrm>
-          <a:prstGeom prst="rect">
-            <a:avLst/>
-          </a:prstGeom>
-        </p:spPr>
-      </p:pic>
-    </p:spTree>
-    <p:extLst>
-      <p:ext uri="{BB962C8B-B14F-4D97-AF65-F5344CB8AC3E}">
-        <p14:creationId xmlns:p14="http://schemas.microsoft.com/office/powerpoint/2010/main" val="211849766"/>
-      </p:ext>
-    </p:extLst>
-  </p:cSld>
-  <p:clrMapOvr>
-    <a:masterClrMapping/>
-  </p:clrMapOvr>
-  <p:timing>
-    <p:tnLst>
-      <p:par>
-        <p:cTn id="1" dur="indefinite" restart="never" nodeType="tmRoot"/>
-      </p:par>
-    </p:tnLst>
-  </p:timing>
-</p:sld>
-</file>
-
-<file path=ppt/slides/slide40.xml><?xml version="1.0" encoding="utf-8"?>
-<p:sld xmlns:a="http://schemas.openxmlformats.org/drawingml/2006/main" xmlns:r="http://schemas.openxmlformats.org/officeDocument/2006/relationships" xmlns:p="http://schemas.openxmlformats.org/presentationml/2006/main">
-  <p:cSld>
-    <p:spTree>
-      <p:nvGrpSpPr>
-        <p:cNvPr id="1" name=""/>
-        <p:cNvGrpSpPr/>
-        <p:nvPr/>
-      </p:nvGrpSpPr>
-      <p:grpSpPr>
-        <a:xfrm>
-          <a:off x="0" y="0"/>
-          <a:ext cx="0" cy="0"/>
-          <a:chOff x="0" y="0"/>
-          <a:chExt cx="0" cy="0"/>
-        </a:xfrm>
-      </p:grpSpPr>
-      <p:sp>
-        <p:nvSpPr>
-          <p:cNvPr id="2" name="Title 1"/>
-          <p:cNvSpPr>
-            <a:spLocks noGrp="1"/>
-          </p:cNvSpPr>
-          <p:nvPr>
-            <p:ph type="title"/>
-          </p:nvPr>
-        </p:nvSpPr>
-        <p:spPr/>
-        <p:txBody>
-          <a:bodyPr/>
-          <a:lstStyle/>
-          <a:p>
-            <a:r>
-              <a:rPr lang="en-US" dirty="0" smtClean="0"/>
-              <a:t>Container event listener</a:t>
-            </a:r>
-            <a:endParaRPr lang="en-GB" dirty="0"/>
-          </a:p>
-        </p:txBody>
-      </p:sp>
-      <p:sp>
-        <p:nvSpPr>
-          <p:cNvPr id="3" name="Content Placeholder 2"/>
-          <p:cNvSpPr>
-            <a:spLocks noGrp="1"/>
-          </p:cNvSpPr>
-          <p:nvPr>
-            <p:ph idx="1"/>
-          </p:nvPr>
-        </p:nvSpPr>
-        <p:spPr/>
-        <p:txBody>
-          <a:bodyPr/>
           <a:lstStyle/>
           <a:p>
             <a:r>
@@ -7828,7 +8792,7 @@
 </p:sld>
 </file>
 
-<file path=ppt/slides/slide41.xml><?xml version="1.0" encoding="utf-8"?>
+<file path=ppt/slides/slide42.xml><?xml version="1.0" encoding="utf-8"?>
 <p:sld xmlns:a="http://schemas.openxmlformats.org/drawingml/2006/main" xmlns:r="http://schemas.openxmlformats.org/officeDocument/2006/relationships" xmlns:p="http://schemas.openxmlformats.org/presentationml/2006/main">
   <p:cSld>
     <p:spTree>
@@ -7920,7 +8884,7 @@
 </p:sld>
 </file>
 
-<file path=ppt/slides/slide42.xml><?xml version="1.0" encoding="utf-8"?>
+<file path=ppt/slides/slide43.xml><?xml version="1.0" encoding="utf-8"?>
 <p:sld xmlns:a="http://schemas.openxmlformats.org/drawingml/2006/main" xmlns:r="http://schemas.openxmlformats.org/officeDocument/2006/relationships" xmlns:p="http://schemas.openxmlformats.org/presentationml/2006/main">
   <p:cSld>
     <p:spTree>
@@ -8012,72 +8976,6 @@
 </p:sld>
 </file>
 
-<file path=ppt/slides/slide43.xml><?xml version="1.0" encoding="utf-8"?>
-<p:sld xmlns:a="http://schemas.openxmlformats.org/drawingml/2006/main" xmlns:r="http://schemas.openxmlformats.org/officeDocument/2006/relationships" xmlns:p="http://schemas.openxmlformats.org/presentationml/2006/main">
-  <p:cSld>
-    <p:spTree>
-      <p:nvGrpSpPr>
-        <p:cNvPr id="1" name=""/>
-        <p:cNvGrpSpPr/>
-        <p:nvPr/>
-      </p:nvGrpSpPr>
-      <p:grpSpPr>
-        <a:xfrm>
-          <a:off x="0" y="0"/>
-          <a:ext cx="0" cy="0"/>
-          <a:chOff x="0" y="0"/>
-          <a:chExt cx="0" cy="0"/>
-        </a:xfrm>
-      </p:grpSpPr>
-      <p:sp>
-        <p:nvSpPr>
-          <p:cNvPr id="2" name="Title 1"/>
-          <p:cNvSpPr>
-            <a:spLocks noGrp="1"/>
-          </p:cNvSpPr>
-          <p:nvPr>
-            <p:ph type="title"/>
-          </p:nvPr>
-        </p:nvSpPr>
-        <p:spPr>
-          <a:xfrm>
-            <a:off x="815622" y="2329391"/>
-            <a:ext cx="10515600" cy="1325563"/>
-          </a:xfrm>
-        </p:spPr>
-        <p:txBody>
-          <a:bodyPr/>
-          <a:lstStyle/>
-          <a:p>
-            <a:pPr algn="ctr"/>
-            <a:r>
-              <a:rPr lang="en-US" dirty="0" smtClean="0"/>
-              <a:t>Bean definition</a:t>
-            </a:r>
-            <a:endParaRPr lang="en-GB" dirty="0"/>
-          </a:p>
-        </p:txBody>
-      </p:sp>
-    </p:spTree>
-    <p:extLst>
-      <p:ext uri="{BB962C8B-B14F-4D97-AF65-F5344CB8AC3E}">
-        <p14:creationId xmlns:p14="http://schemas.microsoft.com/office/powerpoint/2010/main" val="1472008914"/>
-      </p:ext>
-    </p:extLst>
-  </p:cSld>
-  <p:clrMapOvr>
-    <a:masterClrMapping/>
-  </p:clrMapOvr>
-  <p:timing>
-    <p:tnLst>
-      <p:par>
-        <p:cTn id="1" dur="indefinite" restart="never" nodeType="tmRoot"/>
-      </p:par>
-    </p:tnLst>
-  </p:timing>
-</p:sld>
-</file>
-
 <file path=ppt/slides/slide44.xml><?xml version="1.0" encoding="utf-8"?>
 <p:sld xmlns:a="http://schemas.openxmlformats.org/drawingml/2006/main" xmlns:r="http://schemas.openxmlformats.org/officeDocument/2006/relationships" xmlns:p="http://schemas.openxmlformats.org/presentationml/2006/main">
   <p:cSld>
@@ -8105,55 +9003,20 @@
             <p:ph type="title"/>
           </p:nvPr>
         </p:nvSpPr>
-        <p:spPr/>
-        <p:txBody>
-          <a:bodyPr/>
-          <a:lstStyle/>
-          <a:p>
-            <a:r>
-              <a:rPr lang="en-US" dirty="0" smtClean="0"/>
-              <a:t>Bean definitions</a:t>
-            </a:r>
-            <a:endParaRPr lang="en-GB" dirty="0"/>
-          </a:p>
-        </p:txBody>
-      </p:sp>
-      <p:sp>
-        <p:nvSpPr>
-          <p:cNvPr id="3" name="Content Placeholder 2"/>
-          <p:cNvSpPr>
-            <a:spLocks noGrp="1"/>
-          </p:cNvSpPr>
-          <p:nvPr>
-            <p:ph idx="1"/>
-          </p:nvPr>
-        </p:nvSpPr>
-        <p:spPr/>
-        <p:txBody>
-          <a:bodyPr/>
-          <a:lstStyle/>
-          <a:p>
-            <a:r>
-              <a:rPr lang="en-US" dirty="0" smtClean="0"/>
-              <a:t>Default bean definition</a:t>
-            </a:r>
-          </a:p>
-          <a:p>
-            <a:r>
-              <a:rPr lang="en-US" dirty="0" smtClean="0"/>
-              <a:t>Factory bean</a:t>
-            </a:r>
-          </a:p>
-          <a:p>
-            <a:r>
-              <a:rPr lang="en-US" dirty="0" smtClean="0"/>
-              <a:t>Static factory method</a:t>
-            </a:r>
-          </a:p>
-          <a:p>
-            <a:r>
-              <a:rPr lang="en-US" dirty="0" smtClean="0"/>
-              <a:t>Abstract bean</a:t>
+        <p:spPr>
+          <a:xfrm>
+            <a:off x="872066" y="2600325"/>
+            <a:ext cx="10515600" cy="1325563"/>
+          </a:xfrm>
+        </p:spPr>
+        <p:txBody>
+          <a:bodyPr/>
+          <a:lstStyle/>
+          <a:p>
+            <a:pPr algn="ctr"/>
+            <a:r>
+              <a:rPr lang="en-US" dirty="0" smtClean="0"/>
+              <a:t>Bean definition</a:t>
             </a:r>
             <a:endParaRPr lang="en-GB" dirty="0"/>
           </a:p>
@@ -8162,7 +9025,7 @@
     </p:spTree>
     <p:extLst>
       <p:ext uri="{BB962C8B-B14F-4D97-AF65-F5344CB8AC3E}">
-        <p14:creationId xmlns:p14="http://schemas.microsoft.com/office/powerpoint/2010/main" val="2586401015"/>
+        <p14:creationId xmlns:p14="http://schemas.microsoft.com/office/powerpoint/2010/main" val="1472008914"/>
       </p:ext>
     </p:extLst>
   </p:cSld>
@@ -8213,118 +9076,57 @@
           <a:p>
             <a:r>
               <a:rPr lang="en-US" dirty="0" smtClean="0"/>
+              <a:t>Bean definitions</a:t>
+            </a:r>
+            <a:endParaRPr lang="en-GB" dirty="0"/>
+          </a:p>
+        </p:txBody>
+      </p:sp>
+      <p:sp>
+        <p:nvSpPr>
+          <p:cNvPr id="3" name="Content Placeholder 2"/>
+          <p:cNvSpPr>
+            <a:spLocks noGrp="1"/>
+          </p:cNvSpPr>
+          <p:nvPr>
+            <p:ph idx="1"/>
+          </p:nvPr>
+        </p:nvSpPr>
+        <p:spPr/>
+        <p:txBody>
+          <a:bodyPr/>
+          <a:lstStyle/>
+          <a:p>
+            <a:r>
+              <a:rPr lang="en-US" dirty="0" smtClean="0"/>
               <a:t>Default bean definition</a:t>
             </a:r>
+          </a:p>
+          <a:p>
+            <a:r>
+              <a:rPr lang="en-US" dirty="0" smtClean="0"/>
+              <a:t>Factory bean</a:t>
+            </a:r>
+          </a:p>
+          <a:p>
+            <a:r>
+              <a:rPr lang="en-US" dirty="0" smtClean="0"/>
+              <a:t>Static factory method</a:t>
+            </a:r>
+          </a:p>
+          <a:p>
+            <a:r>
+              <a:rPr lang="en-US" dirty="0" smtClean="0"/>
+              <a:t>Abstract bean</a:t>
+            </a:r>
             <a:endParaRPr lang="en-GB" dirty="0"/>
           </a:p>
         </p:txBody>
       </p:sp>
-      <p:sp>
-        <p:nvSpPr>
-          <p:cNvPr id="3" name="Content Placeholder 2"/>
-          <p:cNvSpPr>
-            <a:spLocks noGrp="1"/>
-          </p:cNvSpPr>
-          <p:nvPr>
-            <p:ph idx="1"/>
-          </p:nvPr>
-        </p:nvSpPr>
-        <p:spPr>
-          <a:xfrm>
-            <a:off x="1097280" y="1825625"/>
-            <a:ext cx="10515600" cy="2599619"/>
-          </a:xfrm>
-        </p:spPr>
-        <p:txBody>
-          <a:bodyPr/>
-          <a:lstStyle/>
-          <a:p>
-            <a:r>
-              <a:rPr lang="en-US" dirty="0" smtClean="0"/>
-              <a:t>Create container-managed objects directly out of bean elements</a:t>
-            </a:r>
-          </a:p>
-          <a:p>
-            <a:pPr lvl="1"/>
-            <a:r>
-              <a:rPr lang="en-US" dirty="0" smtClean="0"/>
-              <a:t>Standard bean definitions</a:t>
-            </a:r>
-            <a:r>
-              <a:rPr lang="en-GB" dirty="0" smtClean="0"/>
-              <a:t>:</a:t>
-            </a:r>
-          </a:p>
-          <a:p>
-            <a:pPr lvl="1"/>
-            <a:r>
-              <a:rPr lang="en-US" dirty="0" smtClean="0"/>
-              <a:t>Xml bean elements. Child to document root, bean</a:t>
-            </a:r>
-          </a:p>
-          <a:p>
-            <a:r>
-              <a:rPr lang="en-US" dirty="0" smtClean="0"/>
-              <a:t>Inner bean </a:t>
-            </a:r>
-            <a:r>
-              <a:rPr lang="en-US" dirty="0" err="1" smtClean="0"/>
-              <a:t>defintions</a:t>
-            </a:r>
-            <a:endParaRPr lang="en-US" dirty="0" smtClean="0"/>
-          </a:p>
-          <a:p>
-            <a:pPr lvl="1"/>
-            <a:r>
-              <a:rPr lang="en-US" dirty="0" smtClean="0"/>
-              <a:t>Xml bean definitions</a:t>
-            </a:r>
-          </a:p>
-          <a:p>
-            <a:pPr lvl="1"/>
-            <a:r>
-              <a:rPr lang="en-US" dirty="0" smtClean="0"/>
-              <a:t>Xml bean elements . Child to property or constructor –</a:t>
-            </a:r>
-            <a:r>
-              <a:rPr lang="en-US" dirty="0" err="1" smtClean="0"/>
-              <a:t>arg</a:t>
-            </a:r>
-            <a:r>
-              <a:rPr lang="en-US" dirty="0" smtClean="0"/>
-              <a:t> elements</a:t>
-            </a:r>
-          </a:p>
-        </p:txBody>
-      </p:sp>
-      <p:pic>
-        <p:nvPicPr>
-          <p:cNvPr id="4" name="Picture 3"/>
-          <p:cNvPicPr>
-            <a:picLocks noChangeAspect="1"/>
-          </p:cNvPicPr>
-          <p:nvPr/>
-        </p:nvPicPr>
-        <p:blipFill>
-          <a:blip r:embed="rId2"/>
-          <a:stretch>
-            <a:fillRect/>
-          </a:stretch>
-        </p:blipFill>
-        <p:spPr>
-          <a:xfrm>
-            <a:off x="3309632" y="3871451"/>
-            <a:ext cx="6619979" cy="2336463"/>
-          </a:xfrm>
-          <a:prstGeom prst="rect">
-            <a:avLst/>
-          </a:prstGeom>
-        </p:spPr>
-      </p:pic>
     </p:spTree>
     <p:extLst>
       <p:ext uri="{BB962C8B-B14F-4D97-AF65-F5344CB8AC3E}">
-        <p14:creationId xmlns:p14="http://schemas.microsoft.com/office/powerpoint/2010/main" val="1552164089"/>
+        <p14:creationId xmlns:p14="http://schemas.microsoft.com/office/powerpoint/2010/main" val="2586401015"/>
       </p:ext>
     </p:extLst>
   </p:cSld>
@@ -8391,93 +9193,102 @@
             <p:ph idx="1"/>
           </p:nvPr>
         </p:nvSpPr>
-        <p:spPr/>
-        <p:txBody>
-          <a:bodyPr>
-            <a:normAutofit lnSpcReduction="10000"/>
-          </a:bodyPr>
-          <a:lstStyle/>
-          <a:p>
-            <a:r>
-              <a:rPr lang="en-US" dirty="0" smtClean="0"/>
-              <a:t>Standard bean element</a:t>
-            </a:r>
-          </a:p>
-          <a:p>
-            <a:pPr lvl="1"/>
-            <a:r>
-              <a:rPr lang="en-US" dirty="0" smtClean="0"/>
-              <a:t>Referenceable , aka collaborator, beans</a:t>
-            </a:r>
-          </a:p>
-          <a:p>
-            <a:r>
-              <a:rPr lang="en-US" dirty="0" smtClean="0"/>
-              <a:t>Inner bean</a:t>
-            </a:r>
-          </a:p>
-          <a:p>
-            <a:pPr lvl="1"/>
-            <a:r>
-              <a:rPr lang="en-US" dirty="0" smtClean="0"/>
-              <a:t>Anonymous</a:t>
-            </a:r>
-          </a:p>
-          <a:p>
-            <a:pPr lvl="1"/>
-            <a:r>
-              <a:rPr lang="en-US" dirty="0" smtClean="0"/>
-              <a:t>Prototype</a:t>
-            </a:r>
-          </a:p>
-          <a:p>
-            <a:pPr lvl="1"/>
-            <a:r>
-              <a:rPr lang="en-US" dirty="0" smtClean="0"/>
-              <a:t>Used to fulfill dependency injection settings</a:t>
-            </a:r>
-          </a:p>
-          <a:p>
-            <a:r>
-              <a:rPr lang="en-US" dirty="0" smtClean="0"/>
-              <a:t>Invocation prerequisites (s) one combination required</a:t>
-            </a:r>
-          </a:p>
-          <a:p>
-            <a:pPr lvl="1"/>
-            <a:r>
-              <a:rPr lang="en-US" dirty="0" smtClean="0"/>
-              <a:t>Class</a:t>
-            </a:r>
-          </a:p>
-          <a:p>
-            <a:pPr lvl="1"/>
-            <a:r>
-              <a:rPr lang="en-US" dirty="0" smtClean="0"/>
-              <a:t>Class and factory method</a:t>
-            </a:r>
-          </a:p>
-          <a:p>
-            <a:pPr lvl="1"/>
-            <a:r>
-              <a:rPr lang="en-US" dirty="0" smtClean="0"/>
-              <a:t>Factory-bean and factory-method</a:t>
-            </a:r>
-          </a:p>
-          <a:p>
-            <a:pPr lvl="1"/>
-            <a:r>
-              <a:rPr lang="en-US" dirty="0" smtClean="0"/>
-              <a:t>Abstract bean attribute set to true</a:t>
-            </a:r>
-            <a:endParaRPr lang="en-GB" dirty="0"/>
-          </a:p>
-        </p:txBody>
-      </p:sp>
+        <p:spPr>
+          <a:xfrm>
+            <a:off x="1097280" y="1825625"/>
+            <a:ext cx="10515600" cy="2599619"/>
+          </a:xfrm>
+        </p:spPr>
+        <p:txBody>
+          <a:bodyPr/>
+          <a:lstStyle/>
+          <a:p>
+            <a:r>
+              <a:rPr lang="en-US" dirty="0" smtClean="0"/>
+              <a:t>Create container-managed objects directly out of bean elements</a:t>
+            </a:r>
+          </a:p>
+          <a:p>
+            <a:pPr lvl="1"/>
+            <a:r>
+              <a:rPr lang="en-US" dirty="0" smtClean="0"/>
+              <a:t>Standard bean definitions</a:t>
+            </a:r>
+            <a:r>
+              <a:rPr lang="en-GB" dirty="0" smtClean="0"/>
+              <a:t>:</a:t>
+            </a:r>
+          </a:p>
+          <a:p>
+            <a:pPr lvl="1"/>
+            <a:r>
+              <a:rPr lang="en-US" dirty="0" smtClean="0"/>
+              <a:t>Xml bean elements. Child to document root, bean</a:t>
+            </a:r>
+          </a:p>
+          <a:p>
+            <a:r>
+              <a:rPr lang="en-US" dirty="0" smtClean="0"/>
+              <a:t>Inner bean </a:t>
+            </a:r>
+            <a:r>
+              <a:rPr lang="en-US" dirty="0" smtClean="0"/>
+              <a:t>definitions</a:t>
+            </a:r>
+            <a:endParaRPr lang="en-US" dirty="0" smtClean="0"/>
+          </a:p>
+          <a:p>
+            <a:pPr lvl="1"/>
+            <a:r>
+              <a:rPr lang="en-US" dirty="0" smtClean="0"/>
+              <a:t>Xml bean definitions</a:t>
+            </a:r>
+          </a:p>
+          <a:p>
+            <a:pPr lvl="1"/>
+            <a:r>
+              <a:rPr lang="en-US" dirty="0" smtClean="0"/>
+              <a:t>Xml bean elements . Child to property or constructor –</a:t>
+            </a:r>
+            <a:r>
+              <a:rPr lang="en-US" dirty="0" err="1" smtClean="0"/>
+              <a:t>arg</a:t>
+            </a:r>
+            <a:r>
+              <a:rPr lang="en-US" dirty="0" smtClean="0"/>
+              <a:t> elements</a:t>
+            </a:r>
+          </a:p>
+        </p:txBody>
+      </p:sp>
+      <p:pic>
+        <p:nvPicPr>
+          <p:cNvPr id="4" name="Picture 3"/>
+          <p:cNvPicPr>
+            <a:picLocks noChangeAspect="1"/>
+          </p:cNvPicPr>
+          <p:nvPr/>
+        </p:nvPicPr>
+        <p:blipFill>
+          <a:blip r:embed="rId2"/>
+          <a:stretch>
+            <a:fillRect/>
+          </a:stretch>
+        </p:blipFill>
+        <p:spPr>
+          <a:xfrm>
+            <a:off x="2691748" y="3927894"/>
+            <a:ext cx="6619979" cy="2336463"/>
+          </a:xfrm>
+          <a:prstGeom prst="rect">
+            <a:avLst/>
+          </a:prstGeom>
+        </p:spPr>
+      </p:pic>
     </p:spTree>
     <p:extLst>
       <p:ext uri="{BB962C8B-B14F-4D97-AF65-F5344CB8AC3E}">
-        <p14:creationId xmlns:p14="http://schemas.microsoft.com/office/powerpoint/2010/main" val="2095433027"/>
+        <p14:creationId xmlns:p14="http://schemas.microsoft.com/office/powerpoint/2010/main" val="1552164089"/>
       </p:ext>
     </p:extLst>
   </p:cSld>
@@ -8553,6 +9364,159 @@
           <a:p>
             <a:r>
               <a:rPr lang="en-US" dirty="0" smtClean="0"/>
+              <a:t>Standard bean element</a:t>
+            </a:r>
+          </a:p>
+          <a:p>
+            <a:pPr lvl="1"/>
+            <a:r>
+              <a:rPr lang="en-US" dirty="0" smtClean="0"/>
+              <a:t>Referenceable , aka collaborator, beans</a:t>
+            </a:r>
+          </a:p>
+          <a:p>
+            <a:r>
+              <a:rPr lang="en-US" dirty="0" smtClean="0"/>
+              <a:t>Inner bean</a:t>
+            </a:r>
+          </a:p>
+          <a:p>
+            <a:pPr lvl="1"/>
+            <a:r>
+              <a:rPr lang="en-US" dirty="0" smtClean="0"/>
+              <a:t>Anonymous</a:t>
+            </a:r>
+          </a:p>
+          <a:p>
+            <a:pPr lvl="1"/>
+            <a:r>
+              <a:rPr lang="en-US" dirty="0" smtClean="0"/>
+              <a:t>Prototype</a:t>
+            </a:r>
+          </a:p>
+          <a:p>
+            <a:pPr lvl="1"/>
+            <a:r>
+              <a:rPr lang="en-US" dirty="0" smtClean="0"/>
+              <a:t>Used to fulfill dependency injection settings</a:t>
+            </a:r>
+          </a:p>
+          <a:p>
+            <a:r>
+              <a:rPr lang="en-US" dirty="0" smtClean="0"/>
+              <a:t>Invocation prerequisites (s) one combination required</a:t>
+            </a:r>
+          </a:p>
+          <a:p>
+            <a:pPr lvl="1"/>
+            <a:r>
+              <a:rPr lang="en-US" dirty="0" smtClean="0"/>
+              <a:t>Class</a:t>
+            </a:r>
+          </a:p>
+          <a:p>
+            <a:pPr lvl="1"/>
+            <a:r>
+              <a:rPr lang="en-US" dirty="0" smtClean="0"/>
+              <a:t>Class and factory method</a:t>
+            </a:r>
+          </a:p>
+          <a:p>
+            <a:pPr lvl="1"/>
+            <a:r>
+              <a:rPr lang="en-US" dirty="0" smtClean="0"/>
+              <a:t>Factory-bean and factory-method</a:t>
+            </a:r>
+          </a:p>
+          <a:p>
+            <a:pPr lvl="1"/>
+            <a:r>
+              <a:rPr lang="en-US" dirty="0" smtClean="0"/>
+              <a:t>Abstract bean attribute set to true</a:t>
+            </a:r>
+            <a:endParaRPr lang="en-GB" dirty="0"/>
+          </a:p>
+        </p:txBody>
+      </p:sp>
+    </p:spTree>
+    <p:extLst>
+      <p:ext uri="{BB962C8B-B14F-4D97-AF65-F5344CB8AC3E}">
+        <p14:creationId xmlns:p14="http://schemas.microsoft.com/office/powerpoint/2010/main" val="2095433027"/>
+      </p:ext>
+    </p:extLst>
+  </p:cSld>
+  <p:clrMapOvr>
+    <a:masterClrMapping/>
+  </p:clrMapOvr>
+  <p:timing>
+    <p:tnLst>
+      <p:par>
+        <p:cTn id="1" dur="indefinite" restart="never" nodeType="tmRoot"/>
+      </p:par>
+    </p:tnLst>
+  </p:timing>
+</p:sld>
+</file>
+
+<file path=ppt/slides/slide48.xml><?xml version="1.0" encoding="utf-8"?>
+<p:sld xmlns:a="http://schemas.openxmlformats.org/drawingml/2006/main" xmlns:r="http://schemas.openxmlformats.org/officeDocument/2006/relationships" xmlns:p="http://schemas.openxmlformats.org/presentationml/2006/main">
+  <p:cSld>
+    <p:spTree>
+      <p:nvGrpSpPr>
+        <p:cNvPr id="1" name=""/>
+        <p:cNvGrpSpPr/>
+        <p:nvPr/>
+      </p:nvGrpSpPr>
+      <p:grpSpPr>
+        <a:xfrm>
+          <a:off x="0" y="0"/>
+          <a:ext cx="0" cy="0"/>
+          <a:chOff x="0" y="0"/>
+          <a:chExt cx="0" cy="0"/>
+        </a:xfrm>
+      </p:grpSpPr>
+      <p:sp>
+        <p:nvSpPr>
+          <p:cNvPr id="2" name="Title 1"/>
+          <p:cNvSpPr>
+            <a:spLocks noGrp="1"/>
+          </p:cNvSpPr>
+          <p:nvPr>
+            <p:ph type="title"/>
+          </p:nvPr>
+        </p:nvSpPr>
+        <p:spPr/>
+        <p:txBody>
+          <a:bodyPr/>
+          <a:lstStyle/>
+          <a:p>
+            <a:r>
+              <a:rPr lang="en-US" dirty="0" smtClean="0"/>
+              <a:t>Default bean definition</a:t>
+            </a:r>
+            <a:endParaRPr lang="en-GB" dirty="0"/>
+          </a:p>
+        </p:txBody>
+      </p:sp>
+      <p:sp>
+        <p:nvSpPr>
+          <p:cNvPr id="3" name="Content Placeholder 2"/>
+          <p:cNvSpPr>
+            <a:spLocks noGrp="1"/>
+          </p:cNvSpPr>
+          <p:nvPr>
+            <p:ph idx="1"/>
+          </p:nvPr>
+        </p:nvSpPr>
+        <p:spPr/>
+        <p:txBody>
+          <a:bodyPr>
+            <a:normAutofit/>
+          </a:bodyPr>
+          <a:lstStyle/>
+          <a:p>
+            <a:r>
+              <a:rPr lang="en-US" dirty="0" smtClean="0"/>
               <a:t>Optional bean properties</a:t>
             </a:r>
           </a:p>
@@ -8681,7 +9645,7 @@
 </p:sld>
 </file>
 
-<file path=ppt/slides/slide48.xml><?xml version="1.0" encoding="utf-8"?>
+<file path=ppt/slides/slide49.xml><?xml version="1.0" encoding="utf-8"?>
 <p:sld xmlns:a="http://schemas.openxmlformats.org/drawingml/2006/main" xmlns:r="http://schemas.openxmlformats.org/officeDocument/2006/relationships" xmlns:p="http://schemas.openxmlformats.org/presentationml/2006/main">
   <p:cSld>
     <p:spTree>
@@ -8826,7 +9790,166 @@
 </p:sld>
 </file>
 
-<file path=ppt/slides/slide49.xml><?xml version="1.0" encoding="utf-8"?>
+<file path=ppt/slides/slide5.xml><?xml version="1.0" encoding="utf-8"?>
+<p:sld xmlns:a="http://schemas.openxmlformats.org/drawingml/2006/main" xmlns:r="http://schemas.openxmlformats.org/officeDocument/2006/relationships" xmlns:p="http://schemas.openxmlformats.org/presentationml/2006/main">
+  <p:cSld>
+    <p:spTree>
+      <p:nvGrpSpPr>
+        <p:cNvPr id="1" name=""/>
+        <p:cNvGrpSpPr/>
+        <p:nvPr/>
+      </p:nvGrpSpPr>
+      <p:grpSpPr>
+        <a:xfrm>
+          <a:off x="0" y="0"/>
+          <a:ext cx="0" cy="0"/>
+          <a:chOff x="0" y="0"/>
+          <a:chExt cx="0" cy="0"/>
+        </a:xfrm>
+      </p:grpSpPr>
+      <p:sp>
+        <p:nvSpPr>
+          <p:cNvPr id="2" name="Title 1"/>
+          <p:cNvSpPr>
+            <a:spLocks noGrp="1"/>
+          </p:cNvSpPr>
+          <p:nvPr>
+            <p:ph type="title"/>
+          </p:nvPr>
+        </p:nvSpPr>
+        <p:spPr/>
+        <p:txBody>
+          <a:bodyPr/>
+          <a:lstStyle/>
+          <a:p>
+            <a:r>
+              <a:rPr lang="en-US" dirty="0" smtClean="0"/>
+              <a:t>Spring </a:t>
+            </a:r>
+            <a:r>
+              <a:rPr lang="en-US" dirty="0" err="1" smtClean="0"/>
+              <a:t>IoC</a:t>
+            </a:r>
+            <a:r>
+              <a:rPr lang="en-US" dirty="0" smtClean="0"/>
+              <a:t> </a:t>
+            </a:r>
+            <a:r>
+              <a:rPr lang="en-US" dirty="0" smtClean="0"/>
+              <a:t>container relevance</a:t>
+            </a:r>
+            <a:endParaRPr lang="en-GB" dirty="0"/>
+          </a:p>
+        </p:txBody>
+      </p:sp>
+      <p:sp>
+        <p:nvSpPr>
+          <p:cNvPr id="3" name="Content Placeholder 2"/>
+          <p:cNvSpPr>
+            <a:spLocks noGrp="1"/>
+          </p:cNvSpPr>
+          <p:nvPr>
+            <p:ph idx="1"/>
+          </p:nvPr>
+        </p:nvSpPr>
+        <p:spPr/>
+        <p:txBody>
+          <a:bodyPr>
+            <a:normAutofit/>
+          </a:bodyPr>
+          <a:lstStyle/>
+          <a:p>
+            <a:r>
+              <a:rPr lang="en-US" dirty="0" smtClean="0"/>
+              <a:t>Inversion of control</a:t>
+            </a:r>
+          </a:p>
+          <a:p>
+            <a:pPr lvl="1"/>
+            <a:r>
+              <a:rPr lang="en-US" dirty="0" smtClean="0"/>
+              <a:t>Move object creation and dependency resolution responsibilities out of business logic</a:t>
+            </a:r>
+          </a:p>
+          <a:p>
+            <a:pPr lvl="1"/>
+            <a:r>
+              <a:rPr lang="en-US" dirty="0" smtClean="0"/>
+              <a:t>Enables business logic to be portable</a:t>
+            </a:r>
+          </a:p>
+          <a:p>
+            <a:pPr lvl="1"/>
+            <a:r>
+              <a:rPr lang="en-US" dirty="0" smtClean="0"/>
+              <a:t>Allows components to be reconfigured with minimal efforts</a:t>
+            </a:r>
+          </a:p>
+          <a:p>
+            <a:r>
+              <a:rPr lang="en-US" dirty="0" smtClean="0"/>
+              <a:t>Loose coupling </a:t>
+            </a:r>
+          </a:p>
+          <a:p>
+            <a:pPr lvl="1"/>
+            <a:r>
+              <a:rPr lang="en-US" dirty="0" smtClean="0"/>
+              <a:t>Client are insulated from implementations</a:t>
+            </a:r>
+          </a:p>
+          <a:p>
+            <a:pPr lvl="1"/>
+            <a:r>
+              <a:rPr lang="en-US" dirty="0" smtClean="0"/>
+              <a:t>Implementation technicalities are invisible to clients</a:t>
+            </a:r>
+          </a:p>
+          <a:p>
+            <a:pPr lvl="1"/>
+            <a:r>
+              <a:rPr lang="en-US" dirty="0" smtClean="0"/>
+              <a:t>Client are only aware of the interface contract and unaware of :</a:t>
+            </a:r>
+          </a:p>
+          <a:p>
+            <a:pPr lvl="2"/>
+            <a:r>
+              <a:rPr lang="en-US" dirty="0" smtClean="0"/>
+              <a:t>Concrete type selections</a:t>
+            </a:r>
+          </a:p>
+          <a:p>
+            <a:pPr lvl="2"/>
+            <a:r>
+              <a:rPr lang="en-US" dirty="0" smtClean="0"/>
+              <a:t>Concreate type initialization mechanism</a:t>
+            </a:r>
+            <a:endParaRPr lang="en-GB" dirty="0"/>
+          </a:p>
+        </p:txBody>
+      </p:sp>
+    </p:spTree>
+    <p:extLst>
+      <p:ext uri="{BB962C8B-B14F-4D97-AF65-F5344CB8AC3E}">
+        <p14:creationId xmlns:p14="http://schemas.microsoft.com/office/powerpoint/2010/main" val="2955929890"/>
+      </p:ext>
+    </p:extLst>
+  </p:cSld>
+  <p:clrMapOvr>
+    <a:masterClrMapping/>
+  </p:clrMapOvr>
+  <p:timing>
+    <p:tnLst>
+      <p:par>
+        <p:cTn id="1" dur="indefinite" restart="never" nodeType="tmRoot"/>
+      </p:par>
+    </p:tnLst>
+  </p:timing>
+</p:sld>
+</file>
+
+<file path=ppt/slides/slide50.xml><?xml version="1.0" encoding="utf-8"?>
 <p:sld xmlns:a="http://schemas.openxmlformats.org/drawingml/2006/main" xmlns:r="http://schemas.openxmlformats.org/officeDocument/2006/relationships" xmlns:p="http://schemas.openxmlformats.org/presentationml/2006/main">
   <p:cSld>
     <p:spTree>
@@ -8943,160 +10066,7 @@
 </p:sld>
 </file>
 
-<file path=ppt/slides/slide5.xml><?xml version="1.0" encoding="utf-8"?>
-<p:sld xmlns:a="http://schemas.openxmlformats.org/drawingml/2006/main" xmlns:r="http://schemas.openxmlformats.org/officeDocument/2006/relationships" xmlns:p="http://schemas.openxmlformats.org/presentationml/2006/main">
-  <p:cSld>
-    <p:spTree>
-      <p:nvGrpSpPr>
-        <p:cNvPr id="1" name=""/>
-        <p:cNvGrpSpPr/>
-        <p:nvPr/>
-      </p:nvGrpSpPr>
-      <p:grpSpPr>
-        <a:xfrm>
-          <a:off x="0" y="0"/>
-          <a:ext cx="0" cy="0"/>
-          <a:chOff x="0" y="0"/>
-          <a:chExt cx="0" cy="0"/>
-        </a:xfrm>
-      </p:grpSpPr>
-      <p:sp>
-        <p:nvSpPr>
-          <p:cNvPr id="2" name="Title 1"/>
-          <p:cNvSpPr>
-            <a:spLocks noGrp="1"/>
-          </p:cNvSpPr>
-          <p:nvPr>
-            <p:ph type="title"/>
-          </p:nvPr>
-        </p:nvSpPr>
-        <p:spPr/>
-        <p:txBody>
-          <a:bodyPr/>
-          <a:lstStyle/>
-          <a:p>
-            <a:r>
-              <a:rPr lang="en-US" dirty="0" smtClean="0"/>
-              <a:t>Spring </a:t>
-            </a:r>
-            <a:r>
-              <a:rPr lang="en-US" dirty="0" err="1" smtClean="0"/>
-              <a:t>IoC</a:t>
-            </a:r>
-            <a:r>
-              <a:rPr lang="en-US" dirty="0" smtClean="0"/>
-              <a:t> container relevance</a:t>
-            </a:r>
-            <a:endParaRPr lang="en-GB" dirty="0"/>
-          </a:p>
-        </p:txBody>
-      </p:sp>
-      <p:sp>
-        <p:nvSpPr>
-          <p:cNvPr id="3" name="Content Placeholder 2"/>
-          <p:cNvSpPr>
-            <a:spLocks noGrp="1"/>
-          </p:cNvSpPr>
-          <p:nvPr>
-            <p:ph idx="1"/>
-          </p:nvPr>
-        </p:nvSpPr>
-        <p:spPr/>
-        <p:txBody>
-          <a:bodyPr/>
-          <a:lstStyle/>
-          <a:p>
-            <a:r>
-              <a:rPr lang="en-US" dirty="0" smtClean="0"/>
-              <a:t>Inversion of control</a:t>
-            </a:r>
-          </a:p>
-          <a:p>
-            <a:pPr lvl="1"/>
-            <a:r>
-              <a:rPr lang="en-US" dirty="0" smtClean="0"/>
-              <a:t>Move object creation and dependency resolution responsibilities out of business logic</a:t>
-            </a:r>
-          </a:p>
-          <a:p>
-            <a:pPr lvl="1"/>
-            <a:r>
-              <a:rPr lang="en-US" dirty="0" smtClean="0"/>
-              <a:t>Enables business logic to be portable</a:t>
-            </a:r>
-          </a:p>
-          <a:p>
-            <a:pPr lvl="1"/>
-            <a:r>
-              <a:rPr lang="en-US" dirty="0" smtClean="0"/>
-              <a:t>Allows components to be reconfigured with minimal efforts</a:t>
-            </a:r>
-          </a:p>
-          <a:p>
-            <a:r>
-              <a:rPr lang="en-US" dirty="0" smtClean="0"/>
-              <a:t>Loose coupling </a:t>
-            </a:r>
-          </a:p>
-          <a:p>
-            <a:pPr lvl="1"/>
-            <a:r>
-              <a:rPr lang="en-US" dirty="0" smtClean="0"/>
-              <a:t>Client are insulated from implementations</a:t>
-            </a:r>
-          </a:p>
-          <a:p>
-            <a:pPr lvl="1"/>
-            <a:r>
-              <a:rPr lang="en-US" dirty="0" smtClean="0"/>
-              <a:t>Implementation technicalities are invisible to clients</a:t>
-            </a:r>
-          </a:p>
-          <a:p>
-            <a:pPr lvl="1"/>
-            <a:r>
-              <a:rPr lang="en-US" dirty="0" smtClean="0"/>
-              <a:t>Client are only aware of the interface contract and unaware of :</a:t>
-            </a:r>
-          </a:p>
-          <a:p>
-            <a:pPr lvl="2"/>
-            <a:r>
-              <a:rPr lang="en-US" dirty="0" smtClean="0"/>
-              <a:t>Concrete type selections</a:t>
-            </a:r>
-          </a:p>
-          <a:p>
-            <a:pPr lvl="2"/>
-            <a:r>
-              <a:rPr lang="en-US" dirty="0" smtClean="0"/>
-              <a:t>Concreate type initialization mechanism</a:t>
-            </a:r>
-            <a:endParaRPr lang="en-GB" dirty="0"/>
-          </a:p>
-        </p:txBody>
-      </p:sp>
-    </p:spTree>
-    <p:extLst>
-      <p:ext uri="{BB962C8B-B14F-4D97-AF65-F5344CB8AC3E}">
-        <p14:creationId xmlns:p14="http://schemas.microsoft.com/office/powerpoint/2010/main" val="2955929890"/>
-      </p:ext>
-    </p:extLst>
-  </p:cSld>
-  <p:clrMapOvr>
-    <a:masterClrMapping/>
-  </p:clrMapOvr>
-  <p:timing>
-    <p:tnLst>
-      <p:par>
-        <p:cTn id="1" dur="indefinite" restart="never" nodeType="tmRoot"/>
-      </p:par>
-    </p:tnLst>
-  </p:timing>
-</p:sld>
-</file>
-
-<file path=ppt/slides/slide50.xml><?xml version="1.0" encoding="utf-8"?>
+<file path=ppt/slides/slide51.xml><?xml version="1.0" encoding="utf-8"?>
 <p:sld xmlns:a="http://schemas.openxmlformats.org/drawingml/2006/main" xmlns:r="http://schemas.openxmlformats.org/officeDocument/2006/relationships" xmlns:p="http://schemas.openxmlformats.org/presentationml/2006/main">
   <p:cSld>
     <p:spTree>
@@ -9208,7 +10178,7 @@
 </p:sld>
 </file>
 
-<file path=ppt/slides/slide51.xml><?xml version="1.0" encoding="utf-8"?>
+<file path=ppt/slides/slide52.xml><?xml version="1.0" encoding="utf-8"?>
 <p:sld xmlns:a="http://schemas.openxmlformats.org/drawingml/2006/main" xmlns:r="http://schemas.openxmlformats.org/officeDocument/2006/relationships" xmlns:p="http://schemas.openxmlformats.org/presentationml/2006/main">
   <p:cSld>
     <p:spTree>
@@ -9333,7 +10303,7 @@
 </p:sld>
 </file>
 
-<file path=ppt/slides/slide52.xml><?xml version="1.0" encoding="utf-8"?>
+<file path=ppt/slides/slide53.xml><?xml version="1.0" encoding="utf-8"?>
 <p:sld xmlns:a="http://schemas.openxmlformats.org/drawingml/2006/main" xmlns:r="http://schemas.openxmlformats.org/officeDocument/2006/relationships" xmlns:p="http://schemas.openxmlformats.org/presentationml/2006/main">
   <p:cSld>
     <p:spTree>
@@ -9472,7 +10442,7 @@
 </p:sld>
 </file>
 
-<file path=ppt/slides/slide53.xml><?xml version="1.0" encoding="utf-8"?>
+<file path=ppt/slides/slide54.xml><?xml version="1.0" encoding="utf-8"?>
 <p:sld xmlns:a="http://schemas.openxmlformats.org/drawingml/2006/main" xmlns:r="http://schemas.openxmlformats.org/officeDocument/2006/relationships" xmlns:p="http://schemas.openxmlformats.org/presentationml/2006/main">
   <p:cSld>
     <p:spTree>
@@ -9556,7 +10526,7 @@
 </p:sld>
 </file>
 
-<file path=ppt/slides/slide54.xml><?xml version="1.0" encoding="utf-8"?>
+<file path=ppt/slides/slide55.xml><?xml version="1.0" encoding="utf-8"?>
 <p:sld xmlns:a="http://schemas.openxmlformats.org/drawingml/2006/main" xmlns:r="http://schemas.openxmlformats.org/officeDocument/2006/relationships" xmlns:p="http://schemas.openxmlformats.org/presentationml/2006/main">
   <p:cSld>
     <p:spTree>
@@ -9682,7 +10652,7 @@
 </p:sld>
 </file>
 
-<file path=ppt/slides/slide55.xml><?xml version="1.0" encoding="utf-8"?>
+<file path=ppt/slides/slide56.xml><?xml version="1.0" encoding="utf-8"?>
 <p:sld xmlns:a="http://schemas.openxmlformats.org/drawingml/2006/main" xmlns:r="http://schemas.openxmlformats.org/officeDocument/2006/relationships" xmlns:p="http://schemas.openxmlformats.org/presentationml/2006/main">
   <p:cSld>
     <p:spTree>
@@ -9766,7 +10736,7 @@
 </p:sld>
 </file>
 
-<file path=ppt/slides/slide56.xml><?xml version="1.0" encoding="utf-8"?>
+<file path=ppt/slides/slide57.xml><?xml version="1.0" encoding="utf-8"?>
 <p:sld xmlns:a="http://schemas.openxmlformats.org/drawingml/2006/main" xmlns:r="http://schemas.openxmlformats.org/officeDocument/2006/relationships" xmlns:p="http://schemas.openxmlformats.org/presentationml/2006/main">
   <p:cSld>
     <p:spTree>
@@ -9897,7 +10867,7 @@
 </p:sld>
 </file>
 
-<file path=ppt/slides/slide57.xml><?xml version="1.0" encoding="utf-8"?>
+<file path=ppt/slides/slide58.xml><?xml version="1.0" encoding="utf-8"?>
 <p:sld xmlns:a="http://schemas.openxmlformats.org/drawingml/2006/main" xmlns:r="http://schemas.openxmlformats.org/officeDocument/2006/relationships" xmlns:p="http://schemas.openxmlformats.org/presentationml/2006/main">
   <p:cSld>
     <p:spTree>
@@ -9981,146 +10951,6 @@
 </p:sld>
 </file>
 
-<file path=ppt/slides/slide58.xml><?xml version="1.0" encoding="utf-8"?>
-<p:sld xmlns:a="http://schemas.openxmlformats.org/drawingml/2006/main" xmlns:r="http://schemas.openxmlformats.org/officeDocument/2006/relationships" xmlns:p="http://schemas.openxmlformats.org/presentationml/2006/main">
-  <p:cSld>
-    <p:spTree>
-      <p:nvGrpSpPr>
-        <p:cNvPr id="1" name=""/>
-        <p:cNvGrpSpPr/>
-        <p:nvPr/>
-      </p:nvGrpSpPr>
-      <p:grpSpPr>
-        <a:xfrm>
-          <a:off x="0" y="0"/>
-          <a:ext cx="0" cy="0"/>
-          <a:chOff x="0" y="0"/>
-          <a:chExt cx="0" cy="0"/>
-        </a:xfrm>
-      </p:grpSpPr>
-      <p:sp>
-        <p:nvSpPr>
-          <p:cNvPr id="2" name="Title 1"/>
-          <p:cNvSpPr>
-            <a:spLocks noGrp="1"/>
-          </p:cNvSpPr>
-          <p:nvPr>
-            <p:ph type="title"/>
-          </p:nvPr>
-        </p:nvSpPr>
-        <p:spPr/>
-        <p:txBody>
-          <a:bodyPr/>
-          <a:lstStyle/>
-          <a:p>
-            <a:r>
-              <a:rPr lang="en-US" dirty="0" smtClean="0"/>
-              <a:t>General approach</a:t>
-            </a:r>
-            <a:endParaRPr lang="en-GB" dirty="0"/>
-          </a:p>
-        </p:txBody>
-      </p:sp>
-      <p:sp>
-        <p:nvSpPr>
-          <p:cNvPr id="3" name="Content Placeholder 2"/>
-          <p:cNvSpPr>
-            <a:spLocks noGrp="1"/>
-          </p:cNvSpPr>
-          <p:nvPr>
-            <p:ph idx="1"/>
-          </p:nvPr>
-        </p:nvSpPr>
-        <p:spPr/>
-        <p:txBody>
-          <a:bodyPr/>
-          <a:lstStyle/>
-          <a:p>
-            <a:r>
-              <a:rPr lang="en-US" dirty="0" smtClean="0"/>
-              <a:t>Develop </a:t>
-            </a:r>
-            <a:r>
-              <a:rPr lang="en-US" dirty="0" err="1" smtClean="0"/>
-              <a:t>pojos</a:t>
-            </a:r>
-            <a:endParaRPr lang="en-US" dirty="0" smtClean="0"/>
-          </a:p>
-          <a:p>
-            <a:pPr lvl="1"/>
-            <a:r>
-              <a:rPr lang="en-US" dirty="0" smtClean="0"/>
-              <a:t>Implementation creational patterns as needed</a:t>
-            </a:r>
-          </a:p>
-          <a:p>
-            <a:pPr lvl="1"/>
-            <a:r>
-              <a:rPr lang="en-US" dirty="0" smtClean="0"/>
-              <a:t>Assume the framework will accommodate the creational patterns required by the system</a:t>
-            </a:r>
-          </a:p>
-          <a:p>
-            <a:r>
-              <a:rPr lang="en-US" dirty="0" smtClean="0"/>
-              <a:t>Plan on using a framework to manage the initiation of all </a:t>
-            </a:r>
-            <a:r>
-              <a:rPr lang="en-US" dirty="0" err="1" smtClean="0"/>
-              <a:t>pojos</a:t>
-            </a:r>
-            <a:endParaRPr lang="en-US" dirty="0" smtClean="0"/>
-          </a:p>
-          <a:p>
-            <a:r>
-              <a:rPr lang="en-US" dirty="0" smtClean="0"/>
-              <a:t>Create the xml bean  definitions file </a:t>
-            </a:r>
-          </a:p>
-          <a:p>
-            <a:pPr lvl="1"/>
-            <a:r>
-              <a:rPr lang="en-US" dirty="0" smtClean="0"/>
-              <a:t>This file is typically named </a:t>
-            </a:r>
-          </a:p>
-          <a:p>
-            <a:pPr lvl="2"/>
-            <a:r>
-              <a:rPr lang="en-US" dirty="0" smtClean="0"/>
-              <a:t>Applicationcontext.xml</a:t>
-            </a:r>
-          </a:p>
-          <a:p>
-            <a:pPr lvl="1"/>
-            <a:r>
-              <a:rPr lang="en-US" dirty="0" smtClean="0"/>
-              <a:t>For large projects comprised of numerous modules , develop a predictable naming system for context files</a:t>
-            </a:r>
-            <a:endParaRPr lang="en-GB" dirty="0"/>
-          </a:p>
-        </p:txBody>
-      </p:sp>
-    </p:spTree>
-    <p:extLst>
-      <p:ext uri="{BB962C8B-B14F-4D97-AF65-F5344CB8AC3E}">
-        <p14:creationId xmlns:p14="http://schemas.microsoft.com/office/powerpoint/2010/main" val="1051517822"/>
-      </p:ext>
-    </p:extLst>
-  </p:cSld>
-  <p:clrMapOvr>
-    <a:masterClrMapping/>
-  </p:clrMapOvr>
-  <p:timing>
-    <p:tnLst>
-      <p:par>
-        <p:cTn id="1" dur="indefinite" restart="never" nodeType="tmRoot"/>
-      </p:par>
-    </p:tnLst>
-  </p:timing>
-</p:sld>
-</file>
-
 <file path=ppt/slides/slide59.xml><?xml version="1.0" encoding="utf-8"?>
 <p:sld xmlns:a="http://schemas.openxmlformats.org/drawingml/2006/main" xmlns:r="http://schemas.openxmlformats.org/officeDocument/2006/relationships" xmlns:p="http://schemas.openxmlformats.org/presentationml/2006/main">
   <p:cSld>
@@ -10173,72 +11003,72 @@
         </p:nvSpPr>
         <p:spPr/>
         <p:txBody>
-          <a:bodyPr/>
-          <a:lstStyle/>
-          <a:p>
-            <a:r>
-              <a:rPr lang="en-US" dirty="0" smtClean="0"/>
-              <a:t>Declare bean definitions with interdependencies</a:t>
-            </a:r>
-          </a:p>
-          <a:p>
-            <a:pPr lvl="1"/>
-            <a:r>
-              <a:rPr lang="en-US" dirty="0" smtClean="0"/>
-              <a:t>Spring </a:t>
+          <a:bodyPr>
+            <a:normAutofit/>
+          </a:bodyPr>
+          <a:lstStyle/>
+          <a:p>
+            <a:r>
+              <a:rPr lang="en-US" dirty="0" smtClean="0"/>
+              <a:t>Develop </a:t>
             </a:r>
             <a:r>
               <a:rPr lang="en-US" dirty="0" err="1" smtClean="0"/>
-              <a:t>ioc</a:t>
-            </a:r>
-            <a:r>
-              <a:rPr lang="en-US" dirty="0" smtClean="0"/>
-              <a:t> provides comprehensive support for instantiation patterns</a:t>
+              <a:t>pojos</a:t>
+            </a:r>
+            <a:endParaRPr lang="en-US" dirty="0" smtClean="0"/>
+          </a:p>
+          <a:p>
+            <a:pPr lvl="1"/>
+            <a:r>
+              <a:rPr lang="en-US" dirty="0" smtClean="0"/>
+              <a:t>Implementation creational patterns as needed</a:t>
+            </a:r>
+          </a:p>
+          <a:p>
+            <a:pPr lvl="1"/>
+            <a:r>
+              <a:rPr lang="en-US" dirty="0" smtClean="0"/>
+              <a:t>Assume the framework will accommodate the creational patterns required by the system</a:t>
+            </a:r>
+          </a:p>
+          <a:p>
+            <a:r>
+              <a:rPr lang="en-US" dirty="0" smtClean="0"/>
+              <a:t>Plan on using a framework to manage the initiation of all </a:t>
+            </a:r>
+            <a:r>
+              <a:rPr lang="en-US" dirty="0" err="1" smtClean="0"/>
+              <a:t>pojos</a:t>
+            </a:r>
+            <a:endParaRPr lang="en-US" dirty="0" smtClean="0"/>
+          </a:p>
+          <a:p>
+            <a:r>
+              <a:rPr lang="en-US" dirty="0" smtClean="0"/>
+              <a:t>Create the xml bean  definitions file </a:t>
+            </a:r>
+          </a:p>
+          <a:p>
+            <a:pPr lvl="1"/>
+            <a:r>
+              <a:rPr lang="en-US" dirty="0" smtClean="0"/>
+              <a:t>This file is typically named </a:t>
             </a:r>
           </a:p>
           <a:p>
             <a:pPr lvl="2"/>
             <a:r>
               <a:rPr lang="en-US" dirty="0" smtClean="0"/>
-              <a:t>Constructor </a:t>
-            </a:r>
-          </a:p>
-          <a:p>
-            <a:pPr lvl="2"/>
-            <a:r>
-              <a:rPr lang="en-US" dirty="0" smtClean="0"/>
-              <a:t>Factory method</a:t>
-            </a:r>
-          </a:p>
-          <a:p>
-            <a:pPr lvl="2"/>
-            <a:r>
-              <a:rPr lang="en-US" dirty="0" smtClean="0"/>
-              <a:t>Static factory method</a:t>
-            </a:r>
-          </a:p>
-          <a:p>
-            <a:pPr lvl="2"/>
-            <a:r>
-              <a:rPr lang="en-US" dirty="0" smtClean="0"/>
-              <a:t>Template beans</a:t>
-            </a:r>
-          </a:p>
-          <a:p>
-            <a:r>
-              <a:rPr lang="en-US" dirty="0" smtClean="0"/>
-              <a:t>Include the bean definitions file as part of distribution </a:t>
-            </a:r>
-          </a:p>
-          <a:p>
-            <a:pPr lvl="1"/>
-            <a:r>
-              <a:rPr lang="en-US" dirty="0" smtClean="0"/>
-              <a:t>This file will serve as a default , but optional, blueprint</a:t>
-            </a:r>
-          </a:p>
-          <a:p>
-            <a:pPr lvl="1"/>
+              <a:t>Applicationcontext.xml</a:t>
+            </a:r>
+          </a:p>
+          <a:p>
+            <a:pPr lvl="1"/>
+            <a:r>
+              <a:rPr lang="en-US" dirty="0" smtClean="0"/>
+              <a:t>For large projects comprised of numerous modules , develop a predictable naming system for context files</a:t>
+            </a:r>
             <a:endParaRPr lang="en-GB" dirty="0"/>
           </a:p>
         </p:txBody>
@@ -10246,7 +11076,7 @@
     </p:spTree>
     <p:extLst>
       <p:ext uri="{BB962C8B-B14F-4D97-AF65-F5344CB8AC3E}">
-        <p14:creationId xmlns:p14="http://schemas.microsoft.com/office/powerpoint/2010/main" val="3377571316"/>
+        <p14:creationId xmlns:p14="http://schemas.microsoft.com/office/powerpoint/2010/main" val="1051517822"/>
       </p:ext>
     </p:extLst>
   </p:cSld>
@@ -10423,6 +11253,148 @@
 </file>
 
 <file path=ppt/slides/slide60.xml><?xml version="1.0" encoding="utf-8"?>
+<p:sld xmlns:a="http://schemas.openxmlformats.org/drawingml/2006/main" xmlns:r="http://schemas.openxmlformats.org/officeDocument/2006/relationships" xmlns:p="http://schemas.openxmlformats.org/presentationml/2006/main">
+  <p:cSld>
+    <p:spTree>
+      <p:nvGrpSpPr>
+        <p:cNvPr id="1" name=""/>
+        <p:cNvGrpSpPr/>
+        <p:nvPr/>
+      </p:nvGrpSpPr>
+      <p:grpSpPr>
+        <a:xfrm>
+          <a:off x="0" y="0"/>
+          <a:ext cx="0" cy="0"/>
+          <a:chOff x="0" y="0"/>
+          <a:chExt cx="0" cy="0"/>
+        </a:xfrm>
+      </p:grpSpPr>
+      <p:sp>
+        <p:nvSpPr>
+          <p:cNvPr id="2" name="Title 1"/>
+          <p:cNvSpPr>
+            <a:spLocks noGrp="1"/>
+          </p:cNvSpPr>
+          <p:nvPr>
+            <p:ph type="title"/>
+          </p:nvPr>
+        </p:nvSpPr>
+        <p:spPr/>
+        <p:txBody>
+          <a:bodyPr/>
+          <a:lstStyle/>
+          <a:p>
+            <a:r>
+              <a:rPr lang="en-US" dirty="0" smtClean="0"/>
+              <a:t>General approach</a:t>
+            </a:r>
+            <a:endParaRPr lang="en-GB" dirty="0"/>
+          </a:p>
+        </p:txBody>
+      </p:sp>
+      <p:sp>
+        <p:nvSpPr>
+          <p:cNvPr id="3" name="Content Placeholder 2"/>
+          <p:cNvSpPr>
+            <a:spLocks noGrp="1"/>
+          </p:cNvSpPr>
+          <p:nvPr>
+            <p:ph idx="1"/>
+          </p:nvPr>
+        </p:nvSpPr>
+        <p:spPr/>
+        <p:txBody>
+          <a:bodyPr/>
+          <a:lstStyle/>
+          <a:p>
+            <a:r>
+              <a:rPr lang="en-US" dirty="0" smtClean="0"/>
+              <a:t>Declare bean definitions with interdependencies</a:t>
+            </a:r>
+          </a:p>
+          <a:p>
+            <a:pPr lvl="1"/>
+            <a:r>
+              <a:rPr lang="en-US" dirty="0" smtClean="0"/>
+              <a:t>Spring </a:t>
+            </a:r>
+            <a:r>
+              <a:rPr lang="en-US" dirty="0" err="1" smtClean="0"/>
+              <a:t>ioc</a:t>
+            </a:r>
+            <a:r>
+              <a:rPr lang="en-US" dirty="0" smtClean="0"/>
+              <a:t> provides comprehensive support for instantiation patterns</a:t>
+            </a:r>
+          </a:p>
+          <a:p>
+            <a:pPr lvl="2"/>
+            <a:r>
+              <a:rPr lang="en-US" dirty="0" smtClean="0"/>
+              <a:t>Constructor </a:t>
+            </a:r>
+          </a:p>
+          <a:p>
+            <a:pPr lvl="2"/>
+            <a:r>
+              <a:rPr lang="en-US" dirty="0" smtClean="0"/>
+              <a:t>Factory method</a:t>
+            </a:r>
+          </a:p>
+          <a:p>
+            <a:pPr lvl="2"/>
+            <a:r>
+              <a:rPr lang="en-US" dirty="0" smtClean="0"/>
+              <a:t>Static factory method</a:t>
+            </a:r>
+          </a:p>
+          <a:p>
+            <a:pPr lvl="2"/>
+            <a:r>
+              <a:rPr lang="en-US" dirty="0" smtClean="0"/>
+              <a:t>Template beans</a:t>
+            </a:r>
+          </a:p>
+          <a:p>
+            <a:r>
+              <a:rPr lang="en-US" dirty="0" smtClean="0"/>
+              <a:t>Include the bean definitions file as part of distribution </a:t>
+            </a:r>
+          </a:p>
+          <a:p>
+            <a:pPr lvl="1"/>
+            <a:r>
+              <a:rPr lang="en-US" dirty="0" smtClean="0"/>
+              <a:t>This file will serve as a default , but optional, blueprint</a:t>
+            </a:r>
+          </a:p>
+          <a:p>
+            <a:pPr lvl="1"/>
+            <a:endParaRPr lang="en-GB" dirty="0"/>
+          </a:p>
+        </p:txBody>
+      </p:sp>
+    </p:spTree>
+    <p:extLst>
+      <p:ext uri="{BB962C8B-B14F-4D97-AF65-F5344CB8AC3E}">
+        <p14:creationId xmlns:p14="http://schemas.microsoft.com/office/powerpoint/2010/main" val="3377571316"/>
+      </p:ext>
+    </p:extLst>
+  </p:cSld>
+  <p:clrMapOvr>
+    <a:masterClrMapping/>
+  </p:clrMapOvr>
+  <p:timing>
+    <p:tnLst>
+      <p:par>
+        <p:cTn id="1" dur="indefinite" restart="never" nodeType="tmRoot"/>
+      </p:par>
+    </p:tnLst>
+  </p:timing>
+</p:sld>
+</file>
+
+<file path=ppt/slides/slide61.xml><?xml version="1.0" encoding="utf-8"?>
 <p:sld xmlns:a="http://schemas.openxmlformats.org/drawingml/2006/main" xmlns:r="http://schemas.openxmlformats.org/officeDocument/2006/relationships" xmlns:p="http://schemas.openxmlformats.org/presentationml/2006/main">
   <p:cSld>
     <p:spTree>
@@ -10623,8 +11595,8 @@
         </p:blipFill>
         <p:spPr>
           <a:xfrm>
-            <a:off x="0" y="413631"/>
-            <a:ext cx="12060461" cy="5772680"/>
+            <a:off x="259645" y="662087"/>
+            <a:ext cx="11635724" cy="5569382"/>
           </a:xfrm>
           <a:prstGeom prst="rect">
             <a:avLst/>
@@ -10870,16 +11842,21 @@
             <a:pPr lvl="2"/>
             <a:r>
               <a:rPr lang="en-US" dirty="0" smtClean="0"/>
-              <a:t>Conventional name is </a:t>
-            </a:r>
-            <a:r>
-              <a:rPr lang="en-US" dirty="0" smtClean="0">
-                <a:solidFill>
-                  <a:srgbClr val="FF0000"/>
-                </a:solidFill>
-              </a:rPr>
-              <a:t>applicationcontext.xml</a:t>
-            </a:r>
+              <a:t>Conventional </a:t>
+            </a:r>
+            <a:r>
+              <a:rPr lang="en-US" dirty="0" smtClean="0"/>
+              <a:t>name </a:t>
+            </a:r>
+            <a:r>
+              <a:rPr lang="en-US" dirty="0" smtClean="0"/>
+              <a:t>is applicationcontext.xml</a:t>
+            </a:r>
+            <a:endParaRPr lang="en-US" dirty="0" smtClean="0">
+              <a:solidFill>
+                <a:schemeClr val="tx1"/>
+              </a:solidFill>
+            </a:endParaRPr>
           </a:p>
           <a:p>
             <a:pPr lvl="2"/>
@@ -10892,7 +11869,11 @@
             <a:pPr lvl="1"/>
             <a:r>
               <a:rPr lang="en-US" dirty="0" smtClean="0"/>
-              <a:t>Place the file in accessible location</a:t>
+              <a:t>Place </a:t>
+            </a:r>
+            <a:r>
+              <a:rPr lang="en-US" dirty="0" smtClean="0"/>
+              <a:t>the file in accessible location</a:t>
             </a:r>
           </a:p>
           <a:p>
@@ -10920,16 +11901,17 @@
             <a:pPr lvl="2"/>
             <a:r>
               <a:rPr lang="en-US" dirty="0" smtClean="0"/>
-              <a:t>Conventional approach is to use bean attributes : </a:t>
-            </a:r>
-            <a:r>
-              <a:rPr lang="en-US" dirty="0" smtClean="0">
-                <a:solidFill>
-                  <a:srgbClr val="FF0000"/>
-                </a:solidFill>
-              </a:rPr>
-              <a:t>id and classes</a:t>
-            </a:r>
+              <a:t>Conventional approach is to use bean </a:t>
+            </a:r>
+            <a:r>
+              <a:rPr lang="en-US" dirty="0" smtClean="0"/>
+              <a:t>attributes</a:t>
+            </a:r>
+            <a:endParaRPr lang="en-US" dirty="0" smtClean="0">
+              <a:solidFill>
+                <a:srgbClr val="FF0000"/>
+              </a:solidFill>
+            </a:endParaRPr>
           </a:p>
           <a:p>
             <a:pPr lvl="1"/>
@@ -10950,7 +11932,11 @@
             <a:pPr lvl="2"/>
             <a:r>
               <a:rPr lang="en-US" dirty="0" smtClean="0"/>
-              <a:t>Initiate a </a:t>
+              <a:t>Initiate </a:t>
+            </a:r>
+            <a:r>
+              <a:rPr lang="en-US" dirty="0" smtClean="0"/>
+              <a:t>a </a:t>
             </a:r>
             <a:r>
               <a:rPr lang="en-US" dirty="0" err="1" smtClean="0"/>
@@ -11000,58 +11986,93 @@
 </file>
 
 <file path=ppt/theme/theme1.xml><?xml version="1.0" encoding="utf-8"?>
-<a:theme xmlns:a="http://schemas.openxmlformats.org/drawingml/2006/main" name="Basis">
+<a:theme xmlns:a="http://schemas.openxmlformats.org/drawingml/2006/main" name="Retrospect">
   <a:themeElements>
-    <a:clrScheme name="Basis">
+    <a:clrScheme name="Retrospect">
       <a:dk1>
         <a:srgbClr val="000000"/>
       </a:dk1>
       <a:lt1>
-        <a:srgbClr val="FFFFFF"/>
+        <a:sysClr val="window" lastClr="FFFFFF"/>
       </a:lt1>
       <a:dk2>
-        <a:srgbClr val="565349"/>
+        <a:srgbClr val="637052"/>
       </a:dk2>
       <a:lt2>
-        <a:srgbClr val="DDDDDD"/>
+        <a:srgbClr val="CCDDEA"/>
       </a:lt2>
       <a:accent1>
-        <a:srgbClr val="A6B727"/>
+        <a:srgbClr val="E48312"/>
       </a:accent1>
       <a:accent2>
-        <a:srgbClr val="DF5327"/>
+        <a:srgbClr val="BD582C"/>
       </a:accent2>
       <a:accent3>
-        <a:srgbClr val="FE9E00"/>
+        <a:srgbClr val="865640"/>
       </a:accent3>
       <a:accent4>
-        <a:srgbClr val="418AB3"/>
+        <a:srgbClr val="9B8357"/>
       </a:accent4>
       <a:accent5>
-        <a:srgbClr val="D7D447"/>
+        <a:srgbClr val="C2BC80"/>
       </a:accent5>
       <a:accent6>
-        <a:srgbClr val="818183"/>
+        <a:srgbClr val="94A088"/>
       </a:accent6>
       <a:hlink>
-        <a:srgbClr val="F59E00"/>
+        <a:srgbClr val="2998E3"/>
       </a:hlink>
       <a:folHlink>
-        <a:srgbClr val="B2B2B2"/>
+        <a:srgbClr val="8C8C8C"/>
       </a:folHlink>
     </a:clrScheme>
-    <a:fontScheme name="Basis">
+    <a:fontScheme name="Retrospect">
       <a:majorFont>
-        <a:latin typeface="Corbel" panose="020B0503020204020204"/>
+        <a:latin typeface="Calibri Light" panose="020F0302020204030204"/>
         <a:ea typeface=""/>
         <a:cs typeface=""/>
-        <a:font script="Jpan" typeface="ＭＳ ゴシック"/>
+        <a:font script="Jpan" typeface="ＭＳ Ｐゴシック"/>
         <a:font script="Hang" typeface="맑은 고딕"/>
         <a:font script="Hans" typeface="宋体"/>
         <a:font script="Hant" typeface="新細明體"/>
-        <a:font script="Arab" typeface="Tahoma"/>
-        <a:font script="Hebr" typeface="Gisha"/>
-        <a:font script="Thai" typeface="DilleniaUPC"/>
+        <a:font script="Arab" typeface="Times New Roman"/>
+        <a:font script="Hebr" typeface="Times New Roman"/>
+        <a:font script="Thai" typeface="Angsana New"/>
+        <a:font script="Ethi" typeface="Nyala"/>
+        <a:font script="Beng" typeface="Vrinda"/>
+        <a:font script="Gujr" typeface="Shruti"/>
+        <a:font script="Khmr" typeface="MoolBoran"/>
+        <a:font script="Knda" typeface="Tunga"/>
+        <a:font script="Guru" typeface="Raavi"/>
+        <a:font script="Cans" typeface="Euphemia"/>
+        <a:font script="Cher" typeface="Plantagenet Cherokee"/>
+        <a:font script="Yiii" typeface="Microsoft Yi Baiti"/>
+        <a:font script="Tibt" typeface="Microsoft Himalaya"/>
+        <a:font script="Thaa" typeface="MV Boli"/>
+        <a:font script="Deva" typeface="Mangal"/>
+        <a:font script="Telu" typeface="Gautami"/>
+        <a:font script="Taml" typeface="Latha"/>
+        <a:font script="Syrc" typeface="Estrangelo Edessa"/>
+        <a:font script="Orya" typeface="Kalinga"/>
+        <a:font script="Mlym" typeface="Kartika"/>
+        <a:font script="Laoo" typeface="DokChampa"/>
+        <a:font script="Sinh" typeface="Iskoola Pota"/>
+        <a:font script="Mong" typeface="Mongolian Baiti"/>
+        <a:font script="Viet" typeface="Times New Roman"/>
+        <a:font script="Uigh" typeface="Microsoft Uighur"/>
+        <a:font script="Geor" typeface="Sylfaen"/>
+      </a:majorFont>
+      <a:minorFont>
+        <a:latin typeface="Calibri" panose="020F0502020204030204"/>
+        <a:ea typeface=""/>
+        <a:cs typeface=""/>
+        <a:font script="Jpan" typeface="ＭＳ Ｐゴシック"/>
+        <a:font script="Hang" typeface="맑은 고딕"/>
+        <a:font script="Hans" typeface="宋体"/>
+        <a:font script="Hant" typeface="新細明體"/>
+        <a:font script="Arab" typeface="Arial"/>
+        <a:font script="Hebr" typeface="Arial"/>
+        <a:font script="Thai" typeface="Cordia New"/>
         <a:font script="Ethi" typeface="Nyala"/>
         <a:font script="Beng" typeface="Vrinda"/>
         <a:font script="Gujr" typeface="Shruti"/>
@@ -11072,72 +12093,69 @@
         <a:font script="Laoo" typeface="DokChampa"/>
         <a:font script="Sinh" typeface="Iskoola Pota"/>
         <a:font script="Mong" typeface="Mongolian Baiti"/>
-        <a:font script="Viet" typeface="Tahoma"/>
-        <a:font script="Uigh" typeface="Microsoft Uighur"/>
-        <a:font script="Geor" typeface="Sylfaen"/>
-      </a:majorFont>
-      <a:minorFont>
-        <a:latin typeface="Corbel" panose="020B0503020204020204"/>
-        <a:ea typeface=""/>
-        <a:cs typeface=""/>
-        <a:font script="Jpan" typeface="ＭＳ ゴシック"/>
-        <a:font script="Hang" typeface="맑은 고딕"/>
-        <a:font script="Hans" typeface="宋体"/>
-        <a:font script="Hant" typeface="新細明體"/>
-        <a:font script="Arab" typeface="Tahoma"/>
-        <a:font script="Hebr" typeface="Gisha"/>
-        <a:font script="Thai" typeface="DilleniaUPC"/>
-        <a:font script="Ethi" typeface="Nyala"/>
-        <a:font script="Beng" typeface="Vrinda"/>
-        <a:font script="Gujr" typeface="Shruti"/>
-        <a:font script="Khmr" typeface="DaunPenh"/>
-        <a:font script="Knda" typeface="Tunga"/>
-        <a:font script="Guru" typeface="Raavi"/>
-        <a:font script="Cans" typeface="Euphemia"/>
-        <a:font script="Cher" typeface="Plantagenet Cherokee"/>
-        <a:font script="Yiii" typeface="Microsoft Yi Baiti"/>
-        <a:font script="Tibt" typeface="Microsoft Himalaya"/>
-        <a:font script="Thaa" typeface="MV Boli"/>
-        <a:font script="Deva" typeface="Mangal"/>
-        <a:font script="Telu" typeface="Gautami"/>
-        <a:font script="Taml" typeface="Latha"/>
-        <a:font script="Syrc" typeface="Estrangelo Edessa"/>
-        <a:font script="Orya" typeface="Kalinga"/>
-        <a:font script="Mlym" typeface="Kartika"/>
-        <a:font script="Laoo" typeface="DokChampa"/>
-        <a:font script="Sinh" typeface="Iskoola Pota"/>
-        <a:font script="Mong" typeface="Mongolian Baiti"/>
-        <a:font script="Viet" typeface="Verdana"/>
+        <a:font script="Viet" typeface="Arial"/>
         <a:font script="Uigh" typeface="Microsoft Uighur"/>
         <a:font script="Geor" typeface="Sylfaen"/>
       </a:minorFont>
     </a:fontScheme>
-    <a:fmtScheme name="Basis">
+    <a:fmtScheme name="Retrospect">
       <a:fillStyleLst>
         <a:solidFill>
           <a:schemeClr val="phClr"/>
         </a:solidFill>
-        <a:solidFill>
-          <a:schemeClr val="phClr">
-            <a:tint val="55000"/>
-            <a:satMod val="130000"/>
-          </a:schemeClr>
-        </a:solidFill>
         <a:gradFill rotWithShape="1">
           <a:gsLst>
             <a:gs pos="0">
-              <a:schemeClr val="phClr"/>
+              <a:schemeClr val="phClr">
+                <a:tint val="65000"/>
+                <a:shade val="92000"/>
+                <a:satMod val="130000"/>
+              </a:schemeClr>
             </a:gs>
-            <a:gs pos="90000">
+            <a:gs pos="45000">
               <a:schemeClr val="phClr">
-                <a:shade val="100000"/>
-                <a:satMod val="105000"/>
+                <a:tint val="60000"/>
+                <a:shade val="99000"/>
+                <a:satMod val="120000"/>
               </a:schemeClr>
             </a:gs>
             <a:gs pos="100000">
               <a:schemeClr val="phClr">
-                <a:shade val="80000"/>
-                <a:satMod val="120000"/>
+                <a:tint val="55000"/>
+                <a:satMod val="140000"/>
+              </a:schemeClr>
+            </a:gs>
+          </a:gsLst>
+          <a:path path="circle">
+            <a:fillToRect l="100000" t="100000" r="100000" b="100000"/>
+          </a:path>
+        </a:gradFill>
+        <a:gradFill rotWithShape="1">
+          <a:gsLst>
+            <a:gs pos="0">
+              <a:schemeClr val="phClr">
+                <a:shade val="85000"/>
+                <a:satMod val="130000"/>
+              </a:schemeClr>
+            </a:gs>
+            <a:gs pos="34000">
+              <a:schemeClr val="phClr">
+                <a:shade val="87000"/>
+                <a:satMod val="125000"/>
+              </a:schemeClr>
+            </a:gs>
+            <a:gs pos="70000">
+              <a:schemeClr val="phClr">
+                <a:tint val="100000"/>
+                <a:shade val="90000"/>
+                <a:satMod val="130000"/>
+              </a:schemeClr>
+            </a:gs>
+            <a:gs pos="100000">
+              <a:schemeClr val="phClr">
+                <a:tint val="100000"/>
+                <a:shade val="100000"/>
+                <a:satMod val="110000"/>
               </a:schemeClr>
             </a:gs>
           </a:gsLst>
@@ -11147,19 +12165,19 @@
         </a:gradFill>
       </a:fillStyleLst>
       <a:lnStyleLst>
-        <a:ln w="10000" cap="flat" cmpd="sng" algn="ctr">
+        <a:ln w="12700" cap="flat" cmpd="sng" algn="ctr">
           <a:solidFill>
             <a:schemeClr val="phClr"/>
           </a:solidFill>
           <a:prstDash val="solid"/>
         </a:ln>
-        <a:ln w="19050" cap="flat" cmpd="sng" algn="ctr">
+        <a:ln w="15875" cap="flat" cmpd="sng" algn="ctr">
           <a:solidFill>
             <a:schemeClr val="phClr"/>
           </a:solidFill>
           <a:prstDash val="solid"/>
         </a:ln>
-        <a:ln w="53975" cap="flat" cmpd="dbl" algn="ctr">
+        <a:ln w="25400" cap="flat" cmpd="sng" algn="ctr">
           <a:solidFill>
             <a:schemeClr val="phClr"/>
           </a:solidFill>
@@ -11172,18 +12190,18 @@
         </a:effectStyle>
         <a:effectStyle>
           <a:effectLst>
-            <a:outerShdw blurRad="38100" dist="25400" dir="5400000" rotWithShape="0">
+            <a:outerShdw blurRad="38100" dist="25400" dir="2700000" algn="br" rotWithShape="0">
               <a:srgbClr val="000000">
-                <a:alpha val="45000"/>
+                <a:alpha val="60000"/>
               </a:srgbClr>
             </a:outerShdw>
           </a:effectLst>
         </a:effectStyle>
         <a:effectStyle>
           <a:effectLst>
-            <a:outerShdw blurRad="38100" dist="25400" dir="5400000" rotWithShape="0">
+            <a:outerShdw blurRad="44450" dist="25400" dir="2700000" algn="br" rotWithShape="0">
               <a:srgbClr val="000000">
-                <a:alpha val="45000"/>
+                <a:alpha val="60000"/>
               </a:srgbClr>
             </a:outerShdw>
           </a:effectLst>
@@ -11191,16 +12209,12 @@
             <a:camera prst="orthographicFront">
               <a:rot lat="0" lon="0" rev="0"/>
             </a:camera>
-            <a:lightRig rig="brightRoom" dir="t"/>
+            <a:lightRig rig="threePt" dir="t">
+              <a:rot lat="0" lon="0" rev="19800000"/>
+            </a:lightRig>
           </a:scene3d>
-          <a:sp3d extrusionH="12700" contourW="25400" prstMaterial="flat">
-            <a:bevelT w="63500" h="152400" prst="angle"/>
-            <a:contourClr>
-              <a:schemeClr val="phClr">
-                <a:shade val="27000"/>
-                <a:satMod val="120000"/>
-              </a:schemeClr>
-            </a:contourClr>
+          <a:sp3d prstMaterial="flat">
+            <a:bevelT w="25400" h="31750"/>
           </a:sp3d>
         </a:effectStyle>
       </a:effectStyleLst>
@@ -11210,19 +12224,37 @@
         </a:solidFill>
         <a:solidFill>
           <a:schemeClr val="phClr">
-            <a:tint val="95000"/>
-            <a:shade val="95000"/>
-            <a:satMod val="140000"/>
+            <a:tint val="90000"/>
+            <a:shade val="97000"/>
+            <a:satMod val="130000"/>
           </a:schemeClr>
         </a:solidFill>
-        <a:solidFill>
-          <a:schemeClr val="phClr">
-            <a:tint val="90000"/>
-            <a:shade val="85000"/>
-            <a:satMod val="160000"/>
-            <a:lumMod val="110000"/>
-          </a:schemeClr>
-        </a:solidFill>
+        <a:gradFill rotWithShape="1">
+          <a:gsLst>
+            <a:gs pos="0">
+              <a:schemeClr val="phClr">
+                <a:tint val="96000"/>
+                <a:shade val="99000"/>
+                <a:satMod val="140000"/>
+              </a:schemeClr>
+            </a:gs>
+            <a:gs pos="65000">
+              <a:schemeClr val="phClr">
+                <a:tint val="100000"/>
+                <a:shade val="80000"/>
+                <a:satMod val="130000"/>
+              </a:schemeClr>
+            </a:gs>
+            <a:gs pos="100000">
+              <a:schemeClr val="phClr">
+                <a:tint val="100000"/>
+                <a:shade val="48000"/>
+                <a:satMod val="120000"/>
+              </a:schemeClr>
+            </a:gs>
+          </a:gsLst>
+          <a:lin ang="16200000" scaled="0"/>
+        </a:gradFill>
       </a:bgFillStyleLst>
     </a:fmtScheme>
   </a:themeElements>
@@ -11230,7 +12262,7 @@
   <a:extraClrSchemeLst/>
   <a:extLst>
     <a:ext uri="{05A4C25C-085E-4340-85A3-A5531E510DB2}">
-      <thm15:themeFamily xmlns:thm15="http://schemas.microsoft.com/office/thememl/2012/main" name="Basis" id="{5665723A-49BA-4B57-8411-A56F8F207965}" vid="{90E45F77-AEFC-46EF-A7C1-5B338C297B02}"/>
+      <thm15:themeFamily xmlns:thm15="http://schemas.microsoft.com/office/thememl/2012/main" name="Retrospect" id="{5F128B03-DCCA-4EEB-AB3B-CF2899314A46}" vid="{3F1AAB62-24C6-49D2-8E01-B56FAC9A3DCD}"/>
     </a:ext>
   </a:extLst>
 </a:theme>
